--- a/文書/簡報2.pptx
+++ b/文書/簡報2.pptx
@@ -300,7 +300,7 @@
                 <a:latin typeface="Microsoft JhengHei UI" panose="020B0604030504040204" pitchFamily="34" charset="-120"/>
                 <a:ea typeface="Microsoft JhengHei UI" panose="020B0604030504040204" pitchFamily="34" charset="-120"/>
               </a:rPr>
-              <a:t>2021年4月13日</a:t>
+              <a:t>2021年4月24日</a:t>
             </a:fld>
             <a:endParaRPr lang="zh-TW" altLang="en-US" dirty="0">
               <a:latin typeface="Microsoft JhengHei UI" panose="020B0604030504040204" pitchFamily="34" charset="-120"/>
@@ -486,7 +486,7 @@
             <a:fld id="{7667526B-7648-441B-886B-3500AD6BF91B}" type="datetime2">
               <a:rPr lang="zh-TW" altLang="en-US" smtClean="0"/>
               <a:pPr/>
-              <a:t>2021年4月13日</a:t>
+              <a:t>2021年4月24日</a:t>
             </a:fld>
             <a:endParaRPr lang="zh-TW" altLang="en-US" dirty="0"/>
           </a:p>
@@ -1198,7 +1198,7 @@
             <a:fld id="{ECC6140C-6E59-40F2-8A97-60E6652F7DA7}" type="datetime2">
               <a:rPr lang="zh-TW" altLang="en-US" smtClean="0"/>
               <a:pPr/>
-              <a:t>2021年4月13日</a:t>
+              <a:t>2021年4月24日</a:t>
             </a:fld>
             <a:endParaRPr lang="zh-TW" altLang="en-US" dirty="0"/>
           </a:p>
@@ -1405,7 +1405,7 @@
             <a:fld id="{B70E7BD8-2180-4E57-B17B-744AF6DBE1CD}" type="datetime2">
               <a:rPr lang="zh-TW" altLang="en-US" smtClean="0"/>
               <a:pPr/>
-              <a:t>2021年4月13日</a:t>
+              <a:t>2021年4月24日</a:t>
             </a:fld>
             <a:endParaRPr lang="zh-TW" altLang="en-US" dirty="0"/>
           </a:p>
@@ -1600,7 +1600,7 @@
             <a:fld id="{621E85F5-055F-41D4-8377-1F10CED030A6}" type="datetime2">
               <a:rPr lang="zh-TW" altLang="en-US" smtClean="0"/>
               <a:pPr/>
-              <a:t>2021年4月13日</a:t>
+              <a:t>2021年4月24日</a:t>
             </a:fld>
             <a:endParaRPr lang="zh-TW" altLang="en-US" dirty="0"/>
           </a:p>
@@ -1872,7 +1872,7 @@
             <a:fld id="{29348C3B-7A5C-4958-B8D6-83A8E3B5ED6B}" type="datetime2">
               <a:rPr lang="zh-TW" altLang="en-US" smtClean="0"/>
               <a:pPr/>
-              <a:t>2021年4月13日</a:t>
+              <a:t>2021年4月24日</a:t>
             </a:fld>
             <a:endParaRPr lang="zh-TW" altLang="en-US" dirty="0"/>
           </a:p>
@@ -2078,7 +2078,7 @@
             <a:fld id="{ECC6140C-6E59-40F2-8A97-60E6652F7DA7}" type="datetime2">
               <a:rPr lang="zh-TW" altLang="en-US" smtClean="0"/>
               <a:pPr/>
-              <a:t>2021年4月13日</a:t>
+              <a:t>2021年4月24日</a:t>
             </a:fld>
             <a:endParaRPr lang="zh-TW" altLang="en-US" dirty="0"/>
           </a:p>
@@ -2364,7 +2364,7 @@
             <a:fld id="{4613E7D1-1530-41F2-958D-9EEA4A632E5E}" type="datetime2">
               <a:rPr lang="zh-TW" altLang="en-US" smtClean="0"/>
               <a:pPr/>
-              <a:t>2021年4月13日</a:t>
+              <a:t>2021年4月24日</a:t>
             </a:fld>
             <a:endParaRPr lang="zh-TW" altLang="en-US" dirty="0"/>
           </a:p>
@@ -2652,7 +2652,7 @@
             <a:fld id="{A7CECEC2-3B2C-4BCE-9D71-F39904E648D8}" type="datetime2">
               <a:rPr lang="zh-TW" altLang="en-US" smtClean="0"/>
               <a:pPr/>
-              <a:t>2021年4月13日</a:t>
+              <a:t>2021年4月24日</a:t>
             </a:fld>
             <a:endParaRPr lang="zh-TW" altLang="en-US" dirty="0"/>
           </a:p>
@@ -3118,7 +3118,7 @@
             <a:fld id="{0CCC8A08-2F79-4F6C-B61A-7D780D2BA073}" type="datetime2">
               <a:rPr lang="zh-TW" altLang="en-US" smtClean="0"/>
               <a:pPr/>
-              <a:t>2021年4月13日</a:t>
+              <a:t>2021年4月24日</a:t>
             </a:fld>
             <a:endParaRPr lang="zh-TW" altLang="en-US" dirty="0"/>
           </a:p>
@@ -3325,7 +3325,7 @@
             <a:fld id="{73A74116-7617-4B04-A136-D6BE413FD856}" type="datetime2">
               <a:rPr lang="zh-TW" altLang="en-US" smtClean="0"/>
               <a:pPr/>
-              <a:t>2021年4月13日</a:t>
+              <a:t>2021年4月24日</a:t>
             </a:fld>
             <a:endParaRPr lang="zh-TW" altLang="en-US" dirty="0"/>
           </a:p>
@@ -3457,7 +3457,7 @@
             <a:fld id="{1C505F1D-13CA-494B-AC99-9A38FA204D58}" type="datetime2">
               <a:rPr lang="zh-TW" altLang="en-US" smtClean="0"/>
               <a:pPr/>
-              <a:t>2021年4月13日</a:t>
+              <a:t>2021年4月24日</a:t>
             </a:fld>
             <a:endParaRPr lang="zh-TW" altLang="en-US" dirty="0"/>
           </a:p>
@@ -3793,7 +3793,7 @@
             <a:fld id="{ECC6140C-6E59-40F2-8A97-60E6652F7DA7}" type="datetime2">
               <a:rPr lang="zh-TW" altLang="en-US" smtClean="0"/>
               <a:pPr/>
-              <a:t>2021年4月13日</a:t>
+              <a:t>2021年4月24日</a:t>
             </a:fld>
             <a:endParaRPr lang="zh-TW" altLang="en-US" dirty="0"/>
           </a:p>
@@ -4098,7 +4098,7 @@
             <a:fld id="{ECC6140C-6E59-40F2-8A97-60E6652F7DA7}" type="datetime2">
               <a:rPr lang="zh-TW" altLang="en-US" smtClean="0"/>
               <a:pPr/>
-              <a:t>2021年4月13日</a:t>
+              <a:t>2021年4月24日</a:t>
             </a:fld>
             <a:endParaRPr lang="zh-TW" altLang="en-US" dirty="0"/>
           </a:p>
@@ -4465,7 +4465,7 @@
             <a:fld id="{ECC6140C-6E59-40F2-8A97-60E6652F7DA7}" type="datetime2">
               <a:rPr lang="zh-TW" altLang="en-US" smtClean="0"/>
               <a:pPr/>
-              <a:t>2021年4月13日</a:t>
+              <a:t>2021年4月24日</a:t>
             </a:fld>
             <a:endParaRPr lang="zh-TW" altLang="en-US" dirty="0"/>
           </a:p>
@@ -11053,1606 +11053,6 @@
           <a:chExt cx="0" cy="0"/>
         </a:xfrm>
       </p:grpSpPr>
-      <p:grpSp>
-        <p:nvGrpSpPr>
-          <p:cNvPr id="99" name="群組 98">
-            <a:extLst>
-              <a:ext uri="{FF2B5EF4-FFF2-40B4-BE49-F238E27FC236}">
-                <a16:creationId xmlns:a16="http://schemas.microsoft.com/office/drawing/2014/main" id="{71C26CC4-A586-46AC-8F6F-460476B8A099}"/>
-              </a:ext>
-            </a:extLst>
-          </p:cNvPr>
-          <p:cNvGrpSpPr/>
-          <p:nvPr/>
-        </p:nvGrpSpPr>
-        <p:grpSpPr>
-          <a:xfrm>
-            <a:off x="1439085" y="1411888"/>
-            <a:ext cx="10127935" cy="5105655"/>
-            <a:chOff x="1030939" y="589922"/>
-            <a:chExt cx="10127935" cy="5105655"/>
-          </a:xfrm>
-        </p:grpSpPr>
-        <p:cxnSp>
-          <p:nvCxnSpPr>
-            <p:cNvPr id="45" name="直線接點 44">
-              <a:extLst>
-                <a:ext uri="{FF2B5EF4-FFF2-40B4-BE49-F238E27FC236}">
-                  <a16:creationId xmlns:a16="http://schemas.microsoft.com/office/drawing/2014/main" id="{E594BE11-F1F6-4CB1-98A4-F86E889197C3}"/>
-                </a:ext>
-              </a:extLst>
-            </p:cNvPr>
-            <p:cNvCxnSpPr>
-              <a:cxnSpLocks/>
-            </p:cNvCxnSpPr>
-            <p:nvPr/>
-          </p:nvCxnSpPr>
-          <p:spPr>
-            <a:xfrm>
-              <a:off x="5593976" y="1317812"/>
-              <a:ext cx="0" cy="304800"/>
-            </a:xfrm>
-            <a:prstGeom prst="line">
-              <a:avLst/>
-            </a:prstGeom>
-            <a:ln>
-              <a:solidFill>
-                <a:schemeClr val="tx1"/>
-              </a:solidFill>
-            </a:ln>
-          </p:spPr>
-          <p:style>
-            <a:lnRef idx="1">
-              <a:schemeClr val="dk1"/>
-            </a:lnRef>
-            <a:fillRef idx="0">
-              <a:schemeClr val="dk1"/>
-            </a:fillRef>
-            <a:effectRef idx="0">
-              <a:schemeClr val="dk1"/>
-            </a:effectRef>
-            <a:fontRef idx="minor">
-              <a:schemeClr val="tx1"/>
-            </a:fontRef>
-          </p:style>
-        </p:cxnSp>
-        <p:cxnSp>
-          <p:nvCxnSpPr>
-            <p:cNvPr id="46" name="直線接點 45">
-              <a:extLst>
-                <a:ext uri="{FF2B5EF4-FFF2-40B4-BE49-F238E27FC236}">
-                  <a16:creationId xmlns:a16="http://schemas.microsoft.com/office/drawing/2014/main" id="{462E56FE-9146-4624-B36D-D97DEB7B8094}"/>
-                </a:ext>
-              </a:extLst>
-            </p:cNvPr>
-            <p:cNvCxnSpPr>
-              <a:cxnSpLocks/>
-            </p:cNvCxnSpPr>
-            <p:nvPr/>
-          </p:nvCxnSpPr>
-          <p:spPr>
-            <a:xfrm flipV="1">
-              <a:off x="2205317" y="1633394"/>
-              <a:ext cx="6928588" cy="7148"/>
-            </a:xfrm>
-            <a:prstGeom prst="line">
-              <a:avLst/>
-            </a:prstGeom>
-            <a:ln>
-              <a:solidFill>
-                <a:schemeClr val="tx1"/>
-              </a:solidFill>
-            </a:ln>
-          </p:spPr>
-          <p:style>
-            <a:lnRef idx="1">
-              <a:schemeClr val="dk1"/>
-            </a:lnRef>
-            <a:fillRef idx="0">
-              <a:schemeClr val="dk1"/>
-            </a:fillRef>
-            <a:effectRef idx="0">
-              <a:schemeClr val="dk1"/>
-            </a:effectRef>
-            <a:fontRef idx="minor">
-              <a:schemeClr val="tx1"/>
-            </a:fontRef>
-          </p:style>
-        </p:cxnSp>
-        <p:cxnSp>
-          <p:nvCxnSpPr>
-            <p:cNvPr id="47" name="直線接點 46">
-              <a:extLst>
-                <a:ext uri="{FF2B5EF4-FFF2-40B4-BE49-F238E27FC236}">
-                  <a16:creationId xmlns:a16="http://schemas.microsoft.com/office/drawing/2014/main" id="{8398F1B5-2D5D-483A-99E6-1A26EC3DDF56}"/>
-                </a:ext>
-              </a:extLst>
-            </p:cNvPr>
-            <p:cNvCxnSpPr/>
-            <p:nvPr/>
-          </p:nvCxnSpPr>
-          <p:spPr>
-            <a:xfrm>
-              <a:off x="2214948" y="1631557"/>
-              <a:ext cx="0" cy="475129"/>
-            </a:xfrm>
-            <a:prstGeom prst="line">
-              <a:avLst/>
-            </a:prstGeom>
-            <a:ln>
-              <a:solidFill>
-                <a:schemeClr val="tx1"/>
-              </a:solidFill>
-            </a:ln>
-          </p:spPr>
-          <p:style>
-            <a:lnRef idx="1">
-              <a:schemeClr val="dk1"/>
-            </a:lnRef>
-            <a:fillRef idx="0">
-              <a:schemeClr val="dk1"/>
-            </a:fillRef>
-            <a:effectRef idx="0">
-              <a:schemeClr val="dk1"/>
-            </a:effectRef>
-            <a:fontRef idx="minor">
-              <a:schemeClr val="tx1"/>
-            </a:fontRef>
-          </p:style>
-        </p:cxnSp>
-        <p:sp>
-          <p:nvSpPr>
-            <p:cNvPr id="48" name="矩形 47">
-              <a:extLst>
-                <a:ext uri="{FF2B5EF4-FFF2-40B4-BE49-F238E27FC236}">
-                  <a16:creationId xmlns:a16="http://schemas.microsoft.com/office/drawing/2014/main" id="{0AF836DC-9564-4BD4-BEA6-24742C1ABE62}"/>
-                </a:ext>
-              </a:extLst>
-            </p:cNvPr>
-            <p:cNvSpPr/>
-            <p:nvPr/>
-          </p:nvSpPr>
-          <p:spPr>
-            <a:xfrm>
-              <a:off x="1371599" y="2097275"/>
-              <a:ext cx="1685361" cy="475005"/>
-            </a:xfrm>
-            <a:prstGeom prst="rect">
-              <a:avLst/>
-            </a:prstGeom>
-            <a:solidFill>
-              <a:schemeClr val="bg2">
-                <a:lumMod val="60000"/>
-                <a:lumOff val="40000"/>
-              </a:schemeClr>
-            </a:solidFill>
-            <a:ln>
-              <a:solidFill>
-                <a:schemeClr val="tx1"/>
-              </a:solidFill>
-            </a:ln>
-          </p:spPr>
-          <p:style>
-            <a:lnRef idx="2">
-              <a:schemeClr val="dk1"/>
-            </a:lnRef>
-            <a:fillRef idx="1">
-              <a:schemeClr val="lt1"/>
-            </a:fillRef>
-            <a:effectRef idx="0">
-              <a:schemeClr val="dk1"/>
-            </a:effectRef>
-            <a:fontRef idx="minor">
-              <a:schemeClr val="dk1"/>
-            </a:fontRef>
-          </p:style>
-          <p:txBody>
-            <a:bodyPr rtlCol="0" anchor="ctr"/>
-            <a:lstStyle/>
-            <a:p>
-              <a:pPr algn="ctr"/>
-              <a:endParaRPr lang="zh-TW" altLang="en-US"/>
-            </a:p>
-          </p:txBody>
-        </p:sp>
-        <p:cxnSp>
-          <p:nvCxnSpPr>
-            <p:cNvPr id="49" name="直線接點 48">
-              <a:extLst>
-                <a:ext uri="{FF2B5EF4-FFF2-40B4-BE49-F238E27FC236}">
-                  <a16:creationId xmlns:a16="http://schemas.microsoft.com/office/drawing/2014/main" id="{CA14E7DB-B1BB-4E42-A475-95F4EED6815C}"/>
-                </a:ext>
-              </a:extLst>
-            </p:cNvPr>
-            <p:cNvCxnSpPr>
-              <a:cxnSpLocks/>
-            </p:cNvCxnSpPr>
-            <p:nvPr/>
-          </p:nvCxnSpPr>
-          <p:spPr>
-            <a:xfrm>
-              <a:off x="5438836" y="1649487"/>
-              <a:ext cx="0" cy="457199"/>
-            </a:xfrm>
-            <a:prstGeom prst="line">
-              <a:avLst/>
-            </a:prstGeom>
-            <a:ln>
-              <a:solidFill>
-                <a:schemeClr val="tx1"/>
-              </a:solidFill>
-            </a:ln>
-          </p:spPr>
-          <p:style>
-            <a:lnRef idx="1">
-              <a:schemeClr val="dk1"/>
-            </a:lnRef>
-            <a:fillRef idx="0">
-              <a:schemeClr val="dk1"/>
-            </a:fillRef>
-            <a:effectRef idx="0">
-              <a:schemeClr val="dk1"/>
-            </a:effectRef>
-            <a:fontRef idx="minor">
-              <a:schemeClr val="tx1"/>
-            </a:fontRef>
-          </p:style>
-        </p:cxnSp>
-        <p:sp>
-          <p:nvSpPr>
-            <p:cNvPr id="50" name="矩形 49">
-              <a:extLst>
-                <a:ext uri="{FF2B5EF4-FFF2-40B4-BE49-F238E27FC236}">
-                  <a16:creationId xmlns:a16="http://schemas.microsoft.com/office/drawing/2014/main" id="{2A01CAA8-38C6-4E48-B0F8-96F3A663CE45}"/>
-                </a:ext>
-              </a:extLst>
-            </p:cNvPr>
-            <p:cNvSpPr/>
-            <p:nvPr/>
-          </p:nvSpPr>
-          <p:spPr>
-            <a:xfrm>
-              <a:off x="4611841" y="2099706"/>
-              <a:ext cx="1763800" cy="474997"/>
-            </a:xfrm>
-            <a:prstGeom prst="rect">
-              <a:avLst/>
-            </a:prstGeom>
-            <a:solidFill>
-              <a:schemeClr val="bg2">
-                <a:lumMod val="60000"/>
-                <a:lumOff val="40000"/>
-              </a:schemeClr>
-            </a:solidFill>
-            <a:ln>
-              <a:solidFill>
-                <a:schemeClr val="tx1"/>
-              </a:solidFill>
-            </a:ln>
-          </p:spPr>
-          <p:style>
-            <a:lnRef idx="2">
-              <a:schemeClr val="dk1"/>
-            </a:lnRef>
-            <a:fillRef idx="1">
-              <a:schemeClr val="lt1"/>
-            </a:fillRef>
-            <a:effectRef idx="0">
-              <a:schemeClr val="dk1"/>
-            </a:effectRef>
-            <a:fontRef idx="minor">
-              <a:schemeClr val="dk1"/>
-            </a:fontRef>
-          </p:style>
-          <p:txBody>
-            <a:bodyPr rtlCol="0" anchor="ctr"/>
-            <a:lstStyle/>
-            <a:p>
-              <a:pPr algn="ctr"/>
-              <a:endParaRPr lang="zh-TW" altLang="en-US"/>
-            </a:p>
-          </p:txBody>
-        </p:sp>
-        <p:sp>
-          <p:nvSpPr>
-            <p:cNvPr id="51" name="文字方塊 50">
-              <a:extLst>
-                <a:ext uri="{FF2B5EF4-FFF2-40B4-BE49-F238E27FC236}">
-                  <a16:creationId xmlns:a16="http://schemas.microsoft.com/office/drawing/2014/main" id="{47D96389-09FE-46B5-A89A-B5ED841DC18A}"/>
-                </a:ext>
-              </a:extLst>
-            </p:cNvPr>
-            <p:cNvSpPr txBox="1"/>
-            <p:nvPr/>
-          </p:nvSpPr>
-          <p:spPr>
-            <a:xfrm>
-              <a:off x="1572407" y="2132856"/>
-              <a:ext cx="1416975" cy="400110"/>
-            </a:xfrm>
-            <a:prstGeom prst="rect">
-              <a:avLst/>
-            </a:prstGeom>
-            <a:noFill/>
-          </p:spPr>
-          <p:txBody>
-            <a:bodyPr wrap="square" rtlCol="0">
-              <a:spAutoFit/>
-            </a:bodyPr>
-            <a:lstStyle/>
-            <a:p>
-              <a:r>
-                <a:rPr lang="zh-TW" altLang="en-US" sz="2000" dirty="0">
-                  <a:latin typeface="標楷體" panose="03000509000000000000" pitchFamily="65" charset="-120"/>
-                  <a:ea typeface="標楷體" panose="03000509000000000000" pitchFamily="65" charset="-120"/>
-                </a:rPr>
-                <a:t>人員能力</a:t>
-              </a:r>
-            </a:p>
-          </p:txBody>
-        </p:sp>
-        <p:cxnSp>
-          <p:nvCxnSpPr>
-            <p:cNvPr id="52" name="直線接點 51">
-              <a:extLst>
-                <a:ext uri="{FF2B5EF4-FFF2-40B4-BE49-F238E27FC236}">
-                  <a16:creationId xmlns:a16="http://schemas.microsoft.com/office/drawing/2014/main" id="{D92FAED4-D0B5-49B3-82D5-789408DE714D}"/>
-                </a:ext>
-              </a:extLst>
-            </p:cNvPr>
-            <p:cNvCxnSpPr>
-              <a:cxnSpLocks/>
-              <a:stCxn id="48" idx="1"/>
-            </p:cNvCxnSpPr>
-            <p:nvPr/>
-          </p:nvCxnSpPr>
-          <p:spPr>
-            <a:xfrm flipH="1" flipV="1">
-              <a:off x="1030939" y="2334773"/>
-              <a:ext cx="340660" cy="5"/>
-            </a:xfrm>
-            <a:prstGeom prst="line">
-              <a:avLst/>
-            </a:prstGeom>
-            <a:ln>
-              <a:solidFill>
-                <a:schemeClr val="tx1"/>
-              </a:solidFill>
-            </a:ln>
-          </p:spPr>
-          <p:style>
-            <a:lnRef idx="1">
-              <a:schemeClr val="dk1"/>
-            </a:lnRef>
-            <a:fillRef idx="0">
-              <a:schemeClr val="dk1"/>
-            </a:fillRef>
-            <a:effectRef idx="0">
-              <a:schemeClr val="dk1"/>
-            </a:effectRef>
-            <a:fontRef idx="minor">
-              <a:schemeClr val="tx1"/>
-            </a:fontRef>
-          </p:style>
-        </p:cxnSp>
-        <p:cxnSp>
-          <p:nvCxnSpPr>
-            <p:cNvPr id="53" name="直線接點 52">
-              <a:extLst>
-                <a:ext uri="{FF2B5EF4-FFF2-40B4-BE49-F238E27FC236}">
-                  <a16:creationId xmlns:a16="http://schemas.microsoft.com/office/drawing/2014/main" id="{8E8D890D-D25A-4981-8FA7-EB63FD572770}"/>
-                </a:ext>
-              </a:extLst>
-            </p:cNvPr>
-            <p:cNvCxnSpPr>
-              <a:cxnSpLocks/>
-            </p:cNvCxnSpPr>
-            <p:nvPr/>
-          </p:nvCxnSpPr>
-          <p:spPr>
-            <a:xfrm>
-              <a:off x="1030948" y="2335239"/>
-              <a:ext cx="3073" cy="2511190"/>
-            </a:xfrm>
-            <a:prstGeom prst="line">
-              <a:avLst/>
-            </a:prstGeom>
-            <a:ln>
-              <a:solidFill>
-                <a:schemeClr val="tx1"/>
-              </a:solidFill>
-            </a:ln>
-          </p:spPr>
-          <p:style>
-            <a:lnRef idx="1">
-              <a:schemeClr val="dk1"/>
-            </a:lnRef>
-            <a:fillRef idx="0">
-              <a:schemeClr val="dk1"/>
-            </a:fillRef>
-            <a:effectRef idx="0">
-              <a:schemeClr val="dk1"/>
-            </a:effectRef>
-            <a:fontRef idx="minor">
-              <a:schemeClr val="tx1"/>
-            </a:fontRef>
-          </p:style>
-        </p:cxnSp>
-        <p:cxnSp>
-          <p:nvCxnSpPr>
-            <p:cNvPr id="54" name="直線接點 53">
-              <a:extLst>
-                <a:ext uri="{FF2B5EF4-FFF2-40B4-BE49-F238E27FC236}">
-                  <a16:creationId xmlns:a16="http://schemas.microsoft.com/office/drawing/2014/main" id="{51A90355-4D12-44D0-95AD-706D2F05F134}"/>
-                </a:ext>
-              </a:extLst>
-            </p:cNvPr>
-            <p:cNvCxnSpPr/>
-            <p:nvPr/>
-          </p:nvCxnSpPr>
-          <p:spPr>
-            <a:xfrm>
-              <a:off x="1030941" y="3128682"/>
-              <a:ext cx="340660" cy="0"/>
-            </a:xfrm>
-            <a:prstGeom prst="line">
-              <a:avLst/>
-            </a:prstGeom>
-            <a:ln>
-              <a:solidFill>
-                <a:schemeClr val="tx1"/>
-              </a:solidFill>
-            </a:ln>
-          </p:spPr>
-          <p:style>
-            <a:lnRef idx="1">
-              <a:schemeClr val="dk1"/>
-            </a:lnRef>
-            <a:fillRef idx="0">
-              <a:schemeClr val="dk1"/>
-            </a:fillRef>
-            <a:effectRef idx="0">
-              <a:schemeClr val="dk1"/>
-            </a:effectRef>
-            <a:fontRef idx="minor">
-              <a:schemeClr val="tx1"/>
-            </a:fontRef>
-          </p:style>
-        </p:cxnSp>
-        <p:cxnSp>
-          <p:nvCxnSpPr>
-            <p:cNvPr id="55" name="直線接點 54">
-              <a:extLst>
-                <a:ext uri="{FF2B5EF4-FFF2-40B4-BE49-F238E27FC236}">
-                  <a16:creationId xmlns:a16="http://schemas.microsoft.com/office/drawing/2014/main" id="{6C36CDD7-4669-49D6-9841-11C4083E0571}"/>
-                </a:ext>
-              </a:extLst>
-            </p:cNvPr>
-            <p:cNvCxnSpPr/>
-            <p:nvPr/>
-          </p:nvCxnSpPr>
-          <p:spPr>
-            <a:xfrm>
-              <a:off x="1030941" y="3981909"/>
-              <a:ext cx="340660" cy="0"/>
-            </a:xfrm>
-            <a:prstGeom prst="line">
-              <a:avLst/>
-            </a:prstGeom>
-            <a:ln>
-              <a:solidFill>
-                <a:schemeClr val="tx1"/>
-              </a:solidFill>
-            </a:ln>
-          </p:spPr>
-          <p:style>
-            <a:lnRef idx="1">
-              <a:schemeClr val="dk1"/>
-            </a:lnRef>
-            <a:fillRef idx="0">
-              <a:schemeClr val="dk1"/>
-            </a:fillRef>
-            <a:effectRef idx="0">
-              <a:schemeClr val="dk1"/>
-            </a:effectRef>
-            <a:fontRef idx="minor">
-              <a:schemeClr val="tx1"/>
-            </a:fontRef>
-          </p:style>
-        </p:cxnSp>
-        <p:sp>
-          <p:nvSpPr>
-            <p:cNvPr id="56" name="文字方塊 55">
-              <a:extLst>
-                <a:ext uri="{FF2B5EF4-FFF2-40B4-BE49-F238E27FC236}">
-                  <a16:creationId xmlns:a16="http://schemas.microsoft.com/office/drawing/2014/main" id="{32868798-BAAF-4EE3-9E7B-6FF53699EFD9}"/>
-                </a:ext>
-              </a:extLst>
-            </p:cNvPr>
-            <p:cNvSpPr txBox="1"/>
-            <p:nvPr/>
-          </p:nvSpPr>
-          <p:spPr>
-            <a:xfrm>
-              <a:off x="1292286" y="2952907"/>
-              <a:ext cx="1727131" cy="369332"/>
-            </a:xfrm>
-            <a:prstGeom prst="rect">
-              <a:avLst/>
-            </a:prstGeom>
-            <a:noFill/>
-          </p:spPr>
-          <p:txBody>
-            <a:bodyPr wrap="square" rtlCol="0">
-              <a:spAutoFit/>
-            </a:bodyPr>
-            <a:lstStyle/>
-            <a:p>
-              <a:r>
-                <a:rPr lang="zh-TW" altLang="en-US" dirty="0"/>
-                <a:t>有人沒學過</a:t>
-              </a:r>
-              <a:r>
-                <a:rPr lang="en-US" altLang="zh-TW" dirty="0"/>
-                <a:t>Java</a:t>
-              </a:r>
-              <a:endParaRPr lang="zh-TW" altLang="en-US" dirty="0"/>
-            </a:p>
-          </p:txBody>
-        </p:sp>
-        <p:sp>
-          <p:nvSpPr>
-            <p:cNvPr id="57" name="文字方塊 56">
-              <a:extLst>
-                <a:ext uri="{FF2B5EF4-FFF2-40B4-BE49-F238E27FC236}">
-                  <a16:creationId xmlns:a16="http://schemas.microsoft.com/office/drawing/2014/main" id="{5F6E6150-D1C2-49F4-95CB-9725D99D0288}"/>
-                </a:ext>
-              </a:extLst>
-            </p:cNvPr>
-            <p:cNvSpPr txBox="1"/>
-            <p:nvPr/>
-          </p:nvSpPr>
-          <p:spPr>
-            <a:xfrm>
-              <a:off x="1298621" y="3818359"/>
-              <a:ext cx="1630606" cy="369332"/>
-            </a:xfrm>
-            <a:prstGeom prst="rect">
-              <a:avLst/>
-            </a:prstGeom>
-            <a:noFill/>
-          </p:spPr>
-          <p:txBody>
-            <a:bodyPr wrap="square" rtlCol="0">
-              <a:spAutoFit/>
-            </a:bodyPr>
-            <a:lstStyle/>
-            <a:p>
-              <a:r>
-                <a:rPr lang="zh-TW" altLang="en-US" dirty="0"/>
-                <a:t>對</a:t>
-              </a:r>
-              <a:r>
-                <a:rPr lang="en-US" altLang="zh-TW" dirty="0"/>
-                <a:t>GUI</a:t>
-              </a:r>
-              <a:r>
-                <a:rPr lang="zh-TW" altLang="en-US" dirty="0"/>
-                <a:t>不熟悉</a:t>
-              </a:r>
-            </a:p>
-          </p:txBody>
-        </p:sp>
-        <p:cxnSp>
-          <p:nvCxnSpPr>
-            <p:cNvPr id="58" name="直線接點 57">
-              <a:extLst>
-                <a:ext uri="{FF2B5EF4-FFF2-40B4-BE49-F238E27FC236}">
-                  <a16:creationId xmlns:a16="http://schemas.microsoft.com/office/drawing/2014/main" id="{7E779F21-9524-4948-9039-3D21EEF1B8FB}"/>
-                </a:ext>
-              </a:extLst>
-            </p:cNvPr>
-            <p:cNvCxnSpPr/>
-            <p:nvPr/>
-          </p:nvCxnSpPr>
-          <p:spPr>
-            <a:xfrm>
-              <a:off x="1030941" y="4831976"/>
-              <a:ext cx="340660" cy="0"/>
-            </a:xfrm>
-            <a:prstGeom prst="line">
-              <a:avLst/>
-            </a:prstGeom>
-            <a:ln>
-              <a:solidFill>
-                <a:schemeClr val="tx1"/>
-              </a:solidFill>
-            </a:ln>
-          </p:spPr>
-          <p:style>
-            <a:lnRef idx="1">
-              <a:schemeClr val="dk1"/>
-            </a:lnRef>
-            <a:fillRef idx="0">
-              <a:schemeClr val="dk1"/>
-            </a:fillRef>
-            <a:effectRef idx="0">
-              <a:schemeClr val="dk1"/>
-            </a:effectRef>
-            <a:fontRef idx="minor">
-              <a:schemeClr val="tx1"/>
-            </a:fontRef>
-          </p:style>
-        </p:cxnSp>
-        <p:sp>
-          <p:nvSpPr>
-            <p:cNvPr id="59" name="文字方塊 58">
-              <a:extLst>
-                <a:ext uri="{FF2B5EF4-FFF2-40B4-BE49-F238E27FC236}">
-                  <a16:creationId xmlns:a16="http://schemas.microsoft.com/office/drawing/2014/main" id="{FD68782C-3D19-4229-95FE-ED8620F55A78}"/>
-                </a:ext>
-              </a:extLst>
-            </p:cNvPr>
-            <p:cNvSpPr txBox="1"/>
-            <p:nvPr/>
-          </p:nvSpPr>
-          <p:spPr>
-            <a:xfrm>
-              <a:off x="4885268" y="2146180"/>
-              <a:ext cx="1107137" cy="369332"/>
-            </a:xfrm>
-            <a:prstGeom prst="rect">
-              <a:avLst/>
-            </a:prstGeom>
-            <a:noFill/>
-          </p:spPr>
-          <p:txBody>
-            <a:bodyPr wrap="square" rtlCol="0">
-              <a:spAutoFit/>
-            </a:bodyPr>
-            <a:lstStyle/>
-            <a:p>
-              <a:endParaRPr lang="zh-TW" altLang="en-US" dirty="0"/>
-            </a:p>
-          </p:txBody>
-        </p:sp>
-        <p:cxnSp>
-          <p:nvCxnSpPr>
-            <p:cNvPr id="60" name="直線接點 59">
-              <a:extLst>
-                <a:ext uri="{FF2B5EF4-FFF2-40B4-BE49-F238E27FC236}">
-                  <a16:creationId xmlns:a16="http://schemas.microsoft.com/office/drawing/2014/main" id="{7E866284-1EAB-4523-B7DC-E1E1ACAC658F}"/>
-                </a:ext>
-              </a:extLst>
-            </p:cNvPr>
-            <p:cNvCxnSpPr/>
-            <p:nvPr/>
-          </p:nvCxnSpPr>
-          <p:spPr>
-            <a:xfrm>
-              <a:off x="4279023" y="3144649"/>
-              <a:ext cx="340660" cy="0"/>
-            </a:xfrm>
-            <a:prstGeom prst="line">
-              <a:avLst/>
-            </a:prstGeom>
-            <a:ln>
-              <a:solidFill>
-                <a:schemeClr val="tx1"/>
-              </a:solidFill>
-            </a:ln>
-          </p:spPr>
-          <p:style>
-            <a:lnRef idx="1">
-              <a:schemeClr val="dk1"/>
-            </a:lnRef>
-            <a:fillRef idx="0">
-              <a:schemeClr val="dk1"/>
-            </a:fillRef>
-            <a:effectRef idx="0">
-              <a:schemeClr val="dk1"/>
-            </a:effectRef>
-            <a:fontRef idx="minor">
-              <a:schemeClr val="tx1"/>
-            </a:fontRef>
-          </p:style>
-        </p:cxnSp>
-        <p:sp>
-          <p:nvSpPr>
-            <p:cNvPr id="61" name="文字方塊 60">
-              <a:extLst>
-                <a:ext uri="{FF2B5EF4-FFF2-40B4-BE49-F238E27FC236}">
-                  <a16:creationId xmlns:a16="http://schemas.microsoft.com/office/drawing/2014/main" id="{5C65E832-1F43-4307-BF0F-4BE4D58F761A}"/>
-                </a:ext>
-              </a:extLst>
-            </p:cNvPr>
-            <p:cNvSpPr txBox="1"/>
-            <p:nvPr/>
-          </p:nvSpPr>
-          <p:spPr>
-            <a:xfrm>
-              <a:off x="4909428" y="2132856"/>
-              <a:ext cx="1594981" cy="400110"/>
-            </a:xfrm>
-            <a:prstGeom prst="rect">
-              <a:avLst/>
-            </a:prstGeom>
-            <a:noFill/>
-          </p:spPr>
-          <p:txBody>
-            <a:bodyPr wrap="square" rtlCol="0">
-              <a:spAutoFit/>
-            </a:bodyPr>
-            <a:lstStyle/>
-            <a:p>
-              <a:r>
-                <a:rPr lang="zh-TW" altLang="en-US" sz="2000" dirty="0">
-                  <a:latin typeface="標楷體" panose="03000509000000000000" pitchFamily="65" charset="-120"/>
-                  <a:ea typeface="標楷體" panose="03000509000000000000" pitchFamily="65" charset="-120"/>
-                </a:rPr>
-                <a:t>時間因素</a:t>
-              </a:r>
-            </a:p>
-          </p:txBody>
-        </p:sp>
-        <p:cxnSp>
-          <p:nvCxnSpPr>
-            <p:cNvPr id="62" name="直線接點 61">
-              <a:extLst>
-                <a:ext uri="{FF2B5EF4-FFF2-40B4-BE49-F238E27FC236}">
-                  <a16:creationId xmlns:a16="http://schemas.microsoft.com/office/drawing/2014/main" id="{FE8F5A82-7DE7-4030-BF5A-4EBC5A4C9812}"/>
-                </a:ext>
-              </a:extLst>
-            </p:cNvPr>
-            <p:cNvCxnSpPr>
-              <a:cxnSpLocks/>
-            </p:cNvCxnSpPr>
-            <p:nvPr/>
-          </p:nvCxnSpPr>
-          <p:spPr>
-            <a:xfrm>
-              <a:off x="4269134" y="2337204"/>
-              <a:ext cx="0" cy="1657271"/>
-            </a:xfrm>
-            <a:prstGeom prst="line">
-              <a:avLst/>
-            </a:prstGeom>
-            <a:ln>
-              <a:solidFill>
-                <a:schemeClr val="tx1"/>
-              </a:solidFill>
-            </a:ln>
-          </p:spPr>
-          <p:style>
-            <a:lnRef idx="1">
-              <a:schemeClr val="dk1"/>
-            </a:lnRef>
-            <a:fillRef idx="0">
-              <a:schemeClr val="dk1"/>
-            </a:fillRef>
-            <a:effectRef idx="0">
-              <a:schemeClr val="dk1"/>
-            </a:effectRef>
-            <a:fontRef idx="minor">
-              <a:schemeClr val="tx1"/>
-            </a:fontRef>
-          </p:style>
-        </p:cxnSp>
-        <p:cxnSp>
-          <p:nvCxnSpPr>
-            <p:cNvPr id="63" name="直線接點 62">
-              <a:extLst>
-                <a:ext uri="{FF2B5EF4-FFF2-40B4-BE49-F238E27FC236}">
-                  <a16:creationId xmlns:a16="http://schemas.microsoft.com/office/drawing/2014/main" id="{CB76E307-FDEC-4CDF-8747-82C682908F40}"/>
-                </a:ext>
-              </a:extLst>
-            </p:cNvPr>
-            <p:cNvCxnSpPr>
-              <a:cxnSpLocks/>
-            </p:cNvCxnSpPr>
-            <p:nvPr/>
-          </p:nvCxnSpPr>
-          <p:spPr>
-            <a:xfrm>
-              <a:off x="4269134" y="2329997"/>
-              <a:ext cx="324976" cy="1"/>
-            </a:xfrm>
-            <a:prstGeom prst="line">
-              <a:avLst/>
-            </a:prstGeom>
-            <a:ln>
-              <a:solidFill>
-                <a:schemeClr val="tx1"/>
-              </a:solidFill>
-            </a:ln>
-          </p:spPr>
-          <p:style>
-            <a:lnRef idx="1">
-              <a:schemeClr val="dk1"/>
-            </a:lnRef>
-            <a:fillRef idx="0">
-              <a:schemeClr val="dk1"/>
-            </a:fillRef>
-            <a:effectRef idx="0">
-              <a:schemeClr val="dk1"/>
-            </a:effectRef>
-            <a:fontRef idx="minor">
-              <a:schemeClr val="tx1"/>
-            </a:fontRef>
-          </p:style>
-        </p:cxnSp>
-        <p:cxnSp>
-          <p:nvCxnSpPr>
-            <p:cNvPr id="64" name="直線接點 63">
-              <a:extLst>
-                <a:ext uri="{FF2B5EF4-FFF2-40B4-BE49-F238E27FC236}">
-                  <a16:creationId xmlns:a16="http://schemas.microsoft.com/office/drawing/2014/main" id="{C52F54CF-0F95-4B5B-BE17-DC0433F69E94}"/>
-                </a:ext>
-              </a:extLst>
-            </p:cNvPr>
-            <p:cNvCxnSpPr/>
-            <p:nvPr/>
-          </p:nvCxnSpPr>
-          <p:spPr>
-            <a:xfrm>
-              <a:off x="4271181" y="3998239"/>
-              <a:ext cx="340660" cy="0"/>
-            </a:xfrm>
-            <a:prstGeom prst="line">
-              <a:avLst/>
-            </a:prstGeom>
-            <a:ln>
-              <a:solidFill>
-                <a:schemeClr val="tx1"/>
-              </a:solidFill>
-            </a:ln>
-          </p:spPr>
-          <p:style>
-            <a:lnRef idx="1">
-              <a:schemeClr val="dk1"/>
-            </a:lnRef>
-            <a:fillRef idx="0">
-              <a:schemeClr val="dk1"/>
-            </a:fillRef>
-            <a:effectRef idx="0">
-              <a:schemeClr val="dk1"/>
-            </a:effectRef>
-            <a:fontRef idx="minor">
-              <a:schemeClr val="tx1"/>
-            </a:fontRef>
-          </p:style>
-        </p:cxnSp>
-        <p:sp>
-          <p:nvSpPr>
-            <p:cNvPr id="65" name="文字方塊 64">
-              <a:extLst>
-                <a:ext uri="{FF2B5EF4-FFF2-40B4-BE49-F238E27FC236}">
-                  <a16:creationId xmlns:a16="http://schemas.microsoft.com/office/drawing/2014/main" id="{96C7BF93-B339-4FB3-947E-CDFD77CFB886}"/>
-                </a:ext>
-              </a:extLst>
-            </p:cNvPr>
-            <p:cNvSpPr txBox="1"/>
-            <p:nvPr/>
-          </p:nvSpPr>
-          <p:spPr>
-            <a:xfrm>
-              <a:off x="4595298" y="3827304"/>
-              <a:ext cx="2128484" cy="369332"/>
-            </a:xfrm>
-            <a:prstGeom prst="rect">
-              <a:avLst/>
-            </a:prstGeom>
-            <a:noFill/>
-          </p:spPr>
-          <p:txBody>
-            <a:bodyPr wrap="square" rtlCol="0">
-              <a:spAutoFit/>
-            </a:bodyPr>
-            <a:lstStyle/>
-            <a:p>
-              <a:r>
-                <a:rPr lang="zh-TW" altLang="en-US" dirty="0"/>
-                <a:t>有人遲交其的部分</a:t>
-              </a:r>
-            </a:p>
-          </p:txBody>
-        </p:sp>
-        <p:cxnSp>
-          <p:nvCxnSpPr>
-            <p:cNvPr id="66" name="直線接點 65">
-              <a:extLst>
-                <a:ext uri="{FF2B5EF4-FFF2-40B4-BE49-F238E27FC236}">
-                  <a16:creationId xmlns:a16="http://schemas.microsoft.com/office/drawing/2014/main" id="{265B9CE2-30CA-470A-98E1-A1216B94A061}"/>
-                </a:ext>
-              </a:extLst>
-            </p:cNvPr>
-            <p:cNvCxnSpPr/>
-            <p:nvPr/>
-          </p:nvCxnSpPr>
-          <p:spPr>
-            <a:xfrm>
-              <a:off x="9133905" y="1631577"/>
-              <a:ext cx="0" cy="475129"/>
-            </a:xfrm>
-            <a:prstGeom prst="line">
-              <a:avLst/>
-            </a:prstGeom>
-            <a:ln>
-              <a:solidFill>
-                <a:schemeClr val="tx1"/>
-              </a:solidFill>
-            </a:ln>
-          </p:spPr>
-          <p:style>
-            <a:lnRef idx="1">
-              <a:schemeClr val="dk1"/>
-            </a:lnRef>
-            <a:fillRef idx="0">
-              <a:schemeClr val="dk1"/>
-            </a:fillRef>
-            <a:effectRef idx="0">
-              <a:schemeClr val="dk1"/>
-            </a:effectRef>
-            <a:fontRef idx="minor">
-              <a:schemeClr val="tx1"/>
-            </a:fontRef>
-          </p:style>
-        </p:cxnSp>
-        <p:cxnSp>
-          <p:nvCxnSpPr>
-            <p:cNvPr id="67" name="直線接點 66">
-              <a:extLst>
-                <a:ext uri="{FF2B5EF4-FFF2-40B4-BE49-F238E27FC236}">
-                  <a16:creationId xmlns:a16="http://schemas.microsoft.com/office/drawing/2014/main" id="{5F3729A9-757A-4AA9-A24C-22C24369AE94}"/>
-                </a:ext>
-              </a:extLst>
-            </p:cNvPr>
-            <p:cNvCxnSpPr>
-              <a:cxnSpLocks/>
-            </p:cNvCxnSpPr>
-            <p:nvPr/>
-          </p:nvCxnSpPr>
-          <p:spPr>
-            <a:xfrm flipH="1">
-              <a:off x="7915835" y="2339789"/>
-              <a:ext cx="317120" cy="4393"/>
-            </a:xfrm>
-            <a:prstGeom prst="line">
-              <a:avLst/>
-            </a:prstGeom>
-            <a:ln>
-              <a:solidFill>
-                <a:schemeClr val="tx1"/>
-              </a:solidFill>
-            </a:ln>
-          </p:spPr>
-          <p:style>
-            <a:lnRef idx="1">
-              <a:schemeClr val="dk1"/>
-            </a:lnRef>
-            <a:fillRef idx="0">
-              <a:schemeClr val="dk1"/>
-            </a:fillRef>
-            <a:effectRef idx="0">
-              <a:schemeClr val="dk1"/>
-            </a:effectRef>
-            <a:fontRef idx="minor">
-              <a:schemeClr val="tx1"/>
-            </a:fontRef>
-          </p:style>
-        </p:cxnSp>
-        <p:cxnSp>
-          <p:nvCxnSpPr>
-            <p:cNvPr id="68" name="直線接點 67">
-              <a:extLst>
-                <a:ext uri="{FF2B5EF4-FFF2-40B4-BE49-F238E27FC236}">
-                  <a16:creationId xmlns:a16="http://schemas.microsoft.com/office/drawing/2014/main" id="{EEC6AD5C-9500-4C01-B529-73B088C0448E}"/>
-                </a:ext>
-              </a:extLst>
-            </p:cNvPr>
-            <p:cNvCxnSpPr>
-              <a:cxnSpLocks/>
-            </p:cNvCxnSpPr>
-            <p:nvPr/>
-          </p:nvCxnSpPr>
-          <p:spPr>
-            <a:xfrm>
-              <a:off x="7911832" y="2337204"/>
-              <a:ext cx="2411" cy="3173707"/>
-            </a:xfrm>
-            <a:prstGeom prst="line">
-              <a:avLst/>
-            </a:prstGeom>
-            <a:ln>
-              <a:solidFill>
-                <a:schemeClr val="tx1"/>
-              </a:solidFill>
-            </a:ln>
-          </p:spPr>
-          <p:style>
-            <a:lnRef idx="1">
-              <a:schemeClr val="dk1"/>
-            </a:lnRef>
-            <a:fillRef idx="0">
-              <a:schemeClr val="dk1"/>
-            </a:fillRef>
-            <a:effectRef idx="0">
-              <a:schemeClr val="dk1"/>
-            </a:effectRef>
-            <a:fontRef idx="minor">
-              <a:schemeClr val="tx1"/>
-            </a:fontRef>
-          </p:style>
-        </p:cxnSp>
-        <p:cxnSp>
-          <p:nvCxnSpPr>
-            <p:cNvPr id="69" name="直線接點 68">
-              <a:extLst>
-                <a:ext uri="{FF2B5EF4-FFF2-40B4-BE49-F238E27FC236}">
-                  <a16:creationId xmlns:a16="http://schemas.microsoft.com/office/drawing/2014/main" id="{B364DBA7-5CF8-41E5-81FA-2CC77EAF36C9}"/>
-                </a:ext>
-              </a:extLst>
-            </p:cNvPr>
-            <p:cNvCxnSpPr>
-              <a:cxnSpLocks/>
-            </p:cNvCxnSpPr>
-            <p:nvPr/>
-          </p:nvCxnSpPr>
-          <p:spPr>
-            <a:xfrm flipH="1">
-              <a:off x="7928724" y="3155596"/>
-              <a:ext cx="317120" cy="4393"/>
-            </a:xfrm>
-            <a:prstGeom prst="line">
-              <a:avLst/>
-            </a:prstGeom>
-            <a:ln>
-              <a:solidFill>
-                <a:schemeClr val="tx1"/>
-              </a:solidFill>
-            </a:ln>
-          </p:spPr>
-          <p:style>
-            <a:lnRef idx="1">
-              <a:schemeClr val="dk1"/>
-            </a:lnRef>
-            <a:fillRef idx="0">
-              <a:schemeClr val="dk1"/>
-            </a:fillRef>
-            <a:effectRef idx="0">
-              <a:schemeClr val="dk1"/>
-            </a:effectRef>
-            <a:fontRef idx="minor">
-              <a:schemeClr val="tx1"/>
-            </a:fontRef>
-          </p:style>
-        </p:cxnSp>
-        <p:sp>
-          <p:nvSpPr>
-            <p:cNvPr id="70" name="文字方塊 69">
-              <a:extLst>
-                <a:ext uri="{FF2B5EF4-FFF2-40B4-BE49-F238E27FC236}">
-                  <a16:creationId xmlns:a16="http://schemas.microsoft.com/office/drawing/2014/main" id="{57050A0D-7701-4B42-AB71-65A9F70A4BCF}"/>
-                </a:ext>
-              </a:extLst>
-            </p:cNvPr>
-            <p:cNvSpPr txBox="1"/>
-            <p:nvPr/>
-          </p:nvSpPr>
-          <p:spPr>
-            <a:xfrm>
-              <a:off x="8239409" y="3768194"/>
-              <a:ext cx="1979595" cy="369332"/>
-            </a:xfrm>
-            <a:prstGeom prst="rect">
-              <a:avLst/>
-            </a:prstGeom>
-            <a:noFill/>
-          </p:spPr>
-          <p:txBody>
-            <a:bodyPr wrap="square" rtlCol="0">
-              <a:spAutoFit/>
-            </a:bodyPr>
-            <a:lstStyle/>
-            <a:p>
-              <a:r>
-                <a:rPr lang="zh-TW" altLang="en-US" dirty="0"/>
-                <a:t>專題目標不明確</a:t>
-              </a:r>
-            </a:p>
-          </p:txBody>
-        </p:sp>
-        <p:cxnSp>
-          <p:nvCxnSpPr>
-            <p:cNvPr id="71" name="直線接點 70">
-              <a:extLst>
-                <a:ext uri="{FF2B5EF4-FFF2-40B4-BE49-F238E27FC236}">
-                  <a16:creationId xmlns:a16="http://schemas.microsoft.com/office/drawing/2014/main" id="{66D69A8A-6409-47B3-B5FA-22CFC132517A}"/>
-                </a:ext>
-              </a:extLst>
-            </p:cNvPr>
-            <p:cNvCxnSpPr>
-              <a:cxnSpLocks/>
-            </p:cNvCxnSpPr>
-            <p:nvPr/>
-          </p:nvCxnSpPr>
-          <p:spPr>
-            <a:xfrm flipH="1">
-              <a:off x="7922290" y="3951923"/>
-              <a:ext cx="317120" cy="4393"/>
-            </a:xfrm>
-            <a:prstGeom prst="line">
-              <a:avLst/>
-            </a:prstGeom>
-            <a:ln>
-              <a:solidFill>
-                <a:schemeClr val="tx1"/>
-              </a:solidFill>
-            </a:ln>
-          </p:spPr>
-          <p:style>
-            <a:lnRef idx="1">
-              <a:schemeClr val="dk1"/>
-            </a:lnRef>
-            <a:fillRef idx="0">
-              <a:schemeClr val="dk1"/>
-            </a:fillRef>
-            <a:effectRef idx="0">
-              <a:schemeClr val="dk1"/>
-            </a:effectRef>
-            <a:fontRef idx="minor">
-              <a:schemeClr val="tx1"/>
-            </a:fontRef>
-          </p:style>
-        </p:cxnSp>
-        <p:sp>
-          <p:nvSpPr>
-            <p:cNvPr id="72" name="文字方塊 71">
-              <a:extLst>
-                <a:ext uri="{FF2B5EF4-FFF2-40B4-BE49-F238E27FC236}">
-                  <a16:creationId xmlns:a16="http://schemas.microsoft.com/office/drawing/2014/main" id="{E06D3663-B7AF-489A-A8B0-8FE951663D79}"/>
-                </a:ext>
-              </a:extLst>
-            </p:cNvPr>
-            <p:cNvSpPr txBox="1"/>
-            <p:nvPr/>
-          </p:nvSpPr>
-          <p:spPr>
-            <a:xfrm>
-              <a:off x="8230715" y="4553226"/>
-              <a:ext cx="1211438" cy="369332"/>
-            </a:xfrm>
-            <a:prstGeom prst="rect">
-              <a:avLst/>
-            </a:prstGeom>
-            <a:noFill/>
-          </p:spPr>
-          <p:txBody>
-            <a:bodyPr wrap="square" rtlCol="0">
-              <a:spAutoFit/>
-            </a:bodyPr>
-            <a:lstStyle/>
-            <a:p>
-              <a:r>
-                <a:rPr lang="zh-TW" altLang="en-US" dirty="0"/>
-                <a:t>人員爭執</a:t>
-              </a:r>
-            </a:p>
-          </p:txBody>
-        </p:sp>
-        <p:cxnSp>
-          <p:nvCxnSpPr>
-            <p:cNvPr id="73" name="直線接點 72">
-              <a:extLst>
-                <a:ext uri="{FF2B5EF4-FFF2-40B4-BE49-F238E27FC236}">
-                  <a16:creationId xmlns:a16="http://schemas.microsoft.com/office/drawing/2014/main" id="{33B3417F-7EA7-429C-9F7E-13E84B37CECE}"/>
-                </a:ext>
-              </a:extLst>
-            </p:cNvPr>
-            <p:cNvCxnSpPr>
-              <a:cxnSpLocks/>
-            </p:cNvCxnSpPr>
-            <p:nvPr/>
-          </p:nvCxnSpPr>
-          <p:spPr>
-            <a:xfrm flipH="1">
-              <a:off x="7913595" y="4740824"/>
-              <a:ext cx="317120" cy="4393"/>
-            </a:xfrm>
-            <a:prstGeom prst="line">
-              <a:avLst/>
-            </a:prstGeom>
-            <a:ln>
-              <a:solidFill>
-                <a:schemeClr val="tx1"/>
-              </a:solidFill>
-            </a:ln>
-          </p:spPr>
-          <p:style>
-            <a:lnRef idx="1">
-              <a:schemeClr val="dk1"/>
-            </a:lnRef>
-            <a:fillRef idx="0">
-              <a:schemeClr val="dk1"/>
-            </a:fillRef>
-            <a:effectRef idx="0">
-              <a:schemeClr val="dk1"/>
-            </a:effectRef>
-            <a:fontRef idx="minor">
-              <a:schemeClr val="tx1"/>
-            </a:fontRef>
-          </p:style>
-        </p:cxnSp>
-        <p:sp>
-          <p:nvSpPr>
-            <p:cNvPr id="74" name="文字方塊 73">
-              <a:extLst>
-                <a:ext uri="{FF2B5EF4-FFF2-40B4-BE49-F238E27FC236}">
-                  <a16:creationId xmlns:a16="http://schemas.microsoft.com/office/drawing/2014/main" id="{B3614FE7-85EA-4FC0-9079-98450BA2D178}"/>
-                </a:ext>
-              </a:extLst>
-            </p:cNvPr>
-            <p:cNvSpPr txBox="1"/>
-            <p:nvPr/>
-          </p:nvSpPr>
-          <p:spPr>
-            <a:xfrm>
-              <a:off x="8230714" y="5326245"/>
-              <a:ext cx="1692835" cy="369332"/>
-            </a:xfrm>
-            <a:prstGeom prst="rect">
-              <a:avLst/>
-            </a:prstGeom>
-            <a:noFill/>
-          </p:spPr>
-          <p:txBody>
-            <a:bodyPr wrap="square" rtlCol="0">
-              <a:spAutoFit/>
-            </a:bodyPr>
-            <a:lstStyle/>
-            <a:p>
-              <a:r>
-                <a:rPr lang="zh-TW" altLang="en-US" dirty="0"/>
-                <a:t>與題目不吻合</a:t>
-              </a:r>
-            </a:p>
-          </p:txBody>
-        </p:sp>
-        <p:cxnSp>
-          <p:nvCxnSpPr>
-            <p:cNvPr id="75" name="直線接點 74">
-              <a:extLst>
-                <a:ext uri="{FF2B5EF4-FFF2-40B4-BE49-F238E27FC236}">
-                  <a16:creationId xmlns:a16="http://schemas.microsoft.com/office/drawing/2014/main" id="{FFAD10DD-E877-4AEB-A4B8-B0F1FD417359}"/>
-                </a:ext>
-              </a:extLst>
-            </p:cNvPr>
-            <p:cNvCxnSpPr>
-              <a:cxnSpLocks/>
-            </p:cNvCxnSpPr>
-            <p:nvPr/>
-          </p:nvCxnSpPr>
-          <p:spPr>
-            <a:xfrm flipH="1" flipV="1">
-              <a:off x="7922291" y="5510911"/>
-              <a:ext cx="326350" cy="3098"/>
-            </a:xfrm>
-            <a:prstGeom prst="line">
-              <a:avLst/>
-            </a:prstGeom>
-            <a:ln>
-              <a:solidFill>
-                <a:schemeClr val="tx1"/>
-              </a:solidFill>
-            </a:ln>
-          </p:spPr>
-          <p:style>
-            <a:lnRef idx="1">
-              <a:schemeClr val="dk1"/>
-            </a:lnRef>
-            <a:fillRef idx="0">
-              <a:schemeClr val="dk1"/>
-            </a:fillRef>
-            <a:effectRef idx="0">
-              <a:schemeClr val="dk1"/>
-            </a:effectRef>
-            <a:fontRef idx="minor">
-              <a:schemeClr val="tx1"/>
-            </a:fontRef>
-          </p:style>
-        </p:cxnSp>
-        <p:sp>
-          <p:nvSpPr>
-            <p:cNvPr id="76" name="矩形 75">
-              <a:extLst>
-                <a:ext uri="{FF2B5EF4-FFF2-40B4-BE49-F238E27FC236}">
-                  <a16:creationId xmlns:a16="http://schemas.microsoft.com/office/drawing/2014/main" id="{07D829B1-2D8C-4389-B6C9-4D2EC899E776}"/>
-                </a:ext>
-              </a:extLst>
-            </p:cNvPr>
-            <p:cNvSpPr/>
-            <p:nvPr/>
-          </p:nvSpPr>
-          <p:spPr>
-            <a:xfrm>
-              <a:off x="8256634" y="2092521"/>
-              <a:ext cx="1801901" cy="474952"/>
-            </a:xfrm>
-            <a:prstGeom prst="rect">
-              <a:avLst/>
-            </a:prstGeom>
-            <a:solidFill>
-              <a:schemeClr val="bg2">
-                <a:lumMod val="60000"/>
-                <a:lumOff val="40000"/>
-              </a:schemeClr>
-            </a:solidFill>
-            <a:ln>
-              <a:solidFill>
-                <a:schemeClr val="tx1"/>
-              </a:solidFill>
-            </a:ln>
-          </p:spPr>
-          <p:style>
-            <a:lnRef idx="2">
-              <a:schemeClr val="dk1"/>
-            </a:lnRef>
-            <a:fillRef idx="1">
-              <a:schemeClr val="lt1"/>
-            </a:fillRef>
-            <a:effectRef idx="0">
-              <a:schemeClr val="dk1"/>
-            </a:effectRef>
-            <a:fontRef idx="minor">
-              <a:schemeClr val="dk1"/>
-            </a:fontRef>
-          </p:style>
-          <p:txBody>
-            <a:bodyPr rtlCol="0" anchor="ctr"/>
-            <a:lstStyle/>
-            <a:p>
-              <a:pPr algn="ctr"/>
-              <a:endParaRPr lang="zh-TW" altLang="en-US"/>
-            </a:p>
-          </p:txBody>
-        </p:sp>
-        <p:sp>
-          <p:nvSpPr>
-            <p:cNvPr id="77" name="文字方塊 76">
-              <a:extLst>
-                <a:ext uri="{FF2B5EF4-FFF2-40B4-BE49-F238E27FC236}">
-                  <a16:creationId xmlns:a16="http://schemas.microsoft.com/office/drawing/2014/main" id="{2CBB7437-478C-4E7E-AB8F-A4F78B323F70}"/>
-                </a:ext>
-              </a:extLst>
-            </p:cNvPr>
-            <p:cNvSpPr txBox="1"/>
-            <p:nvPr/>
-          </p:nvSpPr>
-          <p:spPr>
-            <a:xfrm>
-              <a:off x="1355582" y="4661763"/>
-              <a:ext cx="1600537" cy="369332"/>
-            </a:xfrm>
-            <a:prstGeom prst="rect">
-              <a:avLst/>
-            </a:prstGeom>
-            <a:noFill/>
-          </p:spPr>
-          <p:txBody>
-            <a:bodyPr wrap="square" rtlCol="0">
-              <a:spAutoFit/>
-            </a:bodyPr>
-            <a:lstStyle/>
-            <a:p>
-              <a:r>
-                <a:rPr lang="zh-TW" altLang="en-US" dirty="0"/>
-                <a:t>專案經驗不足</a:t>
-              </a:r>
-            </a:p>
-          </p:txBody>
-        </p:sp>
-        <p:sp>
-          <p:nvSpPr>
-            <p:cNvPr id="78" name="文字方塊 77">
-              <a:extLst>
-                <a:ext uri="{FF2B5EF4-FFF2-40B4-BE49-F238E27FC236}">
-                  <a16:creationId xmlns:a16="http://schemas.microsoft.com/office/drawing/2014/main" id="{DCE32171-6131-4011-BE18-4B1D262445BD}"/>
-                </a:ext>
-              </a:extLst>
-            </p:cNvPr>
-            <p:cNvSpPr txBox="1"/>
-            <p:nvPr/>
-          </p:nvSpPr>
-          <p:spPr>
-            <a:xfrm>
-              <a:off x="4623696" y="2970930"/>
-              <a:ext cx="2288639" cy="369332"/>
-            </a:xfrm>
-            <a:prstGeom prst="rect">
-              <a:avLst/>
-            </a:prstGeom>
-            <a:noFill/>
-          </p:spPr>
-          <p:txBody>
-            <a:bodyPr wrap="square" rtlCol="0">
-              <a:spAutoFit/>
-            </a:bodyPr>
-            <a:lstStyle/>
-            <a:p>
-              <a:r>
-                <a:rPr lang="zh-TW" altLang="en-US" dirty="0"/>
-                <a:t>其他科目作業或考試</a:t>
-              </a:r>
-            </a:p>
-          </p:txBody>
-        </p:sp>
-        <p:sp>
-          <p:nvSpPr>
-            <p:cNvPr id="79" name="文字方塊 78">
-              <a:extLst>
-                <a:ext uri="{FF2B5EF4-FFF2-40B4-BE49-F238E27FC236}">
-                  <a16:creationId xmlns:a16="http://schemas.microsoft.com/office/drawing/2014/main" id="{1AC12491-F398-452B-BB86-21157430A617}"/>
-                </a:ext>
-              </a:extLst>
-            </p:cNvPr>
-            <p:cNvSpPr txBox="1"/>
-            <p:nvPr/>
-          </p:nvSpPr>
-          <p:spPr>
-            <a:xfrm>
-              <a:off x="8239409" y="2970930"/>
-              <a:ext cx="2919465" cy="369332"/>
-            </a:xfrm>
-            <a:prstGeom prst="rect">
-              <a:avLst/>
-            </a:prstGeom>
-            <a:noFill/>
-          </p:spPr>
-          <p:txBody>
-            <a:bodyPr wrap="square" rtlCol="0">
-              <a:spAutoFit/>
-            </a:bodyPr>
-            <a:lstStyle/>
-            <a:p>
-              <a:r>
-                <a:rPr lang="zh-TW" altLang="en-US" dirty="0"/>
-                <a:t>有組員沒做他負責的部分</a:t>
-              </a:r>
-            </a:p>
-          </p:txBody>
-        </p:sp>
-        <p:sp>
-          <p:nvSpPr>
-            <p:cNvPr id="80" name="文字方塊 79">
-              <a:extLst>
-                <a:ext uri="{FF2B5EF4-FFF2-40B4-BE49-F238E27FC236}">
-                  <a16:creationId xmlns:a16="http://schemas.microsoft.com/office/drawing/2014/main" id="{FF75D75E-D0CC-4C41-ACD3-99045640BD57}"/>
-                </a:ext>
-              </a:extLst>
-            </p:cNvPr>
-            <p:cNvSpPr txBox="1"/>
-            <p:nvPr/>
-          </p:nvSpPr>
-          <p:spPr>
-            <a:xfrm>
-              <a:off x="8781754" y="2134028"/>
-              <a:ext cx="704302" cy="400110"/>
-            </a:xfrm>
-            <a:prstGeom prst="rect">
-              <a:avLst/>
-            </a:prstGeom>
-            <a:noFill/>
-          </p:spPr>
-          <p:txBody>
-            <a:bodyPr wrap="square" rtlCol="0">
-              <a:spAutoFit/>
-            </a:bodyPr>
-            <a:lstStyle/>
-            <a:p>
-              <a:r>
-                <a:rPr lang="zh-TW" altLang="en-US" sz="2000" dirty="0">
-                  <a:latin typeface="標楷體" panose="03000509000000000000" pitchFamily="65" charset="-120"/>
-                  <a:ea typeface="標楷體" panose="03000509000000000000" pitchFamily="65" charset="-120"/>
-                </a:rPr>
-                <a:t>其他</a:t>
-              </a:r>
-            </a:p>
-          </p:txBody>
-        </p:sp>
-        <p:sp>
-          <p:nvSpPr>
-            <p:cNvPr id="81" name="矩形 80">
-              <a:extLst>
-                <a:ext uri="{FF2B5EF4-FFF2-40B4-BE49-F238E27FC236}">
-                  <a16:creationId xmlns:a16="http://schemas.microsoft.com/office/drawing/2014/main" id="{0888A8F5-2207-404F-AEE5-50B375D18C6B}"/>
-                </a:ext>
-              </a:extLst>
-            </p:cNvPr>
-            <p:cNvSpPr/>
-            <p:nvPr/>
-          </p:nvSpPr>
-          <p:spPr>
-            <a:xfrm>
-              <a:off x="4367791" y="589922"/>
-              <a:ext cx="2452367" cy="737901"/>
-            </a:xfrm>
-            <a:prstGeom prst="rect">
-              <a:avLst/>
-            </a:prstGeom>
-            <a:solidFill>
-              <a:schemeClr val="accent1">
-                <a:lumMod val="60000"/>
-                <a:lumOff val="40000"/>
-              </a:schemeClr>
-            </a:solidFill>
-            <a:ln>
-              <a:solidFill>
-                <a:schemeClr val="tx1"/>
-              </a:solidFill>
-            </a:ln>
-          </p:spPr>
-          <p:style>
-            <a:lnRef idx="2">
-              <a:schemeClr val="dk1"/>
-            </a:lnRef>
-            <a:fillRef idx="1">
-              <a:schemeClr val="lt1"/>
-            </a:fillRef>
-            <a:effectRef idx="0">
-              <a:schemeClr val="dk1"/>
-            </a:effectRef>
-            <a:fontRef idx="minor">
-              <a:schemeClr val="dk1"/>
-            </a:fontRef>
-          </p:style>
-          <p:txBody>
-            <a:bodyPr rtlCol="0" anchor="ctr"/>
-            <a:lstStyle/>
-            <a:p>
-              <a:pPr algn="ctr"/>
-              <a:endParaRPr lang="zh-TW" altLang="en-US" dirty="0"/>
-            </a:p>
-          </p:txBody>
-        </p:sp>
-        <p:sp>
-          <p:nvSpPr>
-            <p:cNvPr id="82" name="文字方塊 81">
-              <a:extLst>
-                <a:ext uri="{FF2B5EF4-FFF2-40B4-BE49-F238E27FC236}">
-                  <a16:creationId xmlns:a16="http://schemas.microsoft.com/office/drawing/2014/main" id="{0801C0B7-328E-4FB1-94BC-05D4891635F0}"/>
-                </a:ext>
-              </a:extLst>
-            </p:cNvPr>
-            <p:cNvSpPr txBox="1"/>
-            <p:nvPr/>
-          </p:nvSpPr>
-          <p:spPr>
-            <a:xfrm>
-              <a:off x="4582244" y="642766"/>
-              <a:ext cx="1983137" cy="523220"/>
-            </a:xfrm>
-            <a:prstGeom prst="rect">
-              <a:avLst/>
-            </a:prstGeom>
-            <a:noFill/>
-          </p:spPr>
-          <p:txBody>
-            <a:bodyPr wrap="square" rtlCol="0">
-              <a:spAutoFit/>
-            </a:bodyPr>
-            <a:lstStyle/>
-            <a:p>
-              <a:r>
-                <a:rPr lang="zh-TW" altLang="en-US" sz="2800" dirty="0">
-                  <a:latin typeface="標楷體" panose="03000509000000000000" pitchFamily="65" charset="-120"/>
-                  <a:ea typeface="標楷體" panose="03000509000000000000" pitchFamily="65" charset="-120"/>
-                </a:rPr>
-                <a:t>可能的風險</a:t>
-              </a:r>
-            </a:p>
-          </p:txBody>
-        </p:sp>
-      </p:grpSp>
       <p:sp>
         <p:nvSpPr>
           <p:cNvPr id="83" name="矩形 82">
@@ -12785,6 +11185,1823 @@
           </a:p>
         </p:txBody>
       </p:sp>
+      <p:grpSp>
+        <p:nvGrpSpPr>
+          <p:cNvPr id="2" name="群組 1">
+            <a:extLst>
+              <a:ext uri="{FF2B5EF4-FFF2-40B4-BE49-F238E27FC236}">
+                <a16:creationId xmlns:a16="http://schemas.microsoft.com/office/drawing/2014/main" id="{F0C5157D-1636-445B-B167-14BBBE96B0F1}"/>
+              </a:ext>
+            </a:extLst>
+          </p:cNvPr>
+          <p:cNvGrpSpPr/>
+          <p:nvPr/>
+        </p:nvGrpSpPr>
+        <p:grpSpPr>
+          <a:xfrm>
+            <a:off x="621804" y="1356302"/>
+            <a:ext cx="11807836" cy="5238600"/>
+            <a:chOff x="475281" y="457200"/>
+            <a:chExt cx="11807836" cy="5238600"/>
+          </a:xfrm>
+        </p:grpSpPr>
+        <p:sp>
+          <p:nvSpPr>
+            <p:cNvPr id="5" name="矩形 4">
+              <a:extLst>
+                <a:ext uri="{FF2B5EF4-FFF2-40B4-BE49-F238E27FC236}">
+                  <a16:creationId xmlns:a16="http://schemas.microsoft.com/office/drawing/2014/main" id="{B6BA1E32-76B1-4A4B-9002-1547BDBDB86D}"/>
+                </a:ext>
+              </a:extLst>
+            </p:cNvPr>
+            <p:cNvSpPr/>
+            <p:nvPr/>
+          </p:nvSpPr>
+          <p:spPr>
+            <a:xfrm>
+              <a:off x="4670876" y="457200"/>
+              <a:ext cx="2671483" cy="860612"/>
+            </a:xfrm>
+            <a:prstGeom prst="rect">
+              <a:avLst/>
+            </a:prstGeom>
+            <a:noFill/>
+            <a:ln w="9525" cap="flat" cmpd="sng" algn="ctr">
+              <a:solidFill>
+                <a:schemeClr val="dk1"/>
+              </a:solidFill>
+              <a:prstDash val="solid"/>
+              <a:round/>
+              <a:headEnd type="none" w="med" len="med"/>
+              <a:tailEnd type="none" w="med" len="med"/>
+            </a:ln>
+          </p:spPr>
+          <p:style>
+            <a:lnRef idx="0">
+              <a:scrgbClr r="0" g="0" b="0"/>
+            </a:lnRef>
+            <a:fillRef idx="0">
+              <a:scrgbClr r="0" g="0" b="0"/>
+            </a:fillRef>
+            <a:effectRef idx="0">
+              <a:scrgbClr r="0" g="0" b="0"/>
+            </a:effectRef>
+            <a:fontRef idx="minor">
+              <a:schemeClr val="dk1"/>
+            </a:fontRef>
+          </p:style>
+          <p:txBody>
+            <a:bodyPr rtlCol="0" anchor="ctr"/>
+            <a:lstStyle/>
+            <a:p>
+              <a:pPr algn="ctr"/>
+              <a:endParaRPr lang="zh-TW" altLang="en-US">
+                <a:solidFill>
+                  <a:schemeClr val="tx1"/>
+                </a:solidFill>
+              </a:endParaRPr>
+            </a:p>
+          </p:txBody>
+        </p:sp>
+        <p:sp>
+          <p:nvSpPr>
+            <p:cNvPr id="6" name="文字方塊 5">
+              <a:extLst>
+                <a:ext uri="{FF2B5EF4-FFF2-40B4-BE49-F238E27FC236}">
+                  <a16:creationId xmlns:a16="http://schemas.microsoft.com/office/drawing/2014/main" id="{4DF56FD1-3049-4010-9C57-A2F85BA8D1B4}"/>
+                </a:ext>
+              </a:extLst>
+            </p:cNvPr>
+            <p:cNvSpPr txBox="1"/>
+            <p:nvPr/>
+          </p:nvSpPr>
+          <p:spPr>
+            <a:xfrm>
+              <a:off x="5249657" y="693541"/>
+              <a:ext cx="1513919" cy="400110"/>
+            </a:xfrm>
+            <a:prstGeom prst="rect">
+              <a:avLst/>
+            </a:prstGeom>
+            <a:noFill/>
+          </p:spPr>
+          <p:txBody>
+            <a:bodyPr wrap="square" rtlCol="0">
+              <a:spAutoFit/>
+            </a:bodyPr>
+            <a:lstStyle/>
+            <a:p>
+              <a:r>
+                <a:rPr lang="zh-TW" altLang="en-US" sz="2000" dirty="0"/>
+                <a:t>可能的風險</a:t>
+              </a:r>
+            </a:p>
+          </p:txBody>
+        </p:sp>
+        <p:cxnSp>
+          <p:nvCxnSpPr>
+            <p:cNvPr id="7" name="直線接點 6">
+              <a:extLst>
+                <a:ext uri="{FF2B5EF4-FFF2-40B4-BE49-F238E27FC236}">
+                  <a16:creationId xmlns:a16="http://schemas.microsoft.com/office/drawing/2014/main" id="{27941D9B-6518-4A55-88B4-F769C9539893}"/>
+                </a:ext>
+              </a:extLst>
+            </p:cNvPr>
+            <p:cNvCxnSpPr>
+              <a:cxnSpLocks/>
+              <a:stCxn id="5" idx="2"/>
+            </p:cNvCxnSpPr>
+            <p:nvPr/>
+          </p:nvCxnSpPr>
+          <p:spPr>
+            <a:xfrm>
+              <a:off x="6006618" y="1317812"/>
+              <a:ext cx="0" cy="304800"/>
+            </a:xfrm>
+            <a:prstGeom prst="line">
+              <a:avLst/>
+            </a:prstGeom>
+            <a:ln>
+              <a:solidFill>
+                <a:schemeClr val="tx1"/>
+              </a:solidFill>
+            </a:ln>
+          </p:spPr>
+          <p:style>
+            <a:lnRef idx="1">
+              <a:schemeClr val="dk1"/>
+            </a:lnRef>
+            <a:fillRef idx="0">
+              <a:schemeClr val="dk1"/>
+            </a:fillRef>
+            <a:effectRef idx="0">
+              <a:schemeClr val="dk1"/>
+            </a:effectRef>
+            <a:fontRef idx="minor">
+              <a:schemeClr val="tx1"/>
+            </a:fontRef>
+          </p:style>
+        </p:cxnSp>
+        <p:cxnSp>
+          <p:nvCxnSpPr>
+            <p:cNvPr id="8" name="直線接點 7">
+              <a:extLst>
+                <a:ext uri="{FF2B5EF4-FFF2-40B4-BE49-F238E27FC236}">
+                  <a16:creationId xmlns:a16="http://schemas.microsoft.com/office/drawing/2014/main" id="{713B1E37-3F14-4199-BB18-2B28F9D19262}"/>
+                </a:ext>
+              </a:extLst>
+            </p:cNvPr>
+            <p:cNvCxnSpPr/>
+            <p:nvPr/>
+          </p:nvCxnSpPr>
+          <p:spPr>
+            <a:xfrm>
+              <a:off x="1665636" y="1622612"/>
+              <a:ext cx="0" cy="475129"/>
+            </a:xfrm>
+            <a:prstGeom prst="line">
+              <a:avLst/>
+            </a:prstGeom>
+          </p:spPr>
+          <p:style>
+            <a:lnRef idx="1">
+              <a:schemeClr val="dk1"/>
+            </a:lnRef>
+            <a:fillRef idx="0">
+              <a:schemeClr val="dk1"/>
+            </a:fillRef>
+            <a:effectRef idx="0">
+              <a:schemeClr val="dk1"/>
+            </a:effectRef>
+            <a:fontRef idx="minor">
+              <a:schemeClr val="tx1"/>
+            </a:fontRef>
+          </p:style>
+        </p:cxnSp>
+        <p:sp>
+          <p:nvSpPr>
+            <p:cNvPr id="10" name="矩形 9">
+              <a:extLst>
+                <a:ext uri="{FF2B5EF4-FFF2-40B4-BE49-F238E27FC236}">
+                  <a16:creationId xmlns:a16="http://schemas.microsoft.com/office/drawing/2014/main" id="{DA328EBB-4AF7-49C1-BC97-48696C7FD59F}"/>
+                </a:ext>
+              </a:extLst>
+            </p:cNvPr>
+            <p:cNvSpPr/>
+            <p:nvPr/>
+          </p:nvSpPr>
+          <p:spPr>
+            <a:xfrm>
+              <a:off x="822955" y="2097741"/>
+              <a:ext cx="1685361" cy="475005"/>
+            </a:xfrm>
+            <a:prstGeom prst="rect">
+              <a:avLst/>
+            </a:prstGeom>
+          </p:spPr>
+          <p:style>
+            <a:lnRef idx="2">
+              <a:schemeClr val="dk1"/>
+            </a:lnRef>
+            <a:fillRef idx="1">
+              <a:schemeClr val="lt1"/>
+            </a:fillRef>
+            <a:effectRef idx="0">
+              <a:schemeClr val="dk1"/>
+            </a:effectRef>
+            <a:fontRef idx="minor">
+              <a:schemeClr val="dk1"/>
+            </a:fontRef>
+          </p:style>
+          <p:txBody>
+            <a:bodyPr rtlCol="0" anchor="ctr"/>
+            <a:lstStyle/>
+            <a:p>
+              <a:pPr algn="ctr"/>
+              <a:endParaRPr lang="zh-TW" altLang="en-US"/>
+            </a:p>
+          </p:txBody>
+        </p:sp>
+        <p:cxnSp>
+          <p:nvCxnSpPr>
+            <p:cNvPr id="11" name="直線接點 10">
+              <a:extLst>
+                <a:ext uri="{FF2B5EF4-FFF2-40B4-BE49-F238E27FC236}">
+                  <a16:creationId xmlns:a16="http://schemas.microsoft.com/office/drawing/2014/main" id="{93E2794C-3EA0-4E9E-B298-69EADE7DCBAD}"/>
+                </a:ext>
+              </a:extLst>
+            </p:cNvPr>
+            <p:cNvCxnSpPr>
+              <a:cxnSpLocks/>
+            </p:cNvCxnSpPr>
+            <p:nvPr/>
+          </p:nvCxnSpPr>
+          <p:spPr>
+            <a:xfrm>
+              <a:off x="4372030" y="1649487"/>
+              <a:ext cx="0" cy="457199"/>
+            </a:xfrm>
+            <a:prstGeom prst="line">
+              <a:avLst/>
+            </a:prstGeom>
+          </p:spPr>
+          <p:style>
+            <a:lnRef idx="1">
+              <a:schemeClr val="dk1"/>
+            </a:lnRef>
+            <a:fillRef idx="0">
+              <a:schemeClr val="dk1"/>
+            </a:fillRef>
+            <a:effectRef idx="0">
+              <a:schemeClr val="dk1"/>
+            </a:effectRef>
+            <a:fontRef idx="minor">
+              <a:schemeClr val="tx1"/>
+            </a:fontRef>
+          </p:style>
+        </p:cxnSp>
+        <p:sp>
+          <p:nvSpPr>
+            <p:cNvPr id="12" name="矩形 11">
+              <a:extLst>
+                <a:ext uri="{FF2B5EF4-FFF2-40B4-BE49-F238E27FC236}">
+                  <a16:creationId xmlns:a16="http://schemas.microsoft.com/office/drawing/2014/main" id="{85AECF2C-507E-4E65-8B69-81E75E28F466}"/>
+                </a:ext>
+              </a:extLst>
+            </p:cNvPr>
+            <p:cNvSpPr/>
+            <p:nvPr/>
+          </p:nvSpPr>
+          <p:spPr>
+            <a:xfrm>
+              <a:off x="3545035" y="2099707"/>
+              <a:ext cx="1763800" cy="474997"/>
+            </a:xfrm>
+            <a:prstGeom prst="rect">
+              <a:avLst/>
+            </a:prstGeom>
+          </p:spPr>
+          <p:style>
+            <a:lnRef idx="2">
+              <a:schemeClr val="dk1"/>
+            </a:lnRef>
+            <a:fillRef idx="1">
+              <a:schemeClr val="lt1"/>
+            </a:fillRef>
+            <a:effectRef idx="0">
+              <a:schemeClr val="dk1"/>
+            </a:effectRef>
+            <a:fontRef idx="minor">
+              <a:schemeClr val="dk1"/>
+            </a:fontRef>
+          </p:style>
+          <p:txBody>
+            <a:bodyPr rtlCol="0" anchor="ctr"/>
+            <a:lstStyle/>
+            <a:p>
+              <a:pPr algn="ctr"/>
+              <a:endParaRPr lang="zh-TW" altLang="en-US"/>
+            </a:p>
+          </p:txBody>
+        </p:sp>
+        <p:sp>
+          <p:nvSpPr>
+            <p:cNvPr id="13" name="文字方塊 12">
+              <a:extLst>
+                <a:ext uri="{FF2B5EF4-FFF2-40B4-BE49-F238E27FC236}">
+                  <a16:creationId xmlns:a16="http://schemas.microsoft.com/office/drawing/2014/main" id="{D13EE04D-2155-4D65-86F5-3BA073AE7947}"/>
+                </a:ext>
+              </a:extLst>
+            </p:cNvPr>
+            <p:cNvSpPr txBox="1"/>
+            <p:nvPr/>
+          </p:nvSpPr>
+          <p:spPr>
+            <a:xfrm>
+              <a:off x="1112066" y="2152475"/>
+              <a:ext cx="1107137" cy="369332"/>
+            </a:xfrm>
+            <a:prstGeom prst="rect">
+              <a:avLst/>
+            </a:prstGeom>
+            <a:noFill/>
+          </p:spPr>
+          <p:txBody>
+            <a:bodyPr wrap="square" rtlCol="0">
+              <a:spAutoFit/>
+            </a:bodyPr>
+            <a:lstStyle/>
+            <a:p>
+              <a:r>
+                <a:rPr lang="zh-TW" altLang="en-US" dirty="0"/>
+                <a:t>需求風險</a:t>
+              </a:r>
+            </a:p>
+          </p:txBody>
+        </p:sp>
+        <p:cxnSp>
+          <p:nvCxnSpPr>
+            <p:cNvPr id="14" name="直線接點 13">
+              <a:extLst>
+                <a:ext uri="{FF2B5EF4-FFF2-40B4-BE49-F238E27FC236}">
+                  <a16:creationId xmlns:a16="http://schemas.microsoft.com/office/drawing/2014/main" id="{9AEF32D8-C7C8-439F-BFDB-756304CFFC1C}"/>
+                </a:ext>
+              </a:extLst>
+            </p:cNvPr>
+            <p:cNvCxnSpPr>
+              <a:cxnSpLocks/>
+            </p:cNvCxnSpPr>
+            <p:nvPr/>
+          </p:nvCxnSpPr>
+          <p:spPr>
+            <a:xfrm flipH="1" flipV="1">
+              <a:off x="482293" y="2337136"/>
+              <a:ext cx="340660" cy="5"/>
+            </a:xfrm>
+            <a:prstGeom prst="line">
+              <a:avLst/>
+            </a:prstGeom>
+          </p:spPr>
+          <p:style>
+            <a:lnRef idx="1">
+              <a:schemeClr val="dk1"/>
+            </a:lnRef>
+            <a:fillRef idx="0">
+              <a:schemeClr val="dk1"/>
+            </a:fillRef>
+            <a:effectRef idx="0">
+              <a:schemeClr val="dk1"/>
+            </a:effectRef>
+            <a:fontRef idx="minor">
+              <a:schemeClr val="tx1"/>
+            </a:fontRef>
+          </p:style>
+        </p:cxnSp>
+        <p:cxnSp>
+          <p:nvCxnSpPr>
+            <p:cNvPr id="15" name="直線接點 14">
+              <a:extLst>
+                <a:ext uri="{FF2B5EF4-FFF2-40B4-BE49-F238E27FC236}">
+                  <a16:creationId xmlns:a16="http://schemas.microsoft.com/office/drawing/2014/main" id="{33D112CE-B157-4F1B-990A-04355E8FD054}"/>
+                </a:ext>
+              </a:extLst>
+            </p:cNvPr>
+            <p:cNvCxnSpPr>
+              <a:cxnSpLocks/>
+            </p:cNvCxnSpPr>
+            <p:nvPr/>
+          </p:nvCxnSpPr>
+          <p:spPr>
+            <a:xfrm flipH="1">
+              <a:off x="475281" y="2337205"/>
+              <a:ext cx="7022" cy="2559104"/>
+            </a:xfrm>
+            <a:prstGeom prst="line">
+              <a:avLst/>
+            </a:prstGeom>
+          </p:spPr>
+          <p:style>
+            <a:lnRef idx="1">
+              <a:schemeClr val="dk1"/>
+            </a:lnRef>
+            <a:fillRef idx="0">
+              <a:schemeClr val="dk1"/>
+            </a:fillRef>
+            <a:effectRef idx="0">
+              <a:schemeClr val="dk1"/>
+            </a:effectRef>
+            <a:fontRef idx="minor">
+              <a:schemeClr val="tx1"/>
+            </a:fontRef>
+          </p:style>
+        </p:cxnSp>
+        <p:cxnSp>
+          <p:nvCxnSpPr>
+            <p:cNvPr id="16" name="直線接點 15">
+              <a:extLst>
+                <a:ext uri="{FF2B5EF4-FFF2-40B4-BE49-F238E27FC236}">
+                  <a16:creationId xmlns:a16="http://schemas.microsoft.com/office/drawing/2014/main" id="{0C163981-28F9-435C-BB73-02CC832EBC67}"/>
+                </a:ext>
+              </a:extLst>
+            </p:cNvPr>
+            <p:cNvCxnSpPr/>
+            <p:nvPr/>
+          </p:nvCxnSpPr>
+          <p:spPr>
+            <a:xfrm>
+              <a:off x="482295" y="3128682"/>
+              <a:ext cx="340660" cy="0"/>
+            </a:xfrm>
+            <a:prstGeom prst="line">
+              <a:avLst/>
+            </a:prstGeom>
+          </p:spPr>
+          <p:style>
+            <a:lnRef idx="1">
+              <a:schemeClr val="dk1"/>
+            </a:lnRef>
+            <a:fillRef idx="0">
+              <a:schemeClr val="dk1"/>
+            </a:fillRef>
+            <a:effectRef idx="0">
+              <a:schemeClr val="dk1"/>
+            </a:effectRef>
+            <a:fontRef idx="minor">
+              <a:schemeClr val="tx1"/>
+            </a:fontRef>
+          </p:style>
+        </p:cxnSp>
+        <p:cxnSp>
+          <p:nvCxnSpPr>
+            <p:cNvPr id="17" name="直線接點 16">
+              <a:extLst>
+                <a:ext uri="{FF2B5EF4-FFF2-40B4-BE49-F238E27FC236}">
+                  <a16:creationId xmlns:a16="http://schemas.microsoft.com/office/drawing/2014/main" id="{3415BDD9-4161-449B-AABC-F0B1E444E766}"/>
+                </a:ext>
+              </a:extLst>
+            </p:cNvPr>
+            <p:cNvCxnSpPr/>
+            <p:nvPr/>
+          </p:nvCxnSpPr>
+          <p:spPr>
+            <a:xfrm>
+              <a:off x="482295" y="3981909"/>
+              <a:ext cx="340660" cy="0"/>
+            </a:xfrm>
+            <a:prstGeom prst="line">
+              <a:avLst/>
+            </a:prstGeom>
+          </p:spPr>
+          <p:style>
+            <a:lnRef idx="1">
+              <a:schemeClr val="dk1"/>
+            </a:lnRef>
+            <a:fillRef idx="0">
+              <a:schemeClr val="dk1"/>
+            </a:fillRef>
+            <a:effectRef idx="0">
+              <a:schemeClr val="dk1"/>
+            </a:effectRef>
+            <a:fontRef idx="minor">
+              <a:schemeClr val="tx1"/>
+            </a:fontRef>
+          </p:style>
+        </p:cxnSp>
+        <p:sp>
+          <p:nvSpPr>
+            <p:cNvPr id="18" name="文字方塊 17">
+              <a:extLst>
+                <a:ext uri="{FF2B5EF4-FFF2-40B4-BE49-F238E27FC236}">
+                  <a16:creationId xmlns:a16="http://schemas.microsoft.com/office/drawing/2014/main" id="{585A68E6-2586-4022-A17D-748D7802B345}"/>
+                </a:ext>
+              </a:extLst>
+            </p:cNvPr>
+            <p:cNvSpPr txBox="1"/>
+            <p:nvPr/>
+          </p:nvSpPr>
+          <p:spPr>
+            <a:xfrm>
+              <a:off x="3818462" y="2146180"/>
+              <a:ext cx="1107137" cy="369332"/>
+            </a:xfrm>
+            <a:prstGeom prst="rect">
+              <a:avLst/>
+            </a:prstGeom>
+            <a:noFill/>
+          </p:spPr>
+          <p:txBody>
+            <a:bodyPr wrap="square" rtlCol="0">
+              <a:spAutoFit/>
+            </a:bodyPr>
+            <a:lstStyle/>
+            <a:p>
+              <a:endParaRPr lang="zh-TW" altLang="en-US" dirty="0"/>
+            </a:p>
+          </p:txBody>
+        </p:sp>
+        <p:cxnSp>
+          <p:nvCxnSpPr>
+            <p:cNvPr id="19" name="直線接點 18">
+              <a:extLst>
+                <a:ext uri="{FF2B5EF4-FFF2-40B4-BE49-F238E27FC236}">
+                  <a16:creationId xmlns:a16="http://schemas.microsoft.com/office/drawing/2014/main" id="{B6EA6DAC-7A3C-4C1D-B3EB-49601384C217}"/>
+                </a:ext>
+              </a:extLst>
+            </p:cNvPr>
+            <p:cNvCxnSpPr/>
+            <p:nvPr/>
+          </p:nvCxnSpPr>
+          <p:spPr>
+            <a:xfrm>
+              <a:off x="3212575" y="3137627"/>
+              <a:ext cx="340660" cy="0"/>
+            </a:xfrm>
+            <a:prstGeom prst="line">
+              <a:avLst/>
+            </a:prstGeom>
+          </p:spPr>
+          <p:style>
+            <a:lnRef idx="1">
+              <a:schemeClr val="dk1"/>
+            </a:lnRef>
+            <a:fillRef idx="0">
+              <a:schemeClr val="dk1"/>
+            </a:fillRef>
+            <a:effectRef idx="0">
+              <a:schemeClr val="dk1"/>
+            </a:effectRef>
+            <a:fontRef idx="minor">
+              <a:schemeClr val="tx1"/>
+            </a:fontRef>
+          </p:style>
+        </p:cxnSp>
+        <p:sp>
+          <p:nvSpPr>
+            <p:cNvPr id="20" name="文字方塊 19">
+              <a:extLst>
+                <a:ext uri="{FF2B5EF4-FFF2-40B4-BE49-F238E27FC236}">
+                  <a16:creationId xmlns:a16="http://schemas.microsoft.com/office/drawing/2014/main" id="{9F01762C-16ED-4B41-82C4-DB74103CE96A}"/>
+                </a:ext>
+              </a:extLst>
+            </p:cNvPr>
+            <p:cNvSpPr txBox="1"/>
+            <p:nvPr/>
+          </p:nvSpPr>
+          <p:spPr>
+            <a:xfrm>
+              <a:off x="3655902" y="2166573"/>
+              <a:ext cx="1829812" cy="369332"/>
+            </a:xfrm>
+            <a:prstGeom prst="rect">
+              <a:avLst/>
+            </a:prstGeom>
+            <a:noFill/>
+          </p:spPr>
+          <p:txBody>
+            <a:bodyPr wrap="square" rtlCol="0">
+              <a:spAutoFit/>
+            </a:bodyPr>
+            <a:lstStyle/>
+            <a:p>
+              <a:r>
+                <a:rPr lang="zh-TW" altLang="en-US" dirty="0"/>
+                <a:t>人力資源風險</a:t>
+              </a:r>
+            </a:p>
+          </p:txBody>
+        </p:sp>
+        <p:cxnSp>
+          <p:nvCxnSpPr>
+            <p:cNvPr id="21" name="直線接點 20">
+              <a:extLst>
+                <a:ext uri="{FF2B5EF4-FFF2-40B4-BE49-F238E27FC236}">
+                  <a16:creationId xmlns:a16="http://schemas.microsoft.com/office/drawing/2014/main" id="{58E2BF5A-1BAD-446B-97FF-6113E0A08394}"/>
+                </a:ext>
+              </a:extLst>
+            </p:cNvPr>
+            <p:cNvCxnSpPr>
+              <a:cxnSpLocks/>
+            </p:cNvCxnSpPr>
+            <p:nvPr/>
+          </p:nvCxnSpPr>
+          <p:spPr>
+            <a:xfrm flipH="1">
+              <a:off x="3203254" y="2321900"/>
+              <a:ext cx="6764" cy="3189234"/>
+            </a:xfrm>
+            <a:prstGeom prst="line">
+              <a:avLst/>
+            </a:prstGeom>
+          </p:spPr>
+          <p:style>
+            <a:lnRef idx="1">
+              <a:schemeClr val="dk1"/>
+            </a:lnRef>
+            <a:fillRef idx="0">
+              <a:schemeClr val="dk1"/>
+            </a:fillRef>
+            <a:effectRef idx="0">
+              <a:schemeClr val="dk1"/>
+            </a:effectRef>
+            <a:fontRef idx="minor">
+              <a:schemeClr val="tx1"/>
+            </a:fontRef>
+          </p:style>
+        </p:cxnSp>
+        <p:cxnSp>
+          <p:nvCxnSpPr>
+            <p:cNvPr id="22" name="直線接點 21">
+              <a:extLst>
+                <a:ext uri="{FF2B5EF4-FFF2-40B4-BE49-F238E27FC236}">
+                  <a16:creationId xmlns:a16="http://schemas.microsoft.com/office/drawing/2014/main" id="{EAFA4944-24A8-4EBB-92EE-91D68B79D0EB}"/>
+                </a:ext>
+              </a:extLst>
+            </p:cNvPr>
+            <p:cNvCxnSpPr>
+              <a:cxnSpLocks/>
+              <a:endCxn id="12" idx="1"/>
+            </p:cNvCxnSpPr>
+            <p:nvPr/>
+          </p:nvCxnSpPr>
+          <p:spPr>
+            <a:xfrm>
+              <a:off x="3220059" y="2337205"/>
+              <a:ext cx="324976" cy="1"/>
+            </a:xfrm>
+            <a:prstGeom prst="line">
+              <a:avLst/>
+            </a:prstGeom>
+          </p:spPr>
+          <p:style>
+            <a:lnRef idx="1">
+              <a:schemeClr val="dk1"/>
+            </a:lnRef>
+            <a:fillRef idx="0">
+              <a:schemeClr val="dk1"/>
+            </a:fillRef>
+            <a:effectRef idx="0">
+              <a:schemeClr val="dk1"/>
+            </a:effectRef>
+            <a:fontRef idx="minor">
+              <a:schemeClr val="tx1"/>
+            </a:fontRef>
+          </p:style>
+        </p:cxnSp>
+        <p:cxnSp>
+          <p:nvCxnSpPr>
+            <p:cNvPr id="23" name="直線接點 22">
+              <a:extLst>
+                <a:ext uri="{FF2B5EF4-FFF2-40B4-BE49-F238E27FC236}">
+                  <a16:creationId xmlns:a16="http://schemas.microsoft.com/office/drawing/2014/main" id="{2D160094-4FB2-4758-AADA-AEC9DE73F7BB}"/>
+                </a:ext>
+              </a:extLst>
+            </p:cNvPr>
+            <p:cNvCxnSpPr/>
+            <p:nvPr/>
+          </p:nvCxnSpPr>
+          <p:spPr>
+            <a:xfrm>
+              <a:off x="3216567" y="3998239"/>
+              <a:ext cx="340660" cy="0"/>
+            </a:xfrm>
+            <a:prstGeom prst="line">
+              <a:avLst/>
+            </a:prstGeom>
+          </p:spPr>
+          <p:style>
+            <a:lnRef idx="1">
+              <a:schemeClr val="dk1"/>
+            </a:lnRef>
+            <a:fillRef idx="0">
+              <a:schemeClr val="dk1"/>
+            </a:fillRef>
+            <a:effectRef idx="0">
+              <a:schemeClr val="dk1"/>
+            </a:effectRef>
+            <a:fontRef idx="minor">
+              <a:schemeClr val="tx1"/>
+            </a:fontRef>
+          </p:style>
+        </p:cxnSp>
+        <p:cxnSp>
+          <p:nvCxnSpPr>
+            <p:cNvPr id="24" name="直線接點 23">
+              <a:extLst>
+                <a:ext uri="{FF2B5EF4-FFF2-40B4-BE49-F238E27FC236}">
+                  <a16:creationId xmlns:a16="http://schemas.microsoft.com/office/drawing/2014/main" id="{F0D220F0-FB77-4870-B113-ED7685623BA7}"/>
+                </a:ext>
+              </a:extLst>
+            </p:cNvPr>
+            <p:cNvCxnSpPr/>
+            <p:nvPr/>
+          </p:nvCxnSpPr>
+          <p:spPr>
+            <a:xfrm>
+              <a:off x="10244699" y="1631577"/>
+              <a:ext cx="0" cy="475129"/>
+            </a:xfrm>
+            <a:prstGeom prst="line">
+              <a:avLst/>
+            </a:prstGeom>
+          </p:spPr>
+          <p:style>
+            <a:lnRef idx="1">
+              <a:schemeClr val="dk1"/>
+            </a:lnRef>
+            <a:fillRef idx="0">
+              <a:schemeClr val="dk1"/>
+            </a:fillRef>
+            <a:effectRef idx="0">
+              <a:schemeClr val="dk1"/>
+            </a:effectRef>
+            <a:fontRef idx="minor">
+              <a:schemeClr val="tx1"/>
+            </a:fontRef>
+          </p:style>
+        </p:cxnSp>
+        <p:cxnSp>
+          <p:nvCxnSpPr>
+            <p:cNvPr id="25" name="直線接點 24">
+              <a:extLst>
+                <a:ext uri="{FF2B5EF4-FFF2-40B4-BE49-F238E27FC236}">
+                  <a16:creationId xmlns:a16="http://schemas.microsoft.com/office/drawing/2014/main" id="{9370A5F4-9852-4D40-99CF-74719D6C4421}"/>
+                </a:ext>
+              </a:extLst>
+            </p:cNvPr>
+            <p:cNvCxnSpPr>
+              <a:cxnSpLocks/>
+            </p:cNvCxnSpPr>
+            <p:nvPr/>
+          </p:nvCxnSpPr>
+          <p:spPr>
+            <a:xfrm flipH="1">
+              <a:off x="9026629" y="2339789"/>
+              <a:ext cx="317120" cy="4393"/>
+            </a:xfrm>
+            <a:prstGeom prst="line">
+              <a:avLst/>
+            </a:prstGeom>
+          </p:spPr>
+          <p:style>
+            <a:lnRef idx="1">
+              <a:schemeClr val="dk1"/>
+            </a:lnRef>
+            <a:fillRef idx="0">
+              <a:schemeClr val="dk1"/>
+            </a:fillRef>
+            <a:effectRef idx="0">
+              <a:schemeClr val="dk1"/>
+            </a:effectRef>
+            <a:fontRef idx="minor">
+              <a:schemeClr val="tx1"/>
+            </a:fontRef>
+          </p:style>
+        </p:cxnSp>
+        <p:cxnSp>
+          <p:nvCxnSpPr>
+            <p:cNvPr id="26" name="直線接點 25">
+              <a:extLst>
+                <a:ext uri="{FF2B5EF4-FFF2-40B4-BE49-F238E27FC236}">
+                  <a16:creationId xmlns:a16="http://schemas.microsoft.com/office/drawing/2014/main" id="{5D236FE4-2870-401D-975F-FF09E6F8A9AE}"/>
+                </a:ext>
+              </a:extLst>
+            </p:cNvPr>
+            <p:cNvCxnSpPr>
+              <a:cxnSpLocks/>
+            </p:cNvCxnSpPr>
+            <p:nvPr/>
+          </p:nvCxnSpPr>
+          <p:spPr>
+            <a:xfrm>
+              <a:off x="9024388" y="2351239"/>
+              <a:ext cx="15129" cy="1600684"/>
+            </a:xfrm>
+            <a:prstGeom prst="line">
+              <a:avLst/>
+            </a:prstGeom>
+          </p:spPr>
+          <p:style>
+            <a:lnRef idx="1">
+              <a:schemeClr val="dk1"/>
+            </a:lnRef>
+            <a:fillRef idx="0">
+              <a:schemeClr val="dk1"/>
+            </a:fillRef>
+            <a:effectRef idx="0">
+              <a:schemeClr val="dk1"/>
+            </a:effectRef>
+            <a:fontRef idx="minor">
+              <a:schemeClr val="tx1"/>
+            </a:fontRef>
+          </p:style>
+        </p:cxnSp>
+        <p:cxnSp>
+          <p:nvCxnSpPr>
+            <p:cNvPr id="27" name="直線接點 26">
+              <a:extLst>
+                <a:ext uri="{FF2B5EF4-FFF2-40B4-BE49-F238E27FC236}">
+                  <a16:creationId xmlns:a16="http://schemas.microsoft.com/office/drawing/2014/main" id="{84837469-AF34-442F-877A-6C29788ED001}"/>
+                </a:ext>
+              </a:extLst>
+            </p:cNvPr>
+            <p:cNvCxnSpPr>
+              <a:cxnSpLocks/>
+            </p:cNvCxnSpPr>
+            <p:nvPr/>
+          </p:nvCxnSpPr>
+          <p:spPr>
+            <a:xfrm flipH="1">
+              <a:off x="9039518" y="3155596"/>
+              <a:ext cx="317120" cy="4393"/>
+            </a:xfrm>
+            <a:prstGeom prst="line">
+              <a:avLst/>
+            </a:prstGeom>
+          </p:spPr>
+          <p:style>
+            <a:lnRef idx="1">
+              <a:schemeClr val="dk1"/>
+            </a:lnRef>
+            <a:fillRef idx="0">
+              <a:schemeClr val="dk1"/>
+            </a:fillRef>
+            <a:effectRef idx="0">
+              <a:schemeClr val="dk1"/>
+            </a:effectRef>
+            <a:fontRef idx="minor">
+              <a:schemeClr val="tx1"/>
+            </a:fontRef>
+          </p:style>
+        </p:cxnSp>
+        <p:sp>
+          <p:nvSpPr>
+            <p:cNvPr id="28" name="文字方塊 27">
+              <a:extLst>
+                <a:ext uri="{FF2B5EF4-FFF2-40B4-BE49-F238E27FC236}">
+                  <a16:creationId xmlns:a16="http://schemas.microsoft.com/office/drawing/2014/main" id="{97915A72-CD65-4970-81C0-97D9A638E824}"/>
+                </a:ext>
+              </a:extLst>
+            </p:cNvPr>
+            <p:cNvSpPr txBox="1"/>
+            <p:nvPr/>
+          </p:nvSpPr>
+          <p:spPr>
+            <a:xfrm>
+              <a:off x="9350203" y="3768194"/>
+              <a:ext cx="1979595" cy="369332"/>
+            </a:xfrm>
+            <a:prstGeom prst="rect">
+              <a:avLst/>
+            </a:prstGeom>
+            <a:noFill/>
+          </p:spPr>
+          <p:txBody>
+            <a:bodyPr wrap="square" rtlCol="0">
+              <a:spAutoFit/>
+            </a:bodyPr>
+            <a:lstStyle/>
+            <a:p>
+              <a:r>
+                <a:rPr lang="zh-TW" altLang="en-US" dirty="0"/>
+                <a:t>工作負荷過大</a:t>
+              </a:r>
+            </a:p>
+          </p:txBody>
+        </p:sp>
+        <p:cxnSp>
+          <p:nvCxnSpPr>
+            <p:cNvPr id="29" name="直線接點 28">
+              <a:extLst>
+                <a:ext uri="{FF2B5EF4-FFF2-40B4-BE49-F238E27FC236}">
+                  <a16:creationId xmlns:a16="http://schemas.microsoft.com/office/drawing/2014/main" id="{B3FC8E33-A723-4A68-A0BD-A3B2CD8A10EB}"/>
+                </a:ext>
+              </a:extLst>
+            </p:cNvPr>
+            <p:cNvCxnSpPr>
+              <a:cxnSpLocks/>
+            </p:cNvCxnSpPr>
+            <p:nvPr/>
+          </p:nvCxnSpPr>
+          <p:spPr>
+            <a:xfrm flipH="1">
+              <a:off x="9033084" y="3951923"/>
+              <a:ext cx="317120" cy="4393"/>
+            </a:xfrm>
+            <a:prstGeom prst="line">
+              <a:avLst/>
+            </a:prstGeom>
+          </p:spPr>
+          <p:style>
+            <a:lnRef idx="1">
+              <a:schemeClr val="dk1"/>
+            </a:lnRef>
+            <a:fillRef idx="0">
+              <a:schemeClr val="dk1"/>
+            </a:fillRef>
+            <a:effectRef idx="0">
+              <a:schemeClr val="dk1"/>
+            </a:effectRef>
+            <a:fontRef idx="minor">
+              <a:schemeClr val="tx1"/>
+            </a:fontRef>
+          </p:style>
+        </p:cxnSp>
+        <p:sp>
+          <p:nvSpPr>
+            <p:cNvPr id="30" name="矩形 29">
+              <a:extLst>
+                <a:ext uri="{FF2B5EF4-FFF2-40B4-BE49-F238E27FC236}">
+                  <a16:creationId xmlns:a16="http://schemas.microsoft.com/office/drawing/2014/main" id="{431F818C-3229-4AB9-9E21-19484E31CA21}"/>
+                </a:ext>
+              </a:extLst>
+            </p:cNvPr>
+            <p:cNvSpPr/>
+            <p:nvPr/>
+          </p:nvSpPr>
+          <p:spPr>
+            <a:xfrm>
+              <a:off x="9364476" y="2092522"/>
+              <a:ext cx="1801901" cy="474952"/>
+            </a:xfrm>
+            <a:prstGeom prst="rect">
+              <a:avLst/>
+            </a:prstGeom>
+          </p:spPr>
+          <p:style>
+            <a:lnRef idx="2">
+              <a:schemeClr val="dk1"/>
+            </a:lnRef>
+            <a:fillRef idx="1">
+              <a:schemeClr val="lt1"/>
+            </a:fillRef>
+            <a:effectRef idx="0">
+              <a:schemeClr val="dk1"/>
+            </a:effectRef>
+            <a:fontRef idx="minor">
+              <a:schemeClr val="dk1"/>
+            </a:fontRef>
+          </p:style>
+          <p:txBody>
+            <a:bodyPr rtlCol="0" anchor="ctr"/>
+            <a:lstStyle/>
+            <a:p>
+              <a:pPr algn="ctr"/>
+              <a:endParaRPr lang="zh-TW" altLang="en-US" dirty="0"/>
+            </a:p>
+          </p:txBody>
+        </p:sp>
+        <p:sp>
+          <p:nvSpPr>
+            <p:cNvPr id="31" name="文字方塊 30">
+              <a:extLst>
+                <a:ext uri="{FF2B5EF4-FFF2-40B4-BE49-F238E27FC236}">
+                  <a16:creationId xmlns:a16="http://schemas.microsoft.com/office/drawing/2014/main" id="{0126AF32-0CE9-42A6-90E7-0D7EB56D48EC}"/>
+                </a:ext>
+              </a:extLst>
+            </p:cNvPr>
+            <p:cNvSpPr txBox="1"/>
+            <p:nvPr/>
+          </p:nvSpPr>
+          <p:spPr>
+            <a:xfrm>
+              <a:off x="3556890" y="2970930"/>
+              <a:ext cx="2288639" cy="369332"/>
+            </a:xfrm>
+            <a:prstGeom prst="rect">
+              <a:avLst/>
+            </a:prstGeom>
+            <a:noFill/>
+          </p:spPr>
+          <p:txBody>
+            <a:bodyPr wrap="square" rtlCol="0">
+              <a:spAutoFit/>
+            </a:bodyPr>
+            <a:lstStyle/>
+            <a:p>
+              <a:r>
+                <a:rPr lang="zh-TW" altLang="en-US" dirty="0"/>
+                <a:t>缺乏相關實務經驗</a:t>
+              </a:r>
+            </a:p>
+          </p:txBody>
+        </p:sp>
+        <p:sp>
+          <p:nvSpPr>
+            <p:cNvPr id="32" name="文字方塊 31">
+              <a:extLst>
+                <a:ext uri="{FF2B5EF4-FFF2-40B4-BE49-F238E27FC236}">
+                  <a16:creationId xmlns:a16="http://schemas.microsoft.com/office/drawing/2014/main" id="{06C47958-F6F2-429B-B8B1-8F80FB012C2E}"/>
+                </a:ext>
+              </a:extLst>
+            </p:cNvPr>
+            <p:cNvSpPr txBox="1"/>
+            <p:nvPr/>
+          </p:nvSpPr>
+          <p:spPr>
+            <a:xfrm>
+              <a:off x="9363652" y="2970930"/>
+              <a:ext cx="2919465" cy="369332"/>
+            </a:xfrm>
+            <a:prstGeom prst="rect">
+              <a:avLst/>
+            </a:prstGeom>
+            <a:noFill/>
+          </p:spPr>
+          <p:txBody>
+            <a:bodyPr wrap="square" rtlCol="0">
+              <a:spAutoFit/>
+            </a:bodyPr>
+            <a:lstStyle/>
+            <a:p>
+              <a:r>
+                <a:rPr lang="zh-TW" altLang="en-US" dirty="0"/>
+                <a:t>時程規劃不周全</a:t>
+              </a:r>
+            </a:p>
+          </p:txBody>
+        </p:sp>
+        <p:sp>
+          <p:nvSpPr>
+            <p:cNvPr id="33" name="文字方塊 32">
+              <a:extLst>
+                <a:ext uri="{FF2B5EF4-FFF2-40B4-BE49-F238E27FC236}">
+                  <a16:creationId xmlns:a16="http://schemas.microsoft.com/office/drawing/2014/main" id="{A19B83ED-EE35-4E4A-A869-778DAD84B4C2}"/>
+                </a:ext>
+              </a:extLst>
+            </p:cNvPr>
+            <p:cNvSpPr txBox="1"/>
+            <p:nvPr/>
+          </p:nvSpPr>
+          <p:spPr>
+            <a:xfrm>
+              <a:off x="9677395" y="2152539"/>
+              <a:ext cx="1273829" cy="369332"/>
+            </a:xfrm>
+            <a:prstGeom prst="rect">
+              <a:avLst/>
+            </a:prstGeom>
+            <a:noFill/>
+          </p:spPr>
+          <p:txBody>
+            <a:bodyPr wrap="square" rtlCol="0">
+              <a:spAutoFit/>
+            </a:bodyPr>
+            <a:lstStyle/>
+            <a:p>
+              <a:r>
+                <a:rPr lang="zh-TW" altLang="en-US"/>
+                <a:t>時程風險</a:t>
+              </a:r>
+              <a:endParaRPr lang="zh-TW" altLang="en-US" dirty="0"/>
+            </a:p>
+          </p:txBody>
+        </p:sp>
+        <p:sp>
+          <p:nvSpPr>
+            <p:cNvPr id="34" name="文字方塊 33">
+              <a:extLst>
+                <a:ext uri="{FF2B5EF4-FFF2-40B4-BE49-F238E27FC236}">
+                  <a16:creationId xmlns:a16="http://schemas.microsoft.com/office/drawing/2014/main" id="{43AEFA71-AB0B-411A-B4C9-618CB7537325}"/>
+                </a:ext>
+              </a:extLst>
+            </p:cNvPr>
+            <p:cNvSpPr txBox="1"/>
+            <p:nvPr/>
+          </p:nvSpPr>
+          <p:spPr>
+            <a:xfrm>
+              <a:off x="842752" y="2942349"/>
+              <a:ext cx="1600537" cy="369332"/>
+            </a:xfrm>
+            <a:prstGeom prst="rect">
+              <a:avLst/>
+            </a:prstGeom>
+            <a:noFill/>
+          </p:spPr>
+          <p:txBody>
+            <a:bodyPr wrap="square" rtlCol="0">
+              <a:spAutoFit/>
+            </a:bodyPr>
+            <a:lstStyle/>
+            <a:p>
+              <a:r>
+                <a:rPr lang="zh-TW" altLang="en-US" dirty="0"/>
+                <a:t>需求不明確</a:t>
+              </a:r>
+            </a:p>
+          </p:txBody>
+        </p:sp>
+        <p:cxnSp>
+          <p:nvCxnSpPr>
+            <p:cNvPr id="35" name="直線接點 34">
+              <a:extLst>
+                <a:ext uri="{FF2B5EF4-FFF2-40B4-BE49-F238E27FC236}">
+                  <a16:creationId xmlns:a16="http://schemas.microsoft.com/office/drawing/2014/main" id="{10386AE0-D8B1-40EE-B3F8-59829B257CF7}"/>
+                </a:ext>
+              </a:extLst>
+            </p:cNvPr>
+            <p:cNvCxnSpPr/>
+            <p:nvPr/>
+          </p:nvCxnSpPr>
+          <p:spPr>
+            <a:xfrm>
+              <a:off x="3215662" y="4735403"/>
+              <a:ext cx="340660" cy="0"/>
+            </a:xfrm>
+            <a:prstGeom prst="line">
+              <a:avLst/>
+            </a:prstGeom>
+          </p:spPr>
+          <p:style>
+            <a:lnRef idx="1">
+              <a:schemeClr val="dk1"/>
+            </a:lnRef>
+            <a:fillRef idx="0">
+              <a:schemeClr val="dk1"/>
+            </a:fillRef>
+            <a:effectRef idx="0">
+              <a:schemeClr val="dk1"/>
+            </a:effectRef>
+            <a:fontRef idx="minor">
+              <a:schemeClr val="tx1"/>
+            </a:fontRef>
+          </p:style>
+        </p:cxnSp>
+        <p:sp>
+          <p:nvSpPr>
+            <p:cNvPr id="36" name="文字方塊 35">
+              <a:extLst>
+                <a:ext uri="{FF2B5EF4-FFF2-40B4-BE49-F238E27FC236}">
+                  <a16:creationId xmlns:a16="http://schemas.microsoft.com/office/drawing/2014/main" id="{B60C2E08-BDA3-4A96-97F8-38BA54B5E065}"/>
+                </a:ext>
+              </a:extLst>
+            </p:cNvPr>
+            <p:cNvSpPr txBox="1"/>
+            <p:nvPr/>
+          </p:nvSpPr>
+          <p:spPr>
+            <a:xfrm>
+              <a:off x="3539778" y="4564468"/>
+              <a:ext cx="2114617" cy="369332"/>
+            </a:xfrm>
+            <a:prstGeom prst="rect">
+              <a:avLst/>
+            </a:prstGeom>
+            <a:noFill/>
+          </p:spPr>
+          <p:txBody>
+            <a:bodyPr wrap="square" rtlCol="0">
+              <a:spAutoFit/>
+            </a:bodyPr>
+            <a:lstStyle/>
+            <a:p>
+              <a:r>
+                <a:rPr lang="zh-TW" altLang="en-US" dirty="0"/>
+                <a:t>小組成員衝突 </a:t>
+              </a:r>
+            </a:p>
+          </p:txBody>
+        </p:sp>
+        <p:sp>
+          <p:nvSpPr>
+            <p:cNvPr id="37" name="文字方塊 36">
+              <a:extLst>
+                <a:ext uri="{FF2B5EF4-FFF2-40B4-BE49-F238E27FC236}">
+                  <a16:creationId xmlns:a16="http://schemas.microsoft.com/office/drawing/2014/main" id="{4E380661-3CAF-4669-8805-E025151F3F05}"/>
+                </a:ext>
+              </a:extLst>
+            </p:cNvPr>
+            <p:cNvSpPr txBox="1"/>
+            <p:nvPr/>
+          </p:nvSpPr>
+          <p:spPr>
+            <a:xfrm>
+              <a:off x="876462" y="3799557"/>
+              <a:ext cx="1727131" cy="369332"/>
+            </a:xfrm>
+            <a:prstGeom prst="rect">
+              <a:avLst/>
+            </a:prstGeom>
+            <a:noFill/>
+          </p:spPr>
+          <p:txBody>
+            <a:bodyPr wrap="square" rtlCol="0">
+              <a:spAutoFit/>
+            </a:bodyPr>
+            <a:lstStyle/>
+            <a:p>
+              <a:r>
+                <a:rPr lang="zh-TW" altLang="en-US" dirty="0"/>
+                <a:t>需求變更</a:t>
+              </a:r>
+            </a:p>
+          </p:txBody>
+        </p:sp>
+        <p:cxnSp>
+          <p:nvCxnSpPr>
+            <p:cNvPr id="38" name="直線接點 37">
+              <a:extLst>
+                <a:ext uri="{FF2B5EF4-FFF2-40B4-BE49-F238E27FC236}">
+                  <a16:creationId xmlns:a16="http://schemas.microsoft.com/office/drawing/2014/main" id="{C0A1F72E-9C25-412F-AC42-5351331B05D9}"/>
+                </a:ext>
+              </a:extLst>
+            </p:cNvPr>
+            <p:cNvCxnSpPr>
+              <a:cxnSpLocks/>
+            </p:cNvCxnSpPr>
+            <p:nvPr/>
+          </p:nvCxnSpPr>
+          <p:spPr>
+            <a:xfrm>
+              <a:off x="7177347" y="1649487"/>
+              <a:ext cx="0" cy="457199"/>
+            </a:xfrm>
+            <a:prstGeom prst="line">
+              <a:avLst/>
+            </a:prstGeom>
+          </p:spPr>
+          <p:style>
+            <a:lnRef idx="1">
+              <a:schemeClr val="dk1"/>
+            </a:lnRef>
+            <a:fillRef idx="0">
+              <a:schemeClr val="dk1"/>
+            </a:fillRef>
+            <a:effectRef idx="0">
+              <a:schemeClr val="dk1"/>
+            </a:effectRef>
+            <a:fontRef idx="minor">
+              <a:schemeClr val="tx1"/>
+            </a:fontRef>
+          </p:style>
+        </p:cxnSp>
+        <p:sp>
+          <p:nvSpPr>
+            <p:cNvPr id="39" name="矩形 38">
+              <a:extLst>
+                <a:ext uri="{FF2B5EF4-FFF2-40B4-BE49-F238E27FC236}">
+                  <a16:creationId xmlns:a16="http://schemas.microsoft.com/office/drawing/2014/main" id="{2167E254-4396-42DD-A2DE-B6F8C1033297}"/>
+                </a:ext>
+              </a:extLst>
+            </p:cNvPr>
+            <p:cNvSpPr/>
+            <p:nvPr/>
+          </p:nvSpPr>
+          <p:spPr>
+            <a:xfrm>
+              <a:off x="6350352" y="2099707"/>
+              <a:ext cx="1763800" cy="474997"/>
+            </a:xfrm>
+            <a:prstGeom prst="rect">
+              <a:avLst/>
+            </a:prstGeom>
+          </p:spPr>
+          <p:style>
+            <a:lnRef idx="2">
+              <a:schemeClr val="dk1"/>
+            </a:lnRef>
+            <a:fillRef idx="1">
+              <a:schemeClr val="lt1"/>
+            </a:fillRef>
+            <a:effectRef idx="0">
+              <a:schemeClr val="dk1"/>
+            </a:effectRef>
+            <a:fontRef idx="minor">
+              <a:schemeClr val="dk1"/>
+            </a:fontRef>
+          </p:style>
+          <p:txBody>
+            <a:bodyPr rtlCol="0" anchor="ctr"/>
+            <a:lstStyle/>
+            <a:p>
+              <a:pPr algn="ctr"/>
+              <a:endParaRPr lang="zh-TW" altLang="en-US"/>
+            </a:p>
+          </p:txBody>
+        </p:sp>
+        <p:sp>
+          <p:nvSpPr>
+            <p:cNvPr id="40" name="文字方塊 39">
+              <a:extLst>
+                <a:ext uri="{FF2B5EF4-FFF2-40B4-BE49-F238E27FC236}">
+                  <a16:creationId xmlns:a16="http://schemas.microsoft.com/office/drawing/2014/main" id="{A82080A9-D69E-4C5A-8732-103B28B9833C}"/>
+                </a:ext>
+              </a:extLst>
+            </p:cNvPr>
+            <p:cNvSpPr txBox="1"/>
+            <p:nvPr/>
+          </p:nvSpPr>
+          <p:spPr>
+            <a:xfrm>
+              <a:off x="6623779" y="2146180"/>
+              <a:ext cx="1107137" cy="369332"/>
+            </a:xfrm>
+            <a:prstGeom prst="rect">
+              <a:avLst/>
+            </a:prstGeom>
+            <a:noFill/>
+          </p:spPr>
+          <p:txBody>
+            <a:bodyPr wrap="square" rtlCol="0">
+              <a:spAutoFit/>
+            </a:bodyPr>
+            <a:lstStyle/>
+            <a:p>
+              <a:endParaRPr lang="zh-TW" altLang="en-US" dirty="0"/>
+            </a:p>
+          </p:txBody>
+        </p:sp>
+        <p:cxnSp>
+          <p:nvCxnSpPr>
+            <p:cNvPr id="41" name="直線接點 40">
+              <a:extLst>
+                <a:ext uri="{FF2B5EF4-FFF2-40B4-BE49-F238E27FC236}">
+                  <a16:creationId xmlns:a16="http://schemas.microsoft.com/office/drawing/2014/main" id="{7040F982-BECF-44F2-AC51-EB769E5A8C3C}"/>
+                </a:ext>
+              </a:extLst>
+            </p:cNvPr>
+            <p:cNvCxnSpPr/>
+            <p:nvPr/>
+          </p:nvCxnSpPr>
+          <p:spPr>
+            <a:xfrm>
+              <a:off x="6017892" y="3137627"/>
+              <a:ext cx="340660" cy="0"/>
+            </a:xfrm>
+            <a:prstGeom prst="line">
+              <a:avLst/>
+            </a:prstGeom>
+          </p:spPr>
+          <p:style>
+            <a:lnRef idx="1">
+              <a:schemeClr val="dk1"/>
+            </a:lnRef>
+            <a:fillRef idx="0">
+              <a:schemeClr val="dk1"/>
+            </a:fillRef>
+            <a:effectRef idx="0">
+              <a:schemeClr val="dk1"/>
+            </a:effectRef>
+            <a:fontRef idx="minor">
+              <a:schemeClr val="tx1"/>
+            </a:fontRef>
+          </p:style>
+        </p:cxnSp>
+        <p:sp>
+          <p:nvSpPr>
+            <p:cNvPr id="42" name="文字方塊 41">
+              <a:extLst>
+                <a:ext uri="{FF2B5EF4-FFF2-40B4-BE49-F238E27FC236}">
+                  <a16:creationId xmlns:a16="http://schemas.microsoft.com/office/drawing/2014/main" id="{C5CA0007-E9D1-4BC6-A06E-FAAAD68128C1}"/>
+                </a:ext>
+              </a:extLst>
+            </p:cNvPr>
+            <p:cNvSpPr txBox="1"/>
+            <p:nvPr/>
+          </p:nvSpPr>
+          <p:spPr>
+            <a:xfrm>
+              <a:off x="6659338" y="2166573"/>
+              <a:ext cx="1829812" cy="369332"/>
+            </a:xfrm>
+            <a:prstGeom prst="rect">
+              <a:avLst/>
+            </a:prstGeom>
+            <a:noFill/>
+          </p:spPr>
+          <p:txBody>
+            <a:bodyPr wrap="square" rtlCol="0">
+              <a:spAutoFit/>
+            </a:bodyPr>
+            <a:lstStyle/>
+            <a:p>
+              <a:r>
+                <a:rPr lang="zh-TW" altLang="en-US" dirty="0"/>
+                <a:t>技術風險</a:t>
+              </a:r>
+            </a:p>
+          </p:txBody>
+        </p:sp>
+        <p:cxnSp>
+          <p:nvCxnSpPr>
+            <p:cNvPr id="43" name="直線接點 42">
+              <a:extLst>
+                <a:ext uri="{FF2B5EF4-FFF2-40B4-BE49-F238E27FC236}">
+                  <a16:creationId xmlns:a16="http://schemas.microsoft.com/office/drawing/2014/main" id="{D5632E3B-38EC-4421-A267-D7C09A4E9EFD}"/>
+                </a:ext>
+              </a:extLst>
+            </p:cNvPr>
+            <p:cNvCxnSpPr>
+              <a:cxnSpLocks/>
+            </p:cNvCxnSpPr>
+            <p:nvPr/>
+          </p:nvCxnSpPr>
+          <p:spPr>
+            <a:xfrm>
+              <a:off x="6015335" y="2321900"/>
+              <a:ext cx="0" cy="1676339"/>
+            </a:xfrm>
+            <a:prstGeom prst="line">
+              <a:avLst/>
+            </a:prstGeom>
+          </p:spPr>
+          <p:style>
+            <a:lnRef idx="1">
+              <a:schemeClr val="dk1"/>
+            </a:lnRef>
+            <a:fillRef idx="0">
+              <a:schemeClr val="dk1"/>
+            </a:fillRef>
+            <a:effectRef idx="0">
+              <a:schemeClr val="dk1"/>
+            </a:effectRef>
+            <a:fontRef idx="minor">
+              <a:schemeClr val="tx1"/>
+            </a:fontRef>
+          </p:style>
+        </p:cxnSp>
+        <p:cxnSp>
+          <p:nvCxnSpPr>
+            <p:cNvPr id="44" name="直線接點 43">
+              <a:extLst>
+                <a:ext uri="{FF2B5EF4-FFF2-40B4-BE49-F238E27FC236}">
+                  <a16:creationId xmlns:a16="http://schemas.microsoft.com/office/drawing/2014/main" id="{DF85D0B4-BE38-4DAF-8E61-9B5B0DF07AF3}"/>
+                </a:ext>
+              </a:extLst>
+            </p:cNvPr>
+            <p:cNvCxnSpPr>
+              <a:cxnSpLocks/>
+              <a:endCxn id="39" idx="1"/>
+            </p:cNvCxnSpPr>
+            <p:nvPr/>
+          </p:nvCxnSpPr>
+          <p:spPr>
+            <a:xfrm>
+              <a:off x="6025376" y="2337205"/>
+              <a:ext cx="324976" cy="1"/>
+            </a:xfrm>
+            <a:prstGeom prst="line">
+              <a:avLst/>
+            </a:prstGeom>
+          </p:spPr>
+          <p:style>
+            <a:lnRef idx="1">
+              <a:schemeClr val="dk1"/>
+            </a:lnRef>
+            <a:fillRef idx="0">
+              <a:schemeClr val="dk1"/>
+            </a:fillRef>
+            <a:effectRef idx="0">
+              <a:schemeClr val="dk1"/>
+            </a:effectRef>
+            <a:fontRef idx="minor">
+              <a:schemeClr val="tx1"/>
+            </a:fontRef>
+          </p:style>
+        </p:cxnSp>
+        <p:cxnSp>
+          <p:nvCxnSpPr>
+            <p:cNvPr id="45" name="直線接點 44">
+              <a:extLst>
+                <a:ext uri="{FF2B5EF4-FFF2-40B4-BE49-F238E27FC236}">
+                  <a16:creationId xmlns:a16="http://schemas.microsoft.com/office/drawing/2014/main" id="{FAA69EA4-1911-4016-98BB-4F17DBB05CD9}"/>
+                </a:ext>
+              </a:extLst>
+            </p:cNvPr>
+            <p:cNvCxnSpPr/>
+            <p:nvPr/>
+          </p:nvCxnSpPr>
+          <p:spPr>
+            <a:xfrm>
+              <a:off x="6021884" y="3998239"/>
+              <a:ext cx="340660" cy="0"/>
+            </a:xfrm>
+            <a:prstGeom prst="line">
+              <a:avLst/>
+            </a:prstGeom>
+          </p:spPr>
+          <p:style>
+            <a:lnRef idx="1">
+              <a:schemeClr val="dk1"/>
+            </a:lnRef>
+            <a:fillRef idx="0">
+              <a:schemeClr val="dk1"/>
+            </a:fillRef>
+            <a:effectRef idx="0">
+              <a:schemeClr val="dk1"/>
+            </a:effectRef>
+            <a:fontRef idx="minor">
+              <a:schemeClr val="tx1"/>
+            </a:fontRef>
+          </p:style>
+        </p:cxnSp>
+        <p:sp>
+          <p:nvSpPr>
+            <p:cNvPr id="46" name="文字方塊 45">
+              <a:extLst>
+                <a:ext uri="{FF2B5EF4-FFF2-40B4-BE49-F238E27FC236}">
+                  <a16:creationId xmlns:a16="http://schemas.microsoft.com/office/drawing/2014/main" id="{A12BF60E-6404-4F76-BC56-298E898285E9}"/>
+                </a:ext>
+              </a:extLst>
+            </p:cNvPr>
+            <p:cNvSpPr txBox="1"/>
+            <p:nvPr/>
+          </p:nvSpPr>
+          <p:spPr>
+            <a:xfrm>
+              <a:off x="6362207" y="2970930"/>
+              <a:ext cx="2633660" cy="369332"/>
+            </a:xfrm>
+            <a:prstGeom prst="rect">
+              <a:avLst/>
+            </a:prstGeom>
+            <a:noFill/>
+          </p:spPr>
+          <p:txBody>
+            <a:bodyPr wrap="square" rtlCol="0">
+              <a:spAutoFit/>
+            </a:bodyPr>
+            <a:lstStyle/>
+            <a:p>
+              <a:r>
+                <a:rPr lang="zh-TW" altLang="en-US" dirty="0"/>
+                <a:t>專業技術欠缺、不熟練</a:t>
+              </a:r>
+              <a:endParaRPr lang="en-US" altLang="zh-TW" dirty="0"/>
+            </a:p>
+          </p:txBody>
+        </p:sp>
+        <p:sp>
+          <p:nvSpPr>
+            <p:cNvPr id="47" name="文字方塊 46">
+              <a:extLst>
+                <a:ext uri="{FF2B5EF4-FFF2-40B4-BE49-F238E27FC236}">
+                  <a16:creationId xmlns:a16="http://schemas.microsoft.com/office/drawing/2014/main" id="{ABC33A69-7D20-4001-B7C1-400F56667BD7}"/>
+                </a:ext>
+              </a:extLst>
+            </p:cNvPr>
+            <p:cNvSpPr txBox="1"/>
+            <p:nvPr/>
+          </p:nvSpPr>
+          <p:spPr>
+            <a:xfrm>
+              <a:off x="6389515" y="3827520"/>
+              <a:ext cx="2288639" cy="369332"/>
+            </a:xfrm>
+            <a:prstGeom prst="rect">
+              <a:avLst/>
+            </a:prstGeom>
+            <a:noFill/>
+          </p:spPr>
+          <p:txBody>
+            <a:bodyPr wrap="square" rtlCol="0">
+              <a:spAutoFit/>
+            </a:bodyPr>
+            <a:lstStyle/>
+            <a:p>
+              <a:r>
+                <a:rPr lang="zh-TW" altLang="en-US" dirty="0"/>
+                <a:t>專案複雜度高</a:t>
+              </a:r>
+            </a:p>
+          </p:txBody>
+        </p:sp>
+        <p:cxnSp>
+          <p:nvCxnSpPr>
+            <p:cNvPr id="48" name="直線接點 47">
+              <a:extLst>
+                <a:ext uri="{FF2B5EF4-FFF2-40B4-BE49-F238E27FC236}">
+                  <a16:creationId xmlns:a16="http://schemas.microsoft.com/office/drawing/2014/main" id="{C1CAB0D2-F9F4-4412-9EA5-D575BAB7E62F}"/>
+                </a:ext>
+              </a:extLst>
+            </p:cNvPr>
+            <p:cNvCxnSpPr/>
+            <p:nvPr/>
+          </p:nvCxnSpPr>
+          <p:spPr>
+            <a:xfrm>
+              <a:off x="482295" y="4896309"/>
+              <a:ext cx="340660" cy="0"/>
+            </a:xfrm>
+            <a:prstGeom prst="line">
+              <a:avLst/>
+            </a:prstGeom>
+          </p:spPr>
+          <p:style>
+            <a:lnRef idx="1">
+              <a:schemeClr val="dk1"/>
+            </a:lnRef>
+            <a:fillRef idx="0">
+              <a:schemeClr val="dk1"/>
+            </a:fillRef>
+            <a:effectRef idx="0">
+              <a:schemeClr val="dk1"/>
+            </a:effectRef>
+            <a:fontRef idx="minor">
+              <a:schemeClr val="tx1"/>
+            </a:fontRef>
+          </p:style>
+        </p:cxnSp>
+        <p:sp>
+          <p:nvSpPr>
+            <p:cNvPr id="49" name="文字方塊 48">
+              <a:extLst>
+                <a:ext uri="{FF2B5EF4-FFF2-40B4-BE49-F238E27FC236}">
+                  <a16:creationId xmlns:a16="http://schemas.microsoft.com/office/drawing/2014/main" id="{CAB0FE4C-7395-450C-A856-612267CD7DF1}"/>
+                </a:ext>
+              </a:extLst>
+            </p:cNvPr>
+            <p:cNvSpPr txBox="1"/>
+            <p:nvPr/>
+          </p:nvSpPr>
+          <p:spPr>
+            <a:xfrm>
+              <a:off x="876462" y="4713957"/>
+              <a:ext cx="2280532" cy="369332"/>
+            </a:xfrm>
+            <a:prstGeom prst="rect">
+              <a:avLst/>
+            </a:prstGeom>
+            <a:noFill/>
+          </p:spPr>
+          <p:txBody>
+            <a:bodyPr wrap="square" rtlCol="0">
+              <a:spAutoFit/>
+            </a:bodyPr>
+            <a:lstStyle/>
+            <a:p>
+              <a:r>
+                <a:rPr lang="zh-TW" altLang="en-US" dirty="0"/>
+                <a:t>定義系統需求不完整</a:t>
+              </a:r>
+            </a:p>
+          </p:txBody>
+        </p:sp>
+        <p:cxnSp>
+          <p:nvCxnSpPr>
+            <p:cNvPr id="50" name="直線接點 49">
+              <a:extLst>
+                <a:ext uri="{FF2B5EF4-FFF2-40B4-BE49-F238E27FC236}">
+                  <a16:creationId xmlns:a16="http://schemas.microsoft.com/office/drawing/2014/main" id="{F88AA49B-891C-4028-AB2E-7DBA5F834264}"/>
+                </a:ext>
+              </a:extLst>
+            </p:cNvPr>
+            <p:cNvCxnSpPr/>
+            <p:nvPr/>
+          </p:nvCxnSpPr>
+          <p:spPr>
+            <a:xfrm>
+              <a:off x="3200422" y="5497403"/>
+              <a:ext cx="340660" cy="0"/>
+            </a:xfrm>
+            <a:prstGeom prst="line">
+              <a:avLst/>
+            </a:prstGeom>
+          </p:spPr>
+          <p:style>
+            <a:lnRef idx="1">
+              <a:schemeClr val="dk1"/>
+            </a:lnRef>
+            <a:fillRef idx="0">
+              <a:schemeClr val="dk1"/>
+            </a:fillRef>
+            <a:effectRef idx="0">
+              <a:schemeClr val="dk1"/>
+            </a:effectRef>
+            <a:fontRef idx="minor">
+              <a:schemeClr val="tx1"/>
+            </a:fontRef>
+          </p:style>
+        </p:cxnSp>
+        <p:sp>
+          <p:nvSpPr>
+            <p:cNvPr id="51" name="文字方塊 50">
+              <a:extLst>
+                <a:ext uri="{FF2B5EF4-FFF2-40B4-BE49-F238E27FC236}">
+                  <a16:creationId xmlns:a16="http://schemas.microsoft.com/office/drawing/2014/main" id="{C38AC64D-E192-4A0C-A601-AFFEC8A9A524}"/>
+                </a:ext>
+              </a:extLst>
+            </p:cNvPr>
+            <p:cNvSpPr txBox="1"/>
+            <p:nvPr/>
+          </p:nvSpPr>
+          <p:spPr>
+            <a:xfrm>
+              <a:off x="3524538" y="5326468"/>
+              <a:ext cx="2114617" cy="369332"/>
+            </a:xfrm>
+            <a:prstGeom prst="rect">
+              <a:avLst/>
+            </a:prstGeom>
+            <a:noFill/>
+          </p:spPr>
+          <p:txBody>
+            <a:bodyPr wrap="square" rtlCol="0">
+              <a:spAutoFit/>
+            </a:bodyPr>
+            <a:lstStyle/>
+            <a:p>
+              <a:r>
+                <a:rPr lang="zh-TW" altLang="en-US" dirty="0"/>
+                <a:t>團隊溝通不良</a:t>
+              </a:r>
+            </a:p>
+          </p:txBody>
+        </p:sp>
+        <p:sp>
+          <p:nvSpPr>
+            <p:cNvPr id="52" name="文字方塊 51">
+              <a:extLst>
+                <a:ext uri="{FF2B5EF4-FFF2-40B4-BE49-F238E27FC236}">
+                  <a16:creationId xmlns:a16="http://schemas.microsoft.com/office/drawing/2014/main" id="{AA367C64-2737-47E1-8E4C-5FE0EF3E3438}"/>
+                </a:ext>
+              </a:extLst>
+            </p:cNvPr>
+            <p:cNvSpPr txBox="1"/>
+            <p:nvPr/>
+          </p:nvSpPr>
+          <p:spPr>
+            <a:xfrm>
+              <a:off x="3582308" y="3799557"/>
+              <a:ext cx="2114617" cy="369332"/>
+            </a:xfrm>
+            <a:prstGeom prst="rect">
+              <a:avLst/>
+            </a:prstGeom>
+            <a:noFill/>
+          </p:spPr>
+          <p:txBody>
+            <a:bodyPr wrap="square" rtlCol="0">
+              <a:spAutoFit/>
+            </a:bodyPr>
+            <a:lstStyle/>
+            <a:p>
+              <a:r>
+                <a:rPr lang="zh-TW" altLang="en-US" dirty="0"/>
+                <a:t>分工定義不明確</a:t>
+              </a:r>
+            </a:p>
+          </p:txBody>
+        </p:sp>
+        <p:cxnSp>
+          <p:nvCxnSpPr>
+            <p:cNvPr id="53" name="直線接點 52">
+              <a:extLst>
+                <a:ext uri="{FF2B5EF4-FFF2-40B4-BE49-F238E27FC236}">
+                  <a16:creationId xmlns:a16="http://schemas.microsoft.com/office/drawing/2014/main" id="{ADCFDE10-E6C6-4C6B-91E5-76E6938275C1}"/>
+                </a:ext>
+              </a:extLst>
+            </p:cNvPr>
+            <p:cNvCxnSpPr>
+              <a:cxnSpLocks/>
+            </p:cNvCxnSpPr>
+            <p:nvPr/>
+          </p:nvCxnSpPr>
+          <p:spPr>
+            <a:xfrm flipH="1" flipV="1">
+              <a:off x="1664841" y="1621381"/>
+              <a:ext cx="8579858" cy="11853"/>
+            </a:xfrm>
+            <a:prstGeom prst="line">
+              <a:avLst/>
+            </a:prstGeom>
+          </p:spPr>
+          <p:style>
+            <a:lnRef idx="1">
+              <a:schemeClr val="dk1"/>
+            </a:lnRef>
+            <a:fillRef idx="0">
+              <a:schemeClr val="dk1"/>
+            </a:fillRef>
+            <a:effectRef idx="0">
+              <a:schemeClr val="dk1"/>
+            </a:effectRef>
+            <a:fontRef idx="minor">
+              <a:schemeClr val="tx1"/>
+            </a:fontRef>
+          </p:style>
+        </p:cxnSp>
+      </p:grpSp>
     </p:spTree>
     <p:extLst>
       <p:ext uri="{BB962C8B-B14F-4D97-AF65-F5344CB8AC3E}">
@@ -12964,7 +13181,7 @@
           <p:cNvPr id="9" name="表格 8">
             <a:extLst>
               <a:ext uri="{FF2B5EF4-FFF2-40B4-BE49-F238E27FC236}">
-                <a16:creationId xmlns:a16="http://schemas.microsoft.com/office/drawing/2014/main" id="{7B9A2020-DDC5-4793-8871-2B17B5C16DBA}"/>
+                <a16:creationId xmlns:a16="http://schemas.microsoft.com/office/drawing/2014/main" id="{EC804FD6-86A0-4005-AF33-104C79A3F5C3}"/>
               </a:ext>
             </a:extLst>
           </p:cNvPr>
@@ -12974,80 +13191,119 @@
           <p:nvPr>
             <p:extLst>
               <p:ext uri="{D42A27DB-BD31-4B8C-83A1-F6EECF244321}">
-                <p14:modId xmlns:p14="http://schemas.microsoft.com/office/powerpoint/2010/main" val="571489443"/>
+                <p14:modId xmlns:p14="http://schemas.microsoft.com/office/powerpoint/2010/main" val="1527641258"/>
               </p:ext>
             </p:extLst>
           </p:nvPr>
         </p:nvGraphicFramePr>
         <p:xfrm>
-          <a:off x="45740" y="1356302"/>
-          <a:ext cx="12025338" cy="5501694"/>
+          <a:off x="549796" y="1484784"/>
+          <a:ext cx="10765193" cy="4845431"/>
         </p:xfrm>
         <a:graphic>
           <a:graphicData uri="http://schemas.openxmlformats.org/drawingml/2006/table">
             <a:tbl>
-              <a:tblPr firstRow="1" bandRow="1">
-                <a:tableStyleId>{3B4B98B0-60AC-42C2-AFA5-B58CD77FA1E5}</a:tableStyleId>
-              </a:tblPr>
+              <a:tblPr/>
               <a:tblGrid>
-                <a:gridCol w="2160240">
+                <a:gridCol w="1707582">
                   <a:extLst>
                     <a:ext uri="{9D8B030D-6E8A-4147-A177-3AD203B41FA5}">
-                      <a16:colId xmlns:a16="http://schemas.microsoft.com/office/drawing/2014/main" val="1759321450"/>
+                      <a16:colId xmlns:a16="http://schemas.microsoft.com/office/drawing/2014/main" val="3257722630"/>
                     </a:ext>
                   </a:extLst>
                 </a:gridCol>
-                <a:gridCol w="1848206">
+                <a:gridCol w="2746981">
                   <a:extLst>
                     <a:ext uri="{9D8B030D-6E8A-4147-A177-3AD203B41FA5}">
-                      <a16:colId xmlns:a16="http://schemas.microsoft.com/office/drawing/2014/main" val="3026358218"/>
+                      <a16:colId xmlns:a16="http://schemas.microsoft.com/office/drawing/2014/main" val="674101480"/>
                     </a:ext>
                   </a:extLst>
                 </a:gridCol>
-                <a:gridCol w="2004223">
+                <a:gridCol w="1262126">
                   <a:extLst>
                     <a:ext uri="{9D8B030D-6E8A-4147-A177-3AD203B41FA5}">
-                      <a16:colId xmlns:a16="http://schemas.microsoft.com/office/drawing/2014/main" val="3057052475"/>
+                      <a16:colId xmlns:a16="http://schemas.microsoft.com/office/drawing/2014/main" val="1700866329"/>
                     </a:ext>
                   </a:extLst>
                 </a:gridCol>
-                <a:gridCol w="2004223">
+                <a:gridCol w="1262126">
                   <a:extLst>
                     <a:ext uri="{9D8B030D-6E8A-4147-A177-3AD203B41FA5}">
-                      <a16:colId xmlns:a16="http://schemas.microsoft.com/office/drawing/2014/main" val="1733658013"/>
+                      <a16:colId xmlns:a16="http://schemas.microsoft.com/office/drawing/2014/main" val="3664250298"/>
                     </a:ext>
                   </a:extLst>
                 </a:gridCol>
-                <a:gridCol w="2004223">
+                <a:gridCol w="1262126">
                   <a:extLst>
                     <a:ext uri="{9D8B030D-6E8A-4147-A177-3AD203B41FA5}">
-                      <a16:colId xmlns:a16="http://schemas.microsoft.com/office/drawing/2014/main" val="2547056231"/>
+                      <a16:colId xmlns:a16="http://schemas.microsoft.com/office/drawing/2014/main" val="4047051300"/>
                     </a:ext>
                   </a:extLst>
                 </a:gridCol>
-                <a:gridCol w="2004223">
+                <a:gridCol w="1262126">
                   <a:extLst>
                     <a:ext uri="{9D8B030D-6E8A-4147-A177-3AD203B41FA5}">
-                      <a16:colId xmlns:a16="http://schemas.microsoft.com/office/drawing/2014/main" val="2271050627"/>
+                      <a16:colId xmlns:a16="http://schemas.microsoft.com/office/drawing/2014/main" val="1885221208"/>
+                    </a:ext>
+                  </a:extLst>
+                </a:gridCol>
+                <a:gridCol w="1262126">
+                  <a:extLst>
+                    <a:ext uri="{9D8B030D-6E8A-4147-A177-3AD203B41FA5}">
+                      <a16:colId xmlns:a16="http://schemas.microsoft.com/office/drawing/2014/main" val="3962055481"/>
                     </a:ext>
                   </a:extLst>
                 </a:gridCol>
               </a:tblGrid>
-              <a:tr h="500154">
+              <a:tr h="206227">
                 <a:tc>
                   <a:txBody>
                     <a:bodyPr/>
                     <a:lstStyle/>
                     <a:p>
+                      <a:pPr algn="ctr"/>
                       <a:r>
-                        <a:rPr lang="zh-TW" altLang="en-US" dirty="0"/>
-                        <a:t>風險因子</a:t>
+                        <a:rPr lang="zh-TW" altLang="en-US" sz="2400" dirty="0">
+                          <a:latin typeface="標楷體" panose="03000509000000000000" pitchFamily="65" charset="-120"/>
+                          <a:ea typeface="標楷體" panose="03000509000000000000" pitchFamily="65" charset="-120"/>
+                        </a:rPr>
+                        <a:t>風險類型 </a:t>
                       </a:r>
                     </a:p>
                   </a:txBody>
                   <a:tcPr>
+                    <a:lnL w="12700" cmpd="sng">
+                      <a:solidFill>
+                        <a:schemeClr val="tx1"/>
+                      </a:solidFill>
+                      <a:prstDash val="solid"/>
+                    </a:lnL>
+                    <a:lnR w="12700" cap="flat" cmpd="sng" algn="ctr">
+                      <a:solidFill>
+                        <a:schemeClr val="tx1"/>
+                      </a:solidFill>
+                      <a:prstDash val="solid"/>
+                      <a:round/>
+                      <a:headEnd type="none" w="med" len="med"/>
+                      <a:tailEnd type="none" w="med" len="med"/>
+                    </a:lnR>
+                    <a:lnT w="12700" cmpd="sng">
+                      <a:solidFill>
+                        <a:schemeClr val="tx1"/>
+                      </a:solidFill>
+                      <a:prstDash val="solid"/>
+                    </a:lnT>
+                    <a:lnB w="12700" cap="flat" cmpd="sng" algn="ctr">
+                      <a:solidFill>
+                        <a:schemeClr val="tx1"/>
+                      </a:solidFill>
+                      <a:prstDash val="solid"/>
+                      <a:round/>
+                      <a:headEnd type="none" w="med" len="med"/>
+                      <a:tailEnd type="none" w="med" len="med"/>
+                    </a:lnB>
                     <a:solidFill>
-                      <a:schemeClr val="accent1"/>
+                      <a:srgbClr val="D4EAF3"/>
                     </a:solidFill>
                   </a:tcPr>
                 </a:tc>
@@ -13056,16 +13312,49 @@
                     <a:bodyPr/>
                     <a:lstStyle/>
                     <a:p>
+                      <a:pPr algn="ctr"/>
                       <a:r>
-                        <a:rPr lang="en-US" altLang="zh-TW" dirty="0"/>
-                        <a:t>1</a:t>
+                        <a:rPr lang="zh-TW" altLang="en-US" sz="2400" dirty="0">
+                          <a:latin typeface="標楷體" panose="03000509000000000000" pitchFamily="65" charset="-120"/>
+                          <a:ea typeface="標楷體" panose="03000509000000000000" pitchFamily="65" charset="-120"/>
+                        </a:rPr>
+                        <a:t>風險因子</a:t>
                       </a:r>
-                      <a:endParaRPr lang="zh-TW" altLang="en-US" dirty="0"/>
                     </a:p>
                   </a:txBody>
                   <a:tcPr>
+                    <a:lnL w="12700" cmpd="sng">
+                      <a:solidFill>
+                        <a:schemeClr val="tx1"/>
+                      </a:solidFill>
+                      <a:prstDash val="solid"/>
+                    </a:lnL>
+                    <a:lnR w="12700" cap="flat" cmpd="sng" algn="ctr">
+                      <a:solidFill>
+                        <a:schemeClr val="tx1"/>
+                      </a:solidFill>
+                      <a:prstDash val="solid"/>
+                      <a:round/>
+                      <a:headEnd type="none" w="med" len="med"/>
+                      <a:tailEnd type="none" w="med" len="med"/>
+                    </a:lnR>
+                    <a:lnT w="12700" cmpd="sng">
+                      <a:solidFill>
+                        <a:schemeClr val="tx1"/>
+                      </a:solidFill>
+                      <a:prstDash val="solid"/>
+                    </a:lnT>
+                    <a:lnB w="12700" cap="flat" cmpd="sng" algn="ctr">
+                      <a:solidFill>
+                        <a:schemeClr val="tx1"/>
+                      </a:solidFill>
+                      <a:prstDash val="solid"/>
+                      <a:round/>
+                      <a:headEnd type="none" w="med" len="med"/>
+                      <a:tailEnd type="none" w="med" len="med"/>
+                    </a:lnB>
                     <a:solidFill>
-                      <a:schemeClr val="accent1"/>
+                      <a:srgbClr val="D4EAF3"/>
                     </a:solidFill>
                   </a:tcPr>
                 </a:tc>
@@ -13074,16 +13363,63 @@
                     <a:bodyPr/>
                     <a:lstStyle/>
                     <a:p>
+                      <a:pPr algn="ctr"/>
                       <a:r>
-                        <a:rPr lang="en-US" altLang="zh-TW" dirty="0"/>
-                        <a:t>2</a:t>
+                        <a:rPr lang="zh-TW" altLang="en-US" sz="2000" dirty="0">
+                          <a:latin typeface="標楷體" panose="03000509000000000000" pitchFamily="65" charset="-120"/>
+                          <a:ea typeface="標楷體" panose="03000509000000000000" pitchFamily="65" charset="-120"/>
+                        </a:rPr>
+                        <a:t>極高風險</a:t>
                       </a:r>
-                      <a:endParaRPr lang="zh-TW" altLang="en-US" dirty="0"/>
+                      <a:endParaRPr lang="en-US" altLang="zh-TW" sz="2000" dirty="0">
+                        <a:latin typeface="標楷體" panose="03000509000000000000" pitchFamily="65" charset="-120"/>
+                        <a:ea typeface="標楷體" panose="03000509000000000000" pitchFamily="65" charset="-120"/>
+                      </a:endParaRPr>
+                    </a:p>
+                    <a:p>
+                      <a:pPr algn="ctr"/>
+                      <a:r>
+                        <a:rPr lang="en-US" altLang="zh-TW" sz="2000" dirty="0">
+                          <a:latin typeface="標楷體" panose="03000509000000000000" pitchFamily="65" charset="-120"/>
+                          <a:ea typeface="標楷體" panose="03000509000000000000" pitchFamily="65" charset="-120"/>
+                        </a:rPr>
+                        <a:t>(5)</a:t>
+                      </a:r>
                     </a:p>
                   </a:txBody>
                   <a:tcPr>
+                    <a:lnL w="12700" cmpd="sng">
+                      <a:solidFill>
+                        <a:schemeClr val="tx1"/>
+                      </a:solidFill>
+                      <a:prstDash val="solid"/>
+                    </a:lnL>
+                    <a:lnR w="12700" cap="flat" cmpd="sng" algn="ctr">
+                      <a:solidFill>
+                        <a:schemeClr val="tx1"/>
+                      </a:solidFill>
+                      <a:prstDash val="solid"/>
+                      <a:round/>
+                      <a:headEnd type="none" w="med" len="med"/>
+                      <a:tailEnd type="none" w="med" len="med"/>
+                    </a:lnR>
+                    <a:lnT w="12700" cmpd="sng">
+                      <a:solidFill>
+                        <a:schemeClr val="tx1"/>
+                      </a:solidFill>
+                      <a:prstDash val="solid"/>
+                    </a:lnT>
+                    <a:lnB w="12700" cap="flat" cmpd="sng" algn="ctr">
+                      <a:solidFill>
+                        <a:schemeClr val="tx1"/>
+                      </a:solidFill>
+                      <a:prstDash val="solid"/>
+                      <a:round/>
+                      <a:headEnd type="none" w="med" len="med"/>
+                      <a:tailEnd type="none" w="med" len="med"/>
+                    </a:lnB>
                     <a:solidFill>
-                      <a:schemeClr val="accent1"/>
+                      <a:srgbClr val="D4EAF3"/>
                     </a:solidFill>
                   </a:tcPr>
                 </a:tc>
@@ -13092,16 +13428,67 @@
                     <a:bodyPr/>
                     <a:lstStyle/>
                     <a:p>
+                      <a:pPr algn="ctr"/>
                       <a:r>
-                        <a:rPr lang="en-US" altLang="zh-TW" dirty="0"/>
-                        <a:t>3</a:t>
+                        <a:rPr lang="zh-TW" altLang="en-US" sz="2000" dirty="0">
+                          <a:latin typeface="標楷體" panose="03000509000000000000" pitchFamily="65" charset="-120"/>
+                          <a:ea typeface="標楷體" panose="03000509000000000000" pitchFamily="65" charset="-120"/>
+                        </a:rPr>
+                        <a:t>高風險</a:t>
                       </a:r>
-                      <a:endParaRPr lang="zh-TW" altLang="en-US" dirty="0"/>
+                      <a:endParaRPr lang="en-US" altLang="zh-TW" sz="2000" dirty="0">
+                        <a:latin typeface="標楷體" panose="03000509000000000000" pitchFamily="65" charset="-120"/>
+                        <a:ea typeface="標楷體" panose="03000509000000000000" pitchFamily="65" charset="-120"/>
+                      </a:endParaRPr>
+                    </a:p>
+                    <a:p>
+                      <a:pPr algn="ctr"/>
+                      <a:r>
+                        <a:rPr lang="en-US" altLang="zh-TW" sz="2000" dirty="0">
+                          <a:latin typeface="標楷體" panose="03000509000000000000" pitchFamily="65" charset="-120"/>
+                          <a:ea typeface="標楷體" panose="03000509000000000000" pitchFamily="65" charset="-120"/>
+                        </a:rPr>
+                        <a:t>(4)</a:t>
+                      </a:r>
+                      <a:endParaRPr lang="zh-TW" altLang="en-US" sz="2000" dirty="0">
+                        <a:latin typeface="標楷體" panose="03000509000000000000" pitchFamily="65" charset="-120"/>
+                        <a:ea typeface="標楷體" panose="03000509000000000000" pitchFamily="65" charset="-120"/>
+                      </a:endParaRPr>
                     </a:p>
                   </a:txBody>
                   <a:tcPr>
+                    <a:lnL w="12700" cmpd="sng">
+                      <a:solidFill>
+                        <a:schemeClr val="tx1"/>
+                      </a:solidFill>
+                      <a:prstDash val="solid"/>
+                    </a:lnL>
+                    <a:lnR w="12700" cap="flat" cmpd="sng" algn="ctr">
+                      <a:solidFill>
+                        <a:schemeClr val="tx1"/>
+                      </a:solidFill>
+                      <a:prstDash val="solid"/>
+                      <a:round/>
+                      <a:headEnd type="none" w="med" len="med"/>
+                      <a:tailEnd type="none" w="med" len="med"/>
+                    </a:lnR>
+                    <a:lnT w="12700" cmpd="sng">
+                      <a:solidFill>
+                        <a:schemeClr val="tx1"/>
+                      </a:solidFill>
+                      <a:prstDash val="solid"/>
+                    </a:lnT>
+                    <a:lnB w="12700" cap="flat" cmpd="sng" algn="ctr">
+                      <a:solidFill>
+                        <a:schemeClr val="tx1"/>
+                      </a:solidFill>
+                      <a:prstDash val="solid"/>
+                      <a:round/>
+                      <a:headEnd type="none" w="med" len="med"/>
+                      <a:tailEnd type="none" w="med" len="med"/>
+                    </a:lnB>
                     <a:solidFill>
-                      <a:schemeClr val="accent1"/>
+                      <a:srgbClr val="D4EAF3"/>
                     </a:solidFill>
                   </a:tcPr>
                 </a:tc>
@@ -13110,16 +13497,63 @@
                     <a:bodyPr/>
                     <a:lstStyle/>
                     <a:p>
+                      <a:pPr algn="ctr"/>
                       <a:r>
-                        <a:rPr lang="en-US" altLang="zh-TW" dirty="0"/>
-                        <a:t>4</a:t>
+                        <a:rPr lang="zh-TW" altLang="en-US" sz="2000" dirty="0">
+                          <a:latin typeface="標楷體" panose="03000509000000000000" pitchFamily="65" charset="-120"/>
+                          <a:ea typeface="標楷體" panose="03000509000000000000" pitchFamily="65" charset="-120"/>
+                        </a:rPr>
+                        <a:t>一般風險</a:t>
                       </a:r>
-                      <a:endParaRPr lang="zh-TW" altLang="en-US" dirty="0"/>
+                      <a:endParaRPr lang="en-US" altLang="zh-TW" sz="2000" dirty="0">
+                        <a:latin typeface="標楷體" panose="03000509000000000000" pitchFamily="65" charset="-120"/>
+                        <a:ea typeface="標楷體" panose="03000509000000000000" pitchFamily="65" charset="-120"/>
+                      </a:endParaRPr>
+                    </a:p>
+                    <a:p>
+                      <a:pPr algn="ctr"/>
+                      <a:r>
+                        <a:rPr lang="en-US" altLang="zh-TW" sz="2000" dirty="0">
+                          <a:latin typeface="標楷體" panose="03000509000000000000" pitchFamily="65" charset="-120"/>
+                          <a:ea typeface="標楷體" panose="03000509000000000000" pitchFamily="65" charset="-120"/>
+                        </a:rPr>
+                        <a:t>(3)</a:t>
+                      </a:r>
                     </a:p>
                   </a:txBody>
                   <a:tcPr>
+                    <a:lnL w="12700" cmpd="sng">
+                      <a:solidFill>
+                        <a:schemeClr val="tx1"/>
+                      </a:solidFill>
+                      <a:prstDash val="solid"/>
+                    </a:lnL>
+                    <a:lnR w="12700" cap="flat" cmpd="sng" algn="ctr">
+                      <a:solidFill>
+                        <a:schemeClr val="tx1"/>
+                      </a:solidFill>
+                      <a:prstDash val="solid"/>
+                      <a:round/>
+                      <a:headEnd type="none" w="med" len="med"/>
+                      <a:tailEnd type="none" w="med" len="med"/>
+                    </a:lnR>
+                    <a:lnT w="12700" cmpd="sng">
+                      <a:solidFill>
+                        <a:schemeClr val="tx1"/>
+                      </a:solidFill>
+                      <a:prstDash val="solid"/>
+                    </a:lnT>
+                    <a:lnB w="12700" cap="flat" cmpd="sng" algn="ctr">
+                      <a:solidFill>
+                        <a:schemeClr val="tx1"/>
+                      </a:solidFill>
+                      <a:prstDash val="solid"/>
+                      <a:round/>
+                      <a:headEnd type="none" w="med" len="med"/>
+                      <a:tailEnd type="none" w="med" len="med"/>
+                    </a:lnB>
                     <a:solidFill>
-                      <a:schemeClr val="accent1"/>
+                      <a:srgbClr val="D4EAF3"/>
                     </a:solidFill>
                   </a:tcPr>
                 </a:tc>
@@ -13128,77 +13562,69 @@
                     <a:bodyPr/>
                     <a:lstStyle/>
                     <a:p>
+                      <a:pPr algn="ctr"/>
                       <a:r>
-                        <a:rPr lang="en-US" altLang="zh-TW" dirty="0"/>
-                        <a:t>5(</a:t>
-                      </a:r>
-                      <a:r>
-                        <a:rPr lang="zh-TW" altLang="en-US" dirty="0"/>
-                        <a:t>風險等級</a:t>
-                      </a:r>
-                      <a:r>
-                        <a:rPr lang="en-US" altLang="zh-TW" dirty="0"/>
-                        <a:t>)</a:t>
-                      </a:r>
-                      <a:endParaRPr lang="zh-TW" altLang="en-US" dirty="0"/>
-                    </a:p>
-                  </a:txBody>
-                  <a:tcPr>
-                    <a:solidFill>
-                      <a:schemeClr val="accent1"/>
-                    </a:solidFill>
-                  </a:tcPr>
-                </a:tc>
-                <a:extLst>
-                  <a:ext uri="{0D108BD9-81ED-4DB2-BD59-A6C34878D82A}">
-                    <a16:rowId xmlns:a16="http://schemas.microsoft.com/office/drawing/2014/main" val="3805395881"/>
-                  </a:ext>
-                </a:extLst>
-              </a:tr>
-              <a:tr h="500154">
-                <a:tc>
-                  <a:txBody>
-                    <a:bodyPr/>
-                    <a:lstStyle/>
-                    <a:p>
-                      <a:r>
-                        <a:rPr lang="zh-TW" altLang="en-US" dirty="0">
+                        <a:rPr lang="zh-TW" altLang="en-US" sz="2000" dirty="0">
                           <a:latin typeface="標楷體" panose="03000509000000000000" pitchFamily="65" charset="-120"/>
                           <a:ea typeface="標楷體" panose="03000509000000000000" pitchFamily="65" charset="-120"/>
                         </a:rPr>
-                        <a:t>需求不明確</a:t>
+                        <a:t>低風險</a:t>
                       </a:r>
+                      <a:endParaRPr lang="en-US" altLang="zh-TW" sz="2000" dirty="0">
+                        <a:latin typeface="標楷體" panose="03000509000000000000" pitchFamily="65" charset="-120"/>
+                        <a:ea typeface="標楷體" panose="03000509000000000000" pitchFamily="65" charset="-120"/>
+                      </a:endParaRPr>
                     </a:p>
-                  </a:txBody>
-                  <a:tcPr/>
-                </a:tc>
-                <a:tc>
-                  <a:txBody>
-                    <a:bodyPr/>
-                    <a:lstStyle/>
                     <a:p>
                       <a:pPr algn="ctr"/>
-                      <a:endParaRPr lang="zh-TW" altLang="en-US" dirty="0">
+                      <a:r>
+                        <a:rPr lang="en-US" altLang="zh-TW" sz="2000" dirty="0">
+                          <a:latin typeface="標楷體" panose="03000509000000000000" pitchFamily="65" charset="-120"/>
+                          <a:ea typeface="標楷體" panose="03000509000000000000" pitchFamily="65" charset="-120"/>
+                        </a:rPr>
+                        <a:t>(2)</a:t>
+                      </a:r>
+                      <a:endParaRPr lang="zh-TW" altLang="en-US" sz="2000" dirty="0">
                         <a:latin typeface="標楷體" panose="03000509000000000000" pitchFamily="65" charset="-120"/>
                         <a:ea typeface="標楷體" panose="03000509000000000000" pitchFamily="65" charset="-120"/>
                       </a:endParaRPr>
                     </a:p>
                   </a:txBody>
-                  <a:tcPr/>
-                </a:tc>
-                <a:tc>
-                  <a:txBody>
-                    <a:bodyPr/>
-                    <a:lstStyle/>
-                    <a:p>
-                      <a:pPr algn="ctr"/>
-                      <a:endParaRPr lang="zh-TW" altLang="en-US" dirty="0">
-                        <a:latin typeface="標楷體" panose="03000509000000000000" pitchFamily="65" charset="-120"/>
-                        <a:ea typeface="標楷體" panose="03000509000000000000" pitchFamily="65" charset="-120"/>
-                      </a:endParaRPr>
-                    </a:p>
-                  </a:txBody>
-                  <a:tcPr/>
+                  <a:tcPr>
+                    <a:lnL w="12700" cmpd="sng">
+                      <a:solidFill>
+                        <a:schemeClr val="tx1"/>
+                      </a:solidFill>
+                      <a:prstDash val="solid"/>
+                    </a:lnL>
+                    <a:lnR w="12700" cap="flat" cmpd="sng" algn="ctr">
+                      <a:solidFill>
+                        <a:schemeClr val="tx1"/>
+                      </a:solidFill>
+                      <a:prstDash val="solid"/>
+                      <a:round/>
+                      <a:headEnd type="none" w="med" len="med"/>
+                      <a:tailEnd type="none" w="med" len="med"/>
+                    </a:lnR>
+                    <a:lnT w="12700" cmpd="sng">
+                      <a:solidFill>
+                        <a:schemeClr val="tx1"/>
+                      </a:solidFill>
+                      <a:prstDash val="solid"/>
+                    </a:lnT>
+                    <a:lnB w="12700" cap="flat" cmpd="sng" algn="ctr">
+                      <a:solidFill>
+                        <a:schemeClr val="tx1"/>
+                      </a:solidFill>
+                      <a:prstDash val="solid"/>
+                      <a:round/>
+                      <a:headEnd type="none" w="med" len="med"/>
+                      <a:tailEnd type="none" w="med" len="med"/>
+                    </a:lnB>
+                    <a:solidFill>
+                      <a:srgbClr val="D4EAF3"/>
+                    </a:solidFill>
+                  </a:tcPr>
                 </a:tc>
                 <a:tc>
                   <a:txBody>
@@ -13207,19 +13633,202 @@
                     <a:p>
                       <a:pPr algn="ctr"/>
                       <a:r>
-                        <a:rPr lang="en-US" altLang="zh-TW" dirty="0">
+                        <a:rPr lang="zh-TW" altLang="en-US" sz="2000" dirty="0">
                           <a:latin typeface="標楷體" panose="03000509000000000000" pitchFamily="65" charset="-120"/>
                           <a:ea typeface="標楷體" panose="03000509000000000000" pitchFamily="65" charset="-120"/>
                         </a:rPr>
-                        <a:t>o</a:t>
+                        <a:t>極低風險</a:t>
                       </a:r>
-                      <a:endParaRPr lang="zh-TW" altLang="en-US" dirty="0">
+                      <a:endParaRPr lang="en-US" altLang="zh-TW" sz="2000" dirty="0">
+                        <a:latin typeface="標楷體" panose="03000509000000000000" pitchFamily="65" charset="-120"/>
+                        <a:ea typeface="標楷體" panose="03000509000000000000" pitchFamily="65" charset="-120"/>
+                      </a:endParaRPr>
+                    </a:p>
+                    <a:p>
+                      <a:pPr algn="ctr"/>
+                      <a:r>
+                        <a:rPr lang="en-US" altLang="zh-TW" sz="2000" dirty="0">
+                          <a:latin typeface="標楷體" panose="03000509000000000000" pitchFamily="65" charset="-120"/>
+                          <a:ea typeface="標楷體" panose="03000509000000000000" pitchFamily="65" charset="-120"/>
+                        </a:rPr>
+                        <a:t>(1)</a:t>
+                      </a:r>
+                      <a:endParaRPr lang="zh-TW" altLang="en-US" sz="2000" dirty="0">
                         <a:latin typeface="標楷體" panose="03000509000000000000" pitchFamily="65" charset="-120"/>
                         <a:ea typeface="標楷體" panose="03000509000000000000" pitchFamily="65" charset="-120"/>
                       </a:endParaRPr>
                     </a:p>
                   </a:txBody>
-                  <a:tcPr/>
+                  <a:tcPr>
+                    <a:lnL w="12700" cmpd="sng">
+                      <a:solidFill>
+                        <a:schemeClr val="tx1"/>
+                      </a:solidFill>
+                      <a:prstDash val="solid"/>
+                    </a:lnL>
+                    <a:lnR w="12700" cmpd="sng">
+                      <a:solidFill>
+                        <a:schemeClr val="tx1"/>
+                      </a:solidFill>
+                      <a:prstDash val="solid"/>
+                    </a:lnR>
+                    <a:lnT w="12700" cmpd="sng">
+                      <a:solidFill>
+                        <a:schemeClr val="tx1"/>
+                      </a:solidFill>
+                      <a:prstDash val="solid"/>
+                    </a:lnT>
+                    <a:lnB w="12700" cap="flat" cmpd="sng" algn="ctr">
+                      <a:solidFill>
+                        <a:schemeClr val="tx1"/>
+                      </a:solidFill>
+                      <a:prstDash val="solid"/>
+                      <a:round/>
+                      <a:headEnd type="none" w="med" len="med"/>
+                      <a:tailEnd type="none" w="med" len="med"/>
+                    </a:lnB>
+                    <a:solidFill>
+                      <a:srgbClr val="D4EAF3"/>
+                    </a:solidFill>
+                  </a:tcPr>
+                </a:tc>
+                <a:extLst>
+                  <a:ext uri="{0D108BD9-81ED-4DB2-BD59-A6C34878D82A}">
+                    <a16:rowId xmlns:a16="http://schemas.microsoft.com/office/drawing/2014/main" val="99116021"/>
+                  </a:ext>
+                </a:extLst>
+              </a:tr>
+              <a:tr h="117850">
+                <a:tc>
+                  <a:txBody>
+                    <a:bodyPr/>
+                    <a:lstStyle/>
+                    <a:p>
+                      <a:pPr marL="0" marR="0" lvl="0" indent="0" algn="ctr" defTabSz="914126" rtl="0" eaLnBrk="1" fontAlgn="auto" latinLnBrk="0" hangingPunct="1">
+                        <a:lnSpc>
+                          <a:spcPct val="100000"/>
+                        </a:lnSpc>
+                        <a:spcBef>
+                          <a:spcPts val="0"/>
+                        </a:spcBef>
+                        <a:spcAft>
+                          <a:spcPts val="0"/>
+                        </a:spcAft>
+                        <a:buClrTx/>
+                        <a:buSzTx/>
+                        <a:buFontTx/>
+                        <a:buNone/>
+                        <a:tabLst/>
+                        <a:defRPr/>
+                      </a:pPr>
+                      <a:r>
+                        <a:rPr lang="zh-TW" altLang="en-US" sz="2000" dirty="0"/>
+                        <a:t>需求風險</a:t>
+                      </a:r>
+                    </a:p>
+                  </a:txBody>
+                  <a:tcPr>
+                    <a:lnL w="12700" cmpd="sng">
+                      <a:solidFill>
+                        <a:schemeClr val="tx1"/>
+                      </a:solidFill>
+                      <a:prstDash val="solid"/>
+                    </a:lnL>
+                    <a:lnR w="12700" cap="flat" cmpd="sng" algn="ctr">
+                      <a:solidFill>
+                        <a:schemeClr val="tx1"/>
+                      </a:solidFill>
+                      <a:prstDash val="solid"/>
+                      <a:round/>
+                      <a:headEnd type="none" w="med" len="med"/>
+                      <a:tailEnd type="none" w="med" len="med"/>
+                    </a:lnR>
+                    <a:lnT w="12700" cmpd="sng">
+                      <a:solidFill>
+                        <a:schemeClr val="tx1"/>
+                      </a:solidFill>
+                      <a:prstDash val="solid"/>
+                    </a:lnT>
+                    <a:lnB w="12700" cap="flat" cmpd="sng" algn="ctr">
+                      <a:noFill/>
+                      <a:prstDash val="solid"/>
+                      <a:round/>
+                      <a:headEnd type="none" w="med" len="med"/>
+                      <a:tailEnd type="none" w="med" len="med"/>
+                    </a:lnB>
+                    <a:solidFill>
+                      <a:schemeClr val="bg1"/>
+                    </a:solidFill>
+                  </a:tcPr>
+                </a:tc>
+                <a:tc>
+                  <a:txBody>
+                    <a:bodyPr/>
+                    <a:lstStyle/>
+                    <a:p>
+                      <a:pPr marL="0" marR="0" lvl="0" indent="0" algn="ctr" defTabSz="914126" rtl="0" eaLnBrk="1" fontAlgn="auto" latinLnBrk="0" hangingPunct="1">
+                        <a:lnSpc>
+                          <a:spcPct val="100000"/>
+                        </a:lnSpc>
+                        <a:spcBef>
+                          <a:spcPts val="0"/>
+                        </a:spcBef>
+                        <a:spcAft>
+                          <a:spcPts val="0"/>
+                        </a:spcAft>
+                        <a:buClrTx/>
+                        <a:buSzTx/>
+                        <a:buFontTx/>
+                        <a:buNone/>
+                        <a:tabLst/>
+                        <a:defRPr/>
+                      </a:pPr>
+                      <a:r>
+                        <a:rPr lang="zh-TW" altLang="en-US" dirty="0"/>
+                        <a:t>需求不明確</a:t>
+                      </a:r>
+                    </a:p>
+                  </a:txBody>
+                  <a:tcPr>
+                    <a:lnL w="12700" cap="flat" cmpd="sng" algn="ctr">
+                      <a:solidFill>
+                        <a:schemeClr val="tx1"/>
+                      </a:solidFill>
+                      <a:prstDash val="solid"/>
+                      <a:round/>
+                      <a:headEnd type="none" w="med" len="med"/>
+                      <a:tailEnd type="none" w="med" len="med"/>
+                    </a:lnL>
+                    <a:lnR w="12700" cap="flat" cmpd="sng" algn="ctr">
+                      <a:solidFill>
+                        <a:schemeClr val="tx1"/>
+                      </a:solidFill>
+                      <a:prstDash val="solid"/>
+                      <a:round/>
+                      <a:headEnd type="none" w="med" len="med"/>
+                      <a:tailEnd type="none" w="med" len="med"/>
+                    </a:lnR>
+                    <a:lnT w="12700" cmpd="sng">
+                      <a:solidFill>
+                        <a:schemeClr val="tx1"/>
+                      </a:solidFill>
+                      <a:prstDash val="solid"/>
+                    </a:lnT>
+                    <a:lnB w="12700" cap="flat" cmpd="sng" algn="ctr">
+                      <a:solidFill>
+                        <a:schemeClr val="tx1"/>
+                      </a:solidFill>
+                      <a:prstDash val="solid"/>
+                      <a:round/>
+                      <a:headEnd type="none" w="med" len="med"/>
+                      <a:tailEnd type="none" w="med" len="med"/>
+                    </a:lnB>
+                    <a:solidFill>
+                      <a:srgbClr val="D4EAF3">
+                        <a:alpha val="50196"/>
+                      </a:srgbClr>
+                    </a:solidFill>
+                  </a:tcPr>
                 </a:tc>
                 <a:tc>
                   <a:txBody>
@@ -13227,13 +13836,49 @@
                     <a:lstStyle/>
                     <a:p>
                       <a:pPr algn="ctr"/>
-                      <a:endParaRPr lang="zh-TW" altLang="en-US">
-                        <a:latin typeface="標楷體" panose="03000509000000000000" pitchFamily="65" charset="-120"/>
-                        <a:ea typeface="標楷體" panose="03000509000000000000" pitchFamily="65" charset="-120"/>
-                      </a:endParaRPr>
+                      <a:endParaRPr lang="zh-TW" altLang="en-US" dirty="0"/>
                     </a:p>
                   </a:txBody>
-                  <a:tcPr/>
+                  <a:tcPr>
+                    <a:lnL w="12700" cap="flat" cmpd="sng" algn="ctr">
+                      <a:solidFill>
+                        <a:schemeClr val="tx1"/>
+                      </a:solidFill>
+                      <a:prstDash val="solid"/>
+                      <a:round/>
+                      <a:headEnd type="none" w="med" len="med"/>
+                      <a:tailEnd type="none" w="med" len="med"/>
+                    </a:lnL>
+                    <a:lnR w="12700" cap="flat" cmpd="sng" algn="ctr">
+                      <a:solidFill>
+                        <a:schemeClr val="tx1"/>
+                      </a:solidFill>
+                      <a:prstDash val="solid"/>
+                      <a:round/>
+                      <a:headEnd type="none" w="med" len="med"/>
+                      <a:tailEnd type="none" w="med" len="med"/>
+                    </a:lnR>
+                    <a:lnT w="12700" cmpd="sng">
+                      <a:solidFill>
+                        <a:schemeClr val="tx1"/>
+                      </a:solidFill>
+                      <a:prstDash val="solid"/>
+                    </a:lnT>
+                    <a:lnB w="12700" cap="flat" cmpd="sng" algn="ctr">
+                      <a:solidFill>
+                        <a:schemeClr val="tx1"/>
+                      </a:solidFill>
+                      <a:prstDash val="solid"/>
+                      <a:round/>
+                      <a:headEnd type="none" w="med" len="med"/>
+                      <a:tailEnd type="none" w="med" len="med"/>
+                    </a:lnB>
+                    <a:solidFill>
+                      <a:srgbClr val="D4EAF3">
+                        <a:alpha val="50196"/>
+                      </a:srgbClr>
+                    </a:solidFill>
+                  </a:tcPr>
                 </a:tc>
                 <a:tc>
                   <a:txBody>
@@ -13241,36 +13886,49 @@
                     <a:lstStyle/>
                     <a:p>
                       <a:pPr algn="ctr"/>
-                      <a:endParaRPr lang="zh-TW" altLang="en-US">
-                        <a:latin typeface="標楷體" panose="03000509000000000000" pitchFamily="65" charset="-120"/>
-                        <a:ea typeface="標楷體" panose="03000509000000000000" pitchFamily="65" charset="-120"/>
-                      </a:endParaRPr>
+                      <a:endParaRPr lang="zh-TW" altLang="en-US" dirty="0"/>
                     </a:p>
                   </a:txBody>
-                  <a:tcPr/>
-                </a:tc>
-                <a:extLst>
-                  <a:ext uri="{0D108BD9-81ED-4DB2-BD59-A6C34878D82A}">
-                    <a16:rowId xmlns:a16="http://schemas.microsoft.com/office/drawing/2014/main" val="3255104206"/>
-                  </a:ext>
-                </a:extLst>
-              </a:tr>
-              <a:tr h="500154">
-                <a:tc>
-                  <a:txBody>
-                    <a:bodyPr/>
-                    <a:lstStyle/>
-                    <a:p>
-                      <a:r>
-                        <a:rPr lang="zh-TW" altLang="en-US" dirty="0">
-                          <a:latin typeface="標楷體" panose="03000509000000000000" pitchFamily="65" charset="-120"/>
-                          <a:ea typeface="標楷體" panose="03000509000000000000" pitchFamily="65" charset="-120"/>
-                        </a:rPr>
-                        <a:t>需求過於嚴苛</a:t>
-                      </a:r>
-                    </a:p>
-                  </a:txBody>
-                  <a:tcPr/>
+                  <a:tcPr>
+                    <a:lnL w="12700" cap="flat" cmpd="sng" algn="ctr">
+                      <a:solidFill>
+                        <a:schemeClr val="tx1"/>
+                      </a:solidFill>
+                      <a:prstDash val="solid"/>
+                      <a:round/>
+                      <a:headEnd type="none" w="med" len="med"/>
+                      <a:tailEnd type="none" w="med" len="med"/>
+                    </a:lnL>
+                    <a:lnR w="12700" cap="flat" cmpd="sng" algn="ctr">
+                      <a:solidFill>
+                        <a:schemeClr val="tx1"/>
+                      </a:solidFill>
+                      <a:prstDash val="solid"/>
+                      <a:round/>
+                      <a:headEnd type="none" w="med" len="med"/>
+                      <a:tailEnd type="none" w="med" len="med"/>
+                    </a:lnR>
+                    <a:lnT w="12700" cmpd="sng">
+                      <a:solidFill>
+                        <a:schemeClr val="tx1"/>
+                      </a:solidFill>
+                      <a:prstDash val="solid"/>
+                    </a:lnT>
+                    <a:lnB w="12700" cap="flat" cmpd="sng" algn="ctr">
+                      <a:solidFill>
+                        <a:schemeClr val="tx1"/>
+                      </a:solidFill>
+                      <a:prstDash val="solid"/>
+                      <a:round/>
+                      <a:headEnd type="none" w="med" len="med"/>
+                      <a:tailEnd type="none" w="med" len="med"/>
+                    </a:lnB>
+                    <a:solidFill>
+                      <a:srgbClr val="D4EAF3">
+                        <a:alpha val="50196"/>
+                      </a:srgbClr>
+                    </a:solidFill>
+                  </a:tcPr>
                 </a:tc>
                 <a:tc>
                   <a:txBody>
@@ -13278,13 +13936,49 @@
                     <a:lstStyle/>
                     <a:p>
                       <a:pPr algn="ctr"/>
-                      <a:endParaRPr lang="zh-TW" altLang="en-US" dirty="0">
-                        <a:latin typeface="標楷體" panose="03000509000000000000" pitchFamily="65" charset="-120"/>
-                        <a:ea typeface="標楷體" panose="03000509000000000000" pitchFamily="65" charset="-120"/>
-                      </a:endParaRPr>
+                      <a:endParaRPr lang="zh-TW" altLang="en-US" dirty="0"/>
                     </a:p>
                   </a:txBody>
-                  <a:tcPr/>
+                  <a:tcPr>
+                    <a:lnL w="12700" cap="flat" cmpd="sng" algn="ctr">
+                      <a:solidFill>
+                        <a:schemeClr val="tx1"/>
+                      </a:solidFill>
+                      <a:prstDash val="solid"/>
+                      <a:round/>
+                      <a:headEnd type="none" w="med" len="med"/>
+                      <a:tailEnd type="none" w="med" len="med"/>
+                    </a:lnL>
+                    <a:lnR w="12700" cap="flat" cmpd="sng" algn="ctr">
+                      <a:solidFill>
+                        <a:schemeClr val="tx1"/>
+                      </a:solidFill>
+                      <a:prstDash val="solid"/>
+                      <a:round/>
+                      <a:headEnd type="none" w="med" len="med"/>
+                      <a:tailEnd type="none" w="med" len="med"/>
+                    </a:lnR>
+                    <a:lnT w="12700" cmpd="sng">
+                      <a:solidFill>
+                        <a:schemeClr val="tx1"/>
+                      </a:solidFill>
+                      <a:prstDash val="solid"/>
+                    </a:lnT>
+                    <a:lnB w="12700" cap="flat" cmpd="sng" algn="ctr">
+                      <a:solidFill>
+                        <a:schemeClr val="tx1"/>
+                      </a:solidFill>
+                      <a:prstDash val="solid"/>
+                      <a:round/>
+                      <a:headEnd type="none" w="med" len="med"/>
+                      <a:tailEnd type="none" w="med" len="med"/>
+                    </a:lnB>
+                    <a:solidFill>
+                      <a:srgbClr val="D4EAF3">
+                        <a:alpha val="50196"/>
+                      </a:srgbClr>
+                    </a:solidFill>
+                  </a:tcPr>
                 </a:tc>
                 <a:tc>
                   <a:txBody>
@@ -13292,20 +13986,49 @@
                     <a:lstStyle/>
                     <a:p>
                       <a:pPr algn="ctr"/>
-                      <a:r>
-                        <a:rPr lang="en-US" altLang="zh-TW" dirty="0">
-                          <a:latin typeface="標楷體" panose="03000509000000000000" pitchFamily="65" charset="-120"/>
-                          <a:ea typeface="標楷體" panose="03000509000000000000" pitchFamily="65" charset="-120"/>
-                        </a:rPr>
-                        <a:t>o</a:t>
-                      </a:r>
-                      <a:endParaRPr lang="zh-TW" altLang="en-US" dirty="0">
-                        <a:latin typeface="標楷體" panose="03000509000000000000" pitchFamily="65" charset="-120"/>
-                        <a:ea typeface="標楷體" panose="03000509000000000000" pitchFamily="65" charset="-120"/>
-                      </a:endParaRPr>
+                      <a:endParaRPr lang="zh-TW" altLang="en-US" dirty="0"/>
                     </a:p>
                   </a:txBody>
-                  <a:tcPr/>
+                  <a:tcPr>
+                    <a:lnL w="12700" cap="flat" cmpd="sng" algn="ctr">
+                      <a:solidFill>
+                        <a:schemeClr val="tx1"/>
+                      </a:solidFill>
+                      <a:prstDash val="solid"/>
+                      <a:round/>
+                      <a:headEnd type="none" w="med" len="med"/>
+                      <a:tailEnd type="none" w="med" len="med"/>
+                    </a:lnL>
+                    <a:lnR w="12700" cap="flat" cmpd="sng" algn="ctr">
+                      <a:solidFill>
+                        <a:schemeClr val="tx1"/>
+                      </a:solidFill>
+                      <a:prstDash val="solid"/>
+                      <a:round/>
+                      <a:headEnd type="none" w="med" len="med"/>
+                      <a:tailEnd type="none" w="med" len="med"/>
+                    </a:lnR>
+                    <a:lnT w="12700" cmpd="sng">
+                      <a:solidFill>
+                        <a:schemeClr val="tx1"/>
+                      </a:solidFill>
+                      <a:prstDash val="solid"/>
+                    </a:lnT>
+                    <a:lnB w="12700" cap="flat" cmpd="sng" algn="ctr">
+                      <a:solidFill>
+                        <a:schemeClr val="tx1"/>
+                      </a:solidFill>
+                      <a:prstDash val="solid"/>
+                      <a:round/>
+                      <a:headEnd type="none" w="med" len="med"/>
+                      <a:tailEnd type="none" w="med" len="med"/>
+                    </a:lnB>
+                    <a:solidFill>
+                      <a:srgbClr val="D4EAF3">
+                        <a:alpha val="50196"/>
+                      </a:srgbClr>
+                    </a:solidFill>
+                  </a:tcPr>
                 </a:tc>
                 <a:tc>
                   <a:txBody>
@@ -13313,13 +14036,179 @@
                     <a:lstStyle/>
                     <a:p>
                       <a:pPr algn="ctr"/>
-                      <a:endParaRPr lang="zh-TW" altLang="en-US">
-                        <a:latin typeface="標楷體" panose="03000509000000000000" pitchFamily="65" charset="-120"/>
-                        <a:ea typeface="標楷體" panose="03000509000000000000" pitchFamily="65" charset="-120"/>
-                      </a:endParaRPr>
+                      <a:endParaRPr lang="zh-TW" altLang="en-US" dirty="0"/>
                     </a:p>
                   </a:txBody>
-                  <a:tcPr/>
+                  <a:tcPr>
+                    <a:lnL w="12700" cap="flat" cmpd="sng" algn="ctr">
+                      <a:solidFill>
+                        <a:schemeClr val="tx1"/>
+                      </a:solidFill>
+                      <a:prstDash val="solid"/>
+                      <a:round/>
+                      <a:headEnd type="none" w="med" len="med"/>
+                      <a:tailEnd type="none" w="med" len="med"/>
+                    </a:lnL>
+                    <a:lnR w="12700" cmpd="sng">
+                      <a:solidFill>
+                        <a:schemeClr val="tx1"/>
+                      </a:solidFill>
+                      <a:prstDash val="solid"/>
+                    </a:lnR>
+                    <a:lnT w="12700" cmpd="sng">
+                      <a:solidFill>
+                        <a:schemeClr val="tx1"/>
+                      </a:solidFill>
+                      <a:prstDash val="solid"/>
+                    </a:lnT>
+                    <a:lnB w="12700" cap="flat" cmpd="sng" algn="ctr">
+                      <a:solidFill>
+                        <a:schemeClr val="tx1"/>
+                      </a:solidFill>
+                      <a:prstDash val="solid"/>
+                      <a:round/>
+                      <a:headEnd type="none" w="med" len="med"/>
+                      <a:tailEnd type="none" w="med" len="med"/>
+                    </a:lnB>
+                    <a:solidFill>
+                      <a:srgbClr val="D4EAF3">
+                        <a:alpha val="50196"/>
+                      </a:srgbClr>
+                    </a:solidFill>
+                  </a:tcPr>
+                </a:tc>
+                <a:extLst>
+                  <a:ext uri="{0D108BD9-81ED-4DB2-BD59-A6C34878D82A}">
+                    <a16:rowId xmlns:a16="http://schemas.microsoft.com/office/drawing/2014/main" val="153706122"/>
+                  </a:ext>
+                </a:extLst>
+              </a:tr>
+              <a:tr h="206227">
+                <a:tc>
+                  <a:txBody>
+                    <a:bodyPr/>
+                    <a:lstStyle/>
+                    <a:p>
+                      <a:pPr marL="0" marR="0" lvl="0" indent="0" algn="ctr" defTabSz="914126" rtl="0" eaLnBrk="1" fontAlgn="auto" latinLnBrk="0" hangingPunct="1">
+                        <a:lnSpc>
+                          <a:spcPct val="100000"/>
+                        </a:lnSpc>
+                        <a:spcBef>
+                          <a:spcPts val="0"/>
+                        </a:spcBef>
+                        <a:spcAft>
+                          <a:spcPts val="0"/>
+                        </a:spcAft>
+                        <a:buClrTx/>
+                        <a:buSzTx/>
+                        <a:buFontTx/>
+                        <a:buNone/>
+                        <a:tabLst/>
+                        <a:defRPr/>
+                      </a:pPr>
+                      <a:endParaRPr lang="zh-TW" altLang="en-US" dirty="0"/>
+                    </a:p>
+                  </a:txBody>
+                  <a:tcPr>
+                    <a:lnL w="12700" cmpd="sng">
+                      <a:solidFill>
+                        <a:schemeClr val="tx1"/>
+                      </a:solidFill>
+                      <a:prstDash val="solid"/>
+                    </a:lnL>
+                    <a:lnR w="12700" cap="flat" cmpd="sng" algn="ctr">
+                      <a:solidFill>
+                        <a:schemeClr val="tx1"/>
+                      </a:solidFill>
+                      <a:prstDash val="solid"/>
+                      <a:round/>
+                      <a:headEnd type="none" w="med" len="med"/>
+                      <a:tailEnd type="none" w="med" len="med"/>
+                    </a:lnR>
+                    <a:lnT w="12700" cap="flat" cmpd="sng" algn="ctr">
+                      <a:noFill/>
+                      <a:prstDash val="solid"/>
+                      <a:round/>
+                      <a:headEnd type="none" w="med" len="med"/>
+                      <a:tailEnd type="none" w="med" len="med"/>
+                    </a:lnT>
+                    <a:lnB w="12700" cap="flat" cmpd="sng" algn="ctr">
+                      <a:solidFill>
+                        <a:schemeClr val="tx1"/>
+                      </a:solidFill>
+                      <a:prstDash val="solid"/>
+                      <a:round/>
+                      <a:headEnd type="none" w="med" len="med"/>
+                      <a:tailEnd type="none" w="med" len="med"/>
+                    </a:lnB>
+                    <a:solidFill>
+                      <a:schemeClr val="bg1"/>
+                    </a:solidFill>
+                  </a:tcPr>
+                </a:tc>
+                <a:tc>
+                  <a:txBody>
+                    <a:bodyPr/>
+                    <a:lstStyle/>
+                    <a:p>
+                      <a:pPr marL="0" marR="0" lvl="0" indent="0" algn="ctr" defTabSz="914126" rtl="0" eaLnBrk="1" fontAlgn="auto" latinLnBrk="0" hangingPunct="1">
+                        <a:lnSpc>
+                          <a:spcPct val="100000"/>
+                        </a:lnSpc>
+                        <a:spcBef>
+                          <a:spcPts val="0"/>
+                        </a:spcBef>
+                        <a:spcAft>
+                          <a:spcPts val="0"/>
+                        </a:spcAft>
+                        <a:buClrTx/>
+                        <a:buSzTx/>
+                        <a:buFontTx/>
+                        <a:buNone/>
+                        <a:tabLst/>
+                        <a:defRPr/>
+                      </a:pPr>
+                      <a:r>
+                        <a:rPr lang="zh-TW" altLang="en-US" dirty="0"/>
+                        <a:t>需求變更</a:t>
+                      </a:r>
+                    </a:p>
+                  </a:txBody>
+                  <a:tcPr>
+                    <a:lnL w="12700" cap="flat" cmpd="sng" algn="ctr">
+                      <a:solidFill>
+                        <a:schemeClr val="tx1"/>
+                      </a:solidFill>
+                      <a:prstDash val="solid"/>
+                      <a:round/>
+                      <a:headEnd type="none" w="med" len="med"/>
+                      <a:tailEnd type="none" w="med" len="med"/>
+                    </a:lnL>
+                    <a:lnR w="12700" cap="flat" cmpd="sng" algn="ctr">
+                      <a:solidFill>
+                        <a:schemeClr val="tx1"/>
+                      </a:solidFill>
+                      <a:prstDash val="solid"/>
+                      <a:round/>
+                      <a:headEnd type="none" w="med" len="med"/>
+                      <a:tailEnd type="none" w="med" len="med"/>
+                    </a:lnR>
+                    <a:lnT w="12700" cmpd="sng">
+                      <a:solidFill>
+                        <a:schemeClr val="tx1"/>
+                      </a:solidFill>
+                      <a:prstDash val="solid"/>
+                    </a:lnT>
+                    <a:lnB w="12700" cap="flat" cmpd="sng" algn="ctr">
+                      <a:solidFill>
+                        <a:schemeClr val="tx1"/>
+                      </a:solidFill>
+                      <a:prstDash val="solid"/>
+                      <a:round/>
+                      <a:headEnd type="none" w="med" len="med"/>
+                      <a:tailEnd type="none" w="med" len="med"/>
+                    </a:lnB>
+                  </a:tcPr>
                 </a:tc>
                 <a:tc>
                   <a:txBody>
@@ -13327,13 +14216,44 @@
                     <a:lstStyle/>
                     <a:p>
                       <a:pPr algn="ctr"/>
-                      <a:endParaRPr lang="zh-TW" altLang="en-US">
-                        <a:latin typeface="標楷體" panose="03000509000000000000" pitchFamily="65" charset="-120"/>
-                        <a:ea typeface="標楷體" panose="03000509000000000000" pitchFamily="65" charset="-120"/>
-                      </a:endParaRPr>
+                      <a:endParaRPr lang="zh-TW" altLang="en-US"/>
                     </a:p>
                   </a:txBody>
-                  <a:tcPr/>
+                  <a:tcPr>
+                    <a:lnL w="12700" cap="flat" cmpd="sng" algn="ctr">
+                      <a:solidFill>
+                        <a:schemeClr val="tx1"/>
+                      </a:solidFill>
+                      <a:prstDash val="solid"/>
+                      <a:round/>
+                      <a:headEnd type="none" w="med" len="med"/>
+                      <a:tailEnd type="none" w="med" len="med"/>
+                    </a:lnL>
+                    <a:lnR w="12700" cap="flat" cmpd="sng" algn="ctr">
+                      <a:solidFill>
+                        <a:schemeClr val="tx1"/>
+                      </a:solidFill>
+                      <a:prstDash val="solid"/>
+                      <a:round/>
+                      <a:headEnd type="none" w="med" len="med"/>
+                      <a:tailEnd type="none" w="med" len="med"/>
+                    </a:lnR>
+                    <a:lnT w="12700" cmpd="sng">
+                      <a:solidFill>
+                        <a:schemeClr val="tx1"/>
+                      </a:solidFill>
+                      <a:prstDash val="solid"/>
+                    </a:lnT>
+                    <a:lnB w="12700" cap="flat" cmpd="sng" algn="ctr">
+                      <a:solidFill>
+                        <a:schemeClr val="tx1"/>
+                      </a:solidFill>
+                      <a:prstDash val="solid"/>
+                      <a:round/>
+                      <a:headEnd type="none" w="med" len="med"/>
+                      <a:tailEnd type="none" w="med" len="med"/>
+                    </a:lnB>
+                  </a:tcPr>
                 </a:tc>
                 <a:tc>
                   <a:txBody>
@@ -13341,36 +14261,44 @@
                     <a:lstStyle/>
                     <a:p>
                       <a:pPr algn="ctr"/>
-                      <a:endParaRPr lang="zh-TW" altLang="en-US">
-                        <a:latin typeface="標楷體" panose="03000509000000000000" pitchFamily="65" charset="-120"/>
-                        <a:ea typeface="標楷體" panose="03000509000000000000" pitchFamily="65" charset="-120"/>
-                      </a:endParaRPr>
+                      <a:endParaRPr lang="zh-TW" altLang="en-US" dirty="0"/>
                     </a:p>
                   </a:txBody>
-                  <a:tcPr/>
-                </a:tc>
-                <a:extLst>
-                  <a:ext uri="{0D108BD9-81ED-4DB2-BD59-A6C34878D82A}">
-                    <a16:rowId xmlns:a16="http://schemas.microsoft.com/office/drawing/2014/main" val="2124465538"/>
-                  </a:ext>
-                </a:extLst>
-              </a:tr>
-              <a:tr h="500154">
-                <a:tc>
-                  <a:txBody>
-                    <a:bodyPr/>
-                    <a:lstStyle/>
-                    <a:p>
-                      <a:r>
-                        <a:rPr lang="zh-TW" altLang="en-US" dirty="0">
-                          <a:latin typeface="標楷體" panose="03000509000000000000" pitchFamily="65" charset="-120"/>
-                          <a:ea typeface="標楷體" panose="03000509000000000000" pitchFamily="65" charset="-120"/>
-                        </a:rPr>
-                        <a:t>組員拖延</a:t>
-                      </a:r>
-                    </a:p>
-                  </a:txBody>
-                  <a:tcPr/>
+                  <a:tcPr>
+                    <a:lnL w="12700" cap="flat" cmpd="sng" algn="ctr">
+                      <a:solidFill>
+                        <a:schemeClr val="tx1"/>
+                      </a:solidFill>
+                      <a:prstDash val="solid"/>
+                      <a:round/>
+                      <a:headEnd type="none" w="med" len="med"/>
+                      <a:tailEnd type="none" w="med" len="med"/>
+                    </a:lnL>
+                    <a:lnR w="12700" cap="flat" cmpd="sng" algn="ctr">
+                      <a:solidFill>
+                        <a:schemeClr val="tx1"/>
+                      </a:solidFill>
+                      <a:prstDash val="solid"/>
+                      <a:round/>
+                      <a:headEnd type="none" w="med" len="med"/>
+                      <a:tailEnd type="none" w="med" len="med"/>
+                    </a:lnR>
+                    <a:lnT w="12700" cmpd="sng">
+                      <a:solidFill>
+                        <a:schemeClr val="tx1"/>
+                      </a:solidFill>
+                      <a:prstDash val="solid"/>
+                    </a:lnT>
+                    <a:lnB w="12700" cap="flat" cmpd="sng" algn="ctr">
+                      <a:solidFill>
+                        <a:schemeClr val="tx1"/>
+                      </a:solidFill>
+                      <a:prstDash val="solid"/>
+                      <a:round/>
+                      <a:headEnd type="none" w="med" len="med"/>
+                      <a:tailEnd type="none" w="med" len="med"/>
+                    </a:lnB>
+                  </a:tcPr>
                 </a:tc>
                 <a:tc>
                   <a:txBody>
@@ -13378,13 +14306,44 @@
                     <a:lstStyle/>
                     <a:p>
                       <a:pPr algn="ctr"/>
-                      <a:endParaRPr lang="zh-TW" altLang="en-US" dirty="0">
-                        <a:latin typeface="標楷體" panose="03000509000000000000" pitchFamily="65" charset="-120"/>
-                        <a:ea typeface="標楷體" panose="03000509000000000000" pitchFamily="65" charset="-120"/>
-                      </a:endParaRPr>
+                      <a:endParaRPr lang="zh-TW" altLang="en-US"/>
                     </a:p>
                   </a:txBody>
-                  <a:tcPr/>
+                  <a:tcPr>
+                    <a:lnL w="12700" cap="flat" cmpd="sng" algn="ctr">
+                      <a:solidFill>
+                        <a:schemeClr val="tx1"/>
+                      </a:solidFill>
+                      <a:prstDash val="solid"/>
+                      <a:round/>
+                      <a:headEnd type="none" w="med" len="med"/>
+                      <a:tailEnd type="none" w="med" len="med"/>
+                    </a:lnL>
+                    <a:lnR w="12700" cap="flat" cmpd="sng" algn="ctr">
+                      <a:solidFill>
+                        <a:schemeClr val="tx1"/>
+                      </a:solidFill>
+                      <a:prstDash val="solid"/>
+                      <a:round/>
+                      <a:headEnd type="none" w="med" len="med"/>
+                      <a:tailEnd type="none" w="med" len="med"/>
+                    </a:lnR>
+                    <a:lnT w="12700" cmpd="sng">
+                      <a:solidFill>
+                        <a:schemeClr val="tx1"/>
+                      </a:solidFill>
+                      <a:prstDash val="solid"/>
+                    </a:lnT>
+                    <a:lnB w="12700" cap="flat" cmpd="sng" algn="ctr">
+                      <a:solidFill>
+                        <a:schemeClr val="tx1"/>
+                      </a:solidFill>
+                      <a:prstDash val="solid"/>
+                      <a:round/>
+                      <a:headEnd type="none" w="med" len="med"/>
+                      <a:tailEnd type="none" w="med" len="med"/>
+                    </a:lnB>
+                  </a:tcPr>
                 </a:tc>
                 <a:tc>
                   <a:txBody>
@@ -13392,13 +14351,44 @@
                     <a:lstStyle/>
                     <a:p>
                       <a:pPr algn="ctr"/>
-                      <a:endParaRPr lang="zh-TW" altLang="en-US" dirty="0">
-                        <a:latin typeface="標楷體" panose="03000509000000000000" pitchFamily="65" charset="-120"/>
-                        <a:ea typeface="標楷體" panose="03000509000000000000" pitchFamily="65" charset="-120"/>
-                      </a:endParaRPr>
+                      <a:endParaRPr lang="zh-TW" altLang="en-US" dirty="0"/>
                     </a:p>
                   </a:txBody>
-                  <a:tcPr/>
+                  <a:tcPr>
+                    <a:lnL w="12700" cap="flat" cmpd="sng" algn="ctr">
+                      <a:solidFill>
+                        <a:schemeClr val="tx1"/>
+                      </a:solidFill>
+                      <a:prstDash val="solid"/>
+                      <a:round/>
+                      <a:headEnd type="none" w="med" len="med"/>
+                      <a:tailEnd type="none" w="med" len="med"/>
+                    </a:lnL>
+                    <a:lnR w="12700" cap="flat" cmpd="sng" algn="ctr">
+                      <a:solidFill>
+                        <a:schemeClr val="tx1"/>
+                      </a:solidFill>
+                      <a:prstDash val="solid"/>
+                      <a:round/>
+                      <a:headEnd type="none" w="med" len="med"/>
+                      <a:tailEnd type="none" w="med" len="med"/>
+                    </a:lnR>
+                    <a:lnT w="12700" cmpd="sng">
+                      <a:solidFill>
+                        <a:schemeClr val="tx1"/>
+                      </a:solidFill>
+                      <a:prstDash val="solid"/>
+                    </a:lnT>
+                    <a:lnB w="12700" cap="flat" cmpd="sng" algn="ctr">
+                      <a:solidFill>
+                        <a:schemeClr val="tx1"/>
+                      </a:solidFill>
+                      <a:prstDash val="solid"/>
+                      <a:round/>
+                      <a:headEnd type="none" w="med" len="med"/>
+                      <a:tailEnd type="none" w="med" len="med"/>
+                    </a:lnB>
+                  </a:tcPr>
                 </a:tc>
                 <a:tc>
                   <a:txBody>
@@ -13406,20 +14396,176 @@
                     <a:lstStyle/>
                     <a:p>
                       <a:pPr algn="ctr"/>
-                      <a:r>
-                        <a:rPr lang="en-US" altLang="zh-TW" dirty="0">
-                          <a:latin typeface="標楷體" panose="03000509000000000000" pitchFamily="65" charset="-120"/>
-                          <a:ea typeface="標楷體" panose="03000509000000000000" pitchFamily="65" charset="-120"/>
-                        </a:rPr>
-                        <a:t>o</a:t>
-                      </a:r>
-                      <a:endParaRPr lang="zh-TW" altLang="en-US" dirty="0">
-                        <a:latin typeface="標楷體" panose="03000509000000000000" pitchFamily="65" charset="-120"/>
-                        <a:ea typeface="標楷體" panose="03000509000000000000" pitchFamily="65" charset="-120"/>
-                      </a:endParaRPr>
+                      <a:endParaRPr lang="zh-TW" altLang="en-US" dirty="0"/>
                     </a:p>
                   </a:txBody>
-                  <a:tcPr/>
+                  <a:tcPr>
+                    <a:lnL w="12700" cap="flat" cmpd="sng" algn="ctr">
+                      <a:solidFill>
+                        <a:schemeClr val="tx1"/>
+                      </a:solidFill>
+                      <a:prstDash val="solid"/>
+                      <a:round/>
+                      <a:headEnd type="none" w="med" len="med"/>
+                      <a:tailEnd type="none" w="med" len="med"/>
+                    </a:lnL>
+                    <a:lnR w="12700" cmpd="sng">
+                      <a:solidFill>
+                        <a:schemeClr val="tx1"/>
+                      </a:solidFill>
+                      <a:prstDash val="solid"/>
+                    </a:lnR>
+                    <a:lnT w="12700" cmpd="sng">
+                      <a:solidFill>
+                        <a:schemeClr val="tx1"/>
+                      </a:solidFill>
+                      <a:prstDash val="solid"/>
+                    </a:lnT>
+                    <a:lnB w="12700" cap="flat" cmpd="sng" algn="ctr">
+                      <a:solidFill>
+                        <a:schemeClr val="tx1"/>
+                      </a:solidFill>
+                      <a:prstDash val="solid"/>
+                      <a:round/>
+                      <a:headEnd type="none" w="med" len="med"/>
+                      <a:tailEnd type="none" w="med" len="med"/>
+                    </a:lnB>
+                  </a:tcPr>
+                </a:tc>
+                <a:extLst>
+                  <a:ext uri="{0D108BD9-81ED-4DB2-BD59-A6C34878D82A}">
+                    <a16:rowId xmlns:a16="http://schemas.microsoft.com/office/drawing/2014/main" val="2181309435"/>
+                  </a:ext>
+                </a:extLst>
+              </a:tr>
+              <a:tr h="206227">
+                <a:tc>
+                  <a:txBody>
+                    <a:bodyPr/>
+                    <a:lstStyle/>
+                    <a:p>
+                      <a:pPr marL="0" marR="0" lvl="0" indent="0" algn="ctr" defTabSz="914126" rtl="0" eaLnBrk="1" fontAlgn="auto" latinLnBrk="0" hangingPunct="1">
+                        <a:lnSpc>
+                          <a:spcPct val="100000"/>
+                        </a:lnSpc>
+                        <a:spcBef>
+                          <a:spcPts val="0"/>
+                        </a:spcBef>
+                        <a:spcAft>
+                          <a:spcPts val="0"/>
+                        </a:spcAft>
+                        <a:buClrTx/>
+                        <a:buSzTx/>
+                        <a:buFontTx/>
+                        <a:buNone/>
+                        <a:tabLst/>
+                        <a:defRPr/>
+                      </a:pPr>
+                      <a:r>
+                        <a:rPr lang="zh-TW" altLang="en-US" sz="2000" dirty="0"/>
+                        <a:t>人力資源風險</a:t>
+                      </a:r>
+                    </a:p>
+                  </a:txBody>
+                  <a:tcPr>
+                    <a:lnL w="12700" cmpd="sng">
+                      <a:solidFill>
+                        <a:schemeClr val="tx1"/>
+                      </a:solidFill>
+                      <a:prstDash val="solid"/>
+                    </a:lnL>
+                    <a:lnR w="12700" cap="flat" cmpd="sng" algn="ctr">
+                      <a:solidFill>
+                        <a:schemeClr val="tx1"/>
+                      </a:solidFill>
+                      <a:prstDash val="solid"/>
+                      <a:round/>
+                      <a:headEnd type="none" w="med" len="med"/>
+                      <a:tailEnd type="none" w="med" len="med"/>
+                    </a:lnR>
+                    <a:lnT w="12700" cmpd="sng">
+                      <a:solidFill>
+                        <a:schemeClr val="tx1"/>
+                      </a:solidFill>
+                      <a:prstDash val="solid"/>
+                    </a:lnT>
+                    <a:lnB w="12700" cap="flat" cmpd="sng" algn="ctr">
+                      <a:noFill/>
+                      <a:prstDash val="solid"/>
+                      <a:round/>
+                      <a:headEnd type="none" w="med" len="med"/>
+                      <a:tailEnd type="none" w="med" len="med"/>
+                    </a:lnB>
+                  </a:tcPr>
+                </a:tc>
+                <a:tc>
+                  <a:txBody>
+                    <a:bodyPr/>
+                    <a:lstStyle/>
+                    <a:p>
+                      <a:pPr marL="0" marR="0" lvl="0" indent="0" algn="ctr" defTabSz="914126" rtl="0" eaLnBrk="1" fontAlgn="auto" latinLnBrk="0" hangingPunct="1">
+                        <a:lnSpc>
+                          <a:spcPct val="100000"/>
+                        </a:lnSpc>
+                        <a:spcBef>
+                          <a:spcPts val="0"/>
+                        </a:spcBef>
+                        <a:spcAft>
+                          <a:spcPts val="0"/>
+                        </a:spcAft>
+                        <a:buClrTx/>
+                        <a:buSzTx/>
+                        <a:buFontTx/>
+                        <a:buNone/>
+                        <a:tabLst/>
+                        <a:defRPr/>
+                      </a:pPr>
+                      <a:r>
+                        <a:rPr lang="zh-TW" altLang="en-US" dirty="0"/>
+                        <a:t>定義系統需求不完整</a:t>
+                      </a:r>
+                    </a:p>
+                  </a:txBody>
+                  <a:tcPr>
+                    <a:lnL w="12700" cap="flat" cmpd="sng" algn="ctr">
+                      <a:solidFill>
+                        <a:schemeClr val="tx1"/>
+                      </a:solidFill>
+                      <a:prstDash val="solid"/>
+                      <a:round/>
+                      <a:headEnd type="none" w="med" len="med"/>
+                      <a:tailEnd type="none" w="med" len="med"/>
+                    </a:lnL>
+                    <a:lnR w="12700" cap="flat" cmpd="sng" algn="ctr">
+                      <a:solidFill>
+                        <a:schemeClr val="tx1"/>
+                      </a:solidFill>
+                      <a:prstDash val="solid"/>
+                      <a:round/>
+                      <a:headEnd type="none" w="med" len="med"/>
+                      <a:tailEnd type="none" w="med" len="med"/>
+                    </a:lnR>
+                    <a:lnT w="12700" cmpd="sng">
+                      <a:solidFill>
+                        <a:schemeClr val="tx1"/>
+                      </a:solidFill>
+                      <a:prstDash val="solid"/>
+                    </a:lnT>
+                    <a:lnB w="12700" cap="flat" cmpd="sng" algn="ctr">
+                      <a:solidFill>
+                        <a:schemeClr val="tx1"/>
+                      </a:solidFill>
+                      <a:prstDash val="solid"/>
+                      <a:round/>
+                      <a:headEnd type="none" w="med" len="med"/>
+                      <a:tailEnd type="none" w="med" len="med"/>
+                    </a:lnB>
+                    <a:solidFill>
+                      <a:srgbClr val="D4EAF3">
+                        <a:alpha val="50196"/>
+                      </a:srgbClr>
+                    </a:solidFill>
+                  </a:tcPr>
                 </a:tc>
                 <a:tc>
                   <a:txBody>
@@ -13427,13 +14573,49 @@
                     <a:lstStyle/>
                     <a:p>
                       <a:pPr algn="ctr"/>
-                      <a:endParaRPr lang="zh-TW" altLang="en-US">
-                        <a:latin typeface="標楷體" panose="03000509000000000000" pitchFamily="65" charset="-120"/>
-                        <a:ea typeface="標楷體" panose="03000509000000000000" pitchFamily="65" charset="-120"/>
-                      </a:endParaRPr>
+                      <a:endParaRPr lang="zh-TW" altLang="en-US" dirty="0"/>
                     </a:p>
                   </a:txBody>
-                  <a:tcPr/>
+                  <a:tcPr>
+                    <a:lnL w="12700" cap="flat" cmpd="sng" algn="ctr">
+                      <a:solidFill>
+                        <a:schemeClr val="tx1"/>
+                      </a:solidFill>
+                      <a:prstDash val="solid"/>
+                      <a:round/>
+                      <a:headEnd type="none" w="med" len="med"/>
+                      <a:tailEnd type="none" w="med" len="med"/>
+                    </a:lnL>
+                    <a:lnR w="12700" cap="flat" cmpd="sng" algn="ctr">
+                      <a:solidFill>
+                        <a:schemeClr val="tx1"/>
+                      </a:solidFill>
+                      <a:prstDash val="solid"/>
+                      <a:round/>
+                      <a:headEnd type="none" w="med" len="med"/>
+                      <a:tailEnd type="none" w="med" len="med"/>
+                    </a:lnR>
+                    <a:lnT w="12700" cmpd="sng">
+                      <a:solidFill>
+                        <a:schemeClr val="tx1"/>
+                      </a:solidFill>
+                      <a:prstDash val="solid"/>
+                    </a:lnT>
+                    <a:lnB w="12700" cap="flat" cmpd="sng" algn="ctr">
+                      <a:solidFill>
+                        <a:schemeClr val="tx1"/>
+                      </a:solidFill>
+                      <a:prstDash val="solid"/>
+                      <a:round/>
+                      <a:headEnd type="none" w="med" len="med"/>
+                      <a:tailEnd type="none" w="med" len="med"/>
+                    </a:lnB>
+                    <a:solidFill>
+                      <a:srgbClr val="D4EAF3">
+                        <a:alpha val="50196"/>
+                      </a:srgbClr>
+                    </a:solidFill>
+                  </a:tcPr>
                 </a:tc>
                 <a:tc>
                   <a:txBody>
@@ -13441,36 +14623,49 @@
                     <a:lstStyle/>
                     <a:p>
                       <a:pPr algn="ctr"/>
-                      <a:endParaRPr lang="zh-TW" altLang="en-US">
-                        <a:latin typeface="標楷體" panose="03000509000000000000" pitchFamily="65" charset="-120"/>
-                        <a:ea typeface="標楷體" panose="03000509000000000000" pitchFamily="65" charset="-120"/>
-                      </a:endParaRPr>
+                      <a:endParaRPr lang="zh-TW" altLang="en-US" dirty="0"/>
                     </a:p>
                   </a:txBody>
-                  <a:tcPr/>
-                </a:tc>
-                <a:extLst>
-                  <a:ext uri="{0D108BD9-81ED-4DB2-BD59-A6C34878D82A}">
-                    <a16:rowId xmlns:a16="http://schemas.microsoft.com/office/drawing/2014/main" val="188525114"/>
-                  </a:ext>
-                </a:extLst>
-              </a:tr>
-              <a:tr h="500154">
-                <a:tc>
-                  <a:txBody>
-                    <a:bodyPr/>
-                    <a:lstStyle/>
-                    <a:p>
-                      <a:r>
-                        <a:rPr lang="zh-TW" altLang="en-US" dirty="0">
-                          <a:latin typeface="標楷體" panose="03000509000000000000" pitchFamily="65" charset="-120"/>
-                          <a:ea typeface="標楷體" panose="03000509000000000000" pitchFamily="65" charset="-120"/>
-                        </a:rPr>
-                        <a:t>組員能力不足</a:t>
-                      </a:r>
-                    </a:p>
-                  </a:txBody>
-                  <a:tcPr/>
+                  <a:tcPr>
+                    <a:lnL w="12700" cap="flat" cmpd="sng" algn="ctr">
+                      <a:solidFill>
+                        <a:schemeClr val="tx1"/>
+                      </a:solidFill>
+                      <a:prstDash val="solid"/>
+                      <a:round/>
+                      <a:headEnd type="none" w="med" len="med"/>
+                      <a:tailEnd type="none" w="med" len="med"/>
+                    </a:lnL>
+                    <a:lnR w="12700" cap="flat" cmpd="sng" algn="ctr">
+                      <a:solidFill>
+                        <a:schemeClr val="tx1"/>
+                      </a:solidFill>
+                      <a:prstDash val="solid"/>
+                      <a:round/>
+                      <a:headEnd type="none" w="med" len="med"/>
+                      <a:tailEnd type="none" w="med" len="med"/>
+                    </a:lnR>
+                    <a:lnT w="12700" cmpd="sng">
+                      <a:solidFill>
+                        <a:schemeClr val="tx1"/>
+                      </a:solidFill>
+                      <a:prstDash val="solid"/>
+                    </a:lnT>
+                    <a:lnB w="12700" cap="flat" cmpd="sng" algn="ctr">
+                      <a:solidFill>
+                        <a:schemeClr val="tx1"/>
+                      </a:solidFill>
+                      <a:prstDash val="solid"/>
+                      <a:round/>
+                      <a:headEnd type="none" w="med" len="med"/>
+                      <a:tailEnd type="none" w="med" len="med"/>
+                    </a:lnB>
+                    <a:solidFill>
+                      <a:srgbClr val="D4EAF3">
+                        <a:alpha val="50196"/>
+                      </a:srgbClr>
+                    </a:solidFill>
+                  </a:tcPr>
                 </a:tc>
                 <a:tc>
                   <a:txBody>
@@ -13478,13 +14673,49 @@
                     <a:lstStyle/>
                     <a:p>
                       <a:pPr algn="ctr"/>
-                      <a:endParaRPr lang="zh-TW" altLang="en-US">
-                        <a:latin typeface="標楷體" panose="03000509000000000000" pitchFamily="65" charset="-120"/>
-                        <a:ea typeface="標楷體" panose="03000509000000000000" pitchFamily="65" charset="-120"/>
-                      </a:endParaRPr>
+                      <a:endParaRPr lang="zh-TW" altLang="en-US" dirty="0"/>
                     </a:p>
                   </a:txBody>
-                  <a:tcPr/>
+                  <a:tcPr>
+                    <a:lnL w="12700" cap="flat" cmpd="sng" algn="ctr">
+                      <a:solidFill>
+                        <a:schemeClr val="tx1"/>
+                      </a:solidFill>
+                      <a:prstDash val="solid"/>
+                      <a:round/>
+                      <a:headEnd type="none" w="med" len="med"/>
+                      <a:tailEnd type="none" w="med" len="med"/>
+                    </a:lnL>
+                    <a:lnR w="12700" cap="flat" cmpd="sng" algn="ctr">
+                      <a:solidFill>
+                        <a:schemeClr val="tx1"/>
+                      </a:solidFill>
+                      <a:prstDash val="solid"/>
+                      <a:round/>
+                      <a:headEnd type="none" w="med" len="med"/>
+                      <a:tailEnd type="none" w="med" len="med"/>
+                    </a:lnR>
+                    <a:lnT w="12700" cmpd="sng">
+                      <a:solidFill>
+                        <a:schemeClr val="tx1"/>
+                      </a:solidFill>
+                      <a:prstDash val="solid"/>
+                    </a:lnT>
+                    <a:lnB w="12700" cap="flat" cmpd="sng" algn="ctr">
+                      <a:solidFill>
+                        <a:schemeClr val="tx1"/>
+                      </a:solidFill>
+                      <a:prstDash val="solid"/>
+                      <a:round/>
+                      <a:headEnd type="none" w="med" len="med"/>
+                      <a:tailEnd type="none" w="med" len="med"/>
+                    </a:lnB>
+                    <a:solidFill>
+                      <a:srgbClr val="D4EAF3">
+                        <a:alpha val="50196"/>
+                      </a:srgbClr>
+                    </a:solidFill>
+                  </a:tcPr>
                 </a:tc>
                 <a:tc>
                   <a:txBody>
@@ -13492,13 +14723,49 @@
                     <a:lstStyle/>
                     <a:p>
                       <a:pPr algn="ctr"/>
-                      <a:endParaRPr lang="zh-TW" altLang="en-US">
-                        <a:latin typeface="標楷體" panose="03000509000000000000" pitchFamily="65" charset="-120"/>
-                        <a:ea typeface="標楷體" panose="03000509000000000000" pitchFamily="65" charset="-120"/>
-                      </a:endParaRPr>
+                      <a:endParaRPr lang="zh-TW" altLang="en-US" dirty="0"/>
                     </a:p>
                   </a:txBody>
-                  <a:tcPr/>
+                  <a:tcPr>
+                    <a:lnL w="12700" cap="flat" cmpd="sng" algn="ctr">
+                      <a:solidFill>
+                        <a:schemeClr val="tx1"/>
+                      </a:solidFill>
+                      <a:prstDash val="solid"/>
+                      <a:round/>
+                      <a:headEnd type="none" w="med" len="med"/>
+                      <a:tailEnd type="none" w="med" len="med"/>
+                    </a:lnL>
+                    <a:lnR w="12700" cap="flat" cmpd="sng" algn="ctr">
+                      <a:solidFill>
+                        <a:schemeClr val="tx1"/>
+                      </a:solidFill>
+                      <a:prstDash val="solid"/>
+                      <a:round/>
+                      <a:headEnd type="none" w="med" len="med"/>
+                      <a:tailEnd type="none" w="med" len="med"/>
+                    </a:lnR>
+                    <a:lnT w="12700" cmpd="sng">
+                      <a:solidFill>
+                        <a:schemeClr val="tx1"/>
+                      </a:solidFill>
+                      <a:prstDash val="solid"/>
+                    </a:lnT>
+                    <a:lnB w="12700" cap="flat" cmpd="sng" algn="ctr">
+                      <a:solidFill>
+                        <a:schemeClr val="tx1"/>
+                      </a:solidFill>
+                      <a:prstDash val="solid"/>
+                      <a:round/>
+                      <a:headEnd type="none" w="med" len="med"/>
+                      <a:tailEnd type="none" w="med" len="med"/>
+                    </a:lnB>
+                    <a:solidFill>
+                      <a:srgbClr val="D4EAF3">
+                        <a:alpha val="50196"/>
+                      </a:srgbClr>
+                    </a:solidFill>
+                  </a:tcPr>
                 </a:tc>
                 <a:tc>
                   <a:txBody>
@@ -13506,20 +14773,182 @@
                     <a:lstStyle/>
                     <a:p>
                       <a:pPr algn="ctr"/>
-                      <a:r>
-                        <a:rPr lang="en-US" altLang="zh-TW" dirty="0">
-                          <a:latin typeface="標楷體" panose="03000509000000000000" pitchFamily="65" charset="-120"/>
-                          <a:ea typeface="標楷體" panose="03000509000000000000" pitchFamily="65" charset="-120"/>
-                        </a:rPr>
-                        <a:t>o</a:t>
-                      </a:r>
-                      <a:endParaRPr lang="zh-TW" altLang="en-US" dirty="0">
-                        <a:latin typeface="標楷體" panose="03000509000000000000" pitchFamily="65" charset="-120"/>
-                        <a:ea typeface="標楷體" panose="03000509000000000000" pitchFamily="65" charset="-120"/>
-                      </a:endParaRPr>
+                      <a:endParaRPr lang="zh-TW" altLang="en-US" dirty="0"/>
                     </a:p>
                   </a:txBody>
-                  <a:tcPr/>
+                  <a:tcPr>
+                    <a:lnL w="12700" cap="flat" cmpd="sng" algn="ctr">
+                      <a:solidFill>
+                        <a:schemeClr val="tx1"/>
+                      </a:solidFill>
+                      <a:prstDash val="solid"/>
+                      <a:round/>
+                      <a:headEnd type="none" w="med" len="med"/>
+                      <a:tailEnd type="none" w="med" len="med"/>
+                    </a:lnL>
+                    <a:lnR w="12700" cmpd="sng">
+                      <a:solidFill>
+                        <a:schemeClr val="tx1"/>
+                      </a:solidFill>
+                      <a:prstDash val="solid"/>
+                    </a:lnR>
+                    <a:lnT w="12700" cmpd="sng">
+                      <a:solidFill>
+                        <a:schemeClr val="tx1"/>
+                      </a:solidFill>
+                      <a:prstDash val="solid"/>
+                    </a:lnT>
+                    <a:lnB w="12700" cap="flat" cmpd="sng" algn="ctr">
+                      <a:solidFill>
+                        <a:schemeClr val="tx1"/>
+                      </a:solidFill>
+                      <a:prstDash val="solid"/>
+                      <a:round/>
+                      <a:headEnd type="none" w="med" len="med"/>
+                      <a:tailEnd type="none" w="med" len="med"/>
+                    </a:lnB>
+                    <a:solidFill>
+                      <a:srgbClr val="D4EAF3">
+                        <a:alpha val="50196"/>
+                      </a:srgbClr>
+                    </a:solidFill>
+                  </a:tcPr>
+                </a:tc>
+                <a:extLst>
+                  <a:ext uri="{0D108BD9-81ED-4DB2-BD59-A6C34878D82A}">
+                    <a16:rowId xmlns:a16="http://schemas.microsoft.com/office/drawing/2014/main" val="895073351"/>
+                  </a:ext>
+                </a:extLst>
+              </a:tr>
+              <a:tr h="206227">
+                <a:tc>
+                  <a:txBody>
+                    <a:bodyPr/>
+                    <a:lstStyle/>
+                    <a:p>
+                      <a:pPr marL="0" marR="0" lvl="0" indent="0" algn="ctr" defTabSz="914126" rtl="0" eaLnBrk="1" fontAlgn="auto" latinLnBrk="0" hangingPunct="1">
+                        <a:lnSpc>
+                          <a:spcPct val="100000"/>
+                        </a:lnSpc>
+                        <a:spcBef>
+                          <a:spcPts val="0"/>
+                        </a:spcBef>
+                        <a:spcAft>
+                          <a:spcPts val="0"/>
+                        </a:spcAft>
+                        <a:buClrTx/>
+                        <a:buSzTx/>
+                        <a:buFontTx/>
+                        <a:buNone/>
+                        <a:tabLst/>
+                        <a:defRPr/>
+                      </a:pPr>
+                      <a:endParaRPr lang="zh-TW" altLang="en-US" dirty="0"/>
+                    </a:p>
+                  </a:txBody>
+                  <a:tcPr>
+                    <a:lnL w="12700" cap="flat" cmpd="sng" algn="ctr">
+                      <a:solidFill>
+                        <a:schemeClr val="tx1"/>
+                      </a:solidFill>
+                      <a:prstDash val="solid"/>
+                      <a:round/>
+                      <a:headEnd type="none" w="med" len="med"/>
+                      <a:tailEnd type="none" w="med" len="med"/>
+                    </a:lnL>
+                    <a:lnR w="12700" cap="flat" cmpd="sng" algn="ctr">
+                      <a:solidFill>
+                        <a:schemeClr val="tx1"/>
+                      </a:solidFill>
+                      <a:prstDash val="solid"/>
+                      <a:round/>
+                      <a:headEnd type="none" w="med" len="med"/>
+                      <a:tailEnd type="none" w="med" len="med"/>
+                    </a:lnR>
+                    <a:lnT w="12700" cmpd="sng">
+                      <a:noFill/>
+                      <a:prstDash val="solid"/>
+                    </a:lnT>
+                    <a:lnB w="12700" cap="flat" cmpd="sng" algn="ctr">
+                      <a:noFill/>
+                      <a:prstDash val="solid"/>
+                      <a:round/>
+                      <a:headEnd type="none" w="med" len="med"/>
+                      <a:tailEnd type="none" w="med" len="med"/>
+                    </a:lnB>
+                    <a:lnTlToBr w="12700" cmpd="sng">
+                      <a:noFill/>
+                      <a:prstDash val="solid"/>
+                    </a:lnTlToBr>
+                    <a:lnBlToTr w="12700" cmpd="sng">
+                      <a:noFill/>
+                      <a:prstDash val="solid"/>
+                    </a:lnBlToTr>
+                  </a:tcPr>
+                </a:tc>
+                <a:tc>
+                  <a:txBody>
+                    <a:bodyPr/>
+                    <a:lstStyle/>
+                    <a:p>
+                      <a:pPr marL="0" marR="0" lvl="0" indent="0" algn="ctr" defTabSz="914126" rtl="0" eaLnBrk="1" fontAlgn="auto" latinLnBrk="0" hangingPunct="1">
+                        <a:lnSpc>
+                          <a:spcPct val="100000"/>
+                        </a:lnSpc>
+                        <a:spcBef>
+                          <a:spcPts val="0"/>
+                        </a:spcBef>
+                        <a:spcAft>
+                          <a:spcPts val="0"/>
+                        </a:spcAft>
+                        <a:buClrTx/>
+                        <a:buSzTx/>
+                        <a:buFontTx/>
+                        <a:buNone/>
+                        <a:tabLst/>
+                        <a:defRPr/>
+                      </a:pPr>
+                      <a:r>
+                        <a:rPr lang="zh-TW" altLang="en-US" dirty="0"/>
+                        <a:t>缺乏相關實務經驗</a:t>
+                      </a:r>
+                    </a:p>
+                  </a:txBody>
+                  <a:tcPr>
+                    <a:lnL w="12700" cap="flat" cmpd="sng" algn="ctr">
+                      <a:solidFill>
+                        <a:schemeClr val="tx1"/>
+                      </a:solidFill>
+                      <a:prstDash val="solid"/>
+                      <a:round/>
+                      <a:headEnd type="none" w="med" len="med"/>
+                      <a:tailEnd type="none" w="med" len="med"/>
+                    </a:lnL>
+                    <a:lnR w="12700" cap="flat" cmpd="sng" algn="ctr">
+                      <a:solidFill>
+                        <a:schemeClr val="tx1"/>
+                      </a:solidFill>
+                      <a:prstDash val="solid"/>
+                      <a:round/>
+                      <a:headEnd type="none" w="med" len="med"/>
+                      <a:tailEnd type="none" w="med" len="med"/>
+                    </a:lnR>
+                    <a:lnT w="12700" cmpd="sng">
+                      <a:solidFill>
+                        <a:schemeClr val="tx1"/>
+                      </a:solidFill>
+                      <a:prstDash val="solid"/>
+                    </a:lnT>
+                    <a:lnB w="12700" cap="flat" cmpd="sng" algn="ctr">
+                      <a:solidFill>
+                        <a:schemeClr val="tx1"/>
+                      </a:solidFill>
+                      <a:prstDash val="solid"/>
+                      <a:round/>
+                      <a:headEnd type="none" w="med" len="med"/>
+                      <a:tailEnd type="none" w="med" len="med"/>
+                    </a:lnB>
+                  </a:tcPr>
                 </a:tc>
                 <a:tc>
                   <a:txBody>
@@ -13527,13 +14956,44 @@
                     <a:lstStyle/>
                     <a:p>
                       <a:pPr algn="ctr"/>
-                      <a:endParaRPr lang="zh-TW" altLang="en-US">
-                        <a:latin typeface="標楷體" panose="03000509000000000000" pitchFamily="65" charset="-120"/>
-                        <a:ea typeface="標楷體" panose="03000509000000000000" pitchFamily="65" charset="-120"/>
-                      </a:endParaRPr>
+                      <a:endParaRPr lang="zh-TW" altLang="en-US" dirty="0"/>
                     </a:p>
                   </a:txBody>
-                  <a:tcPr/>
+                  <a:tcPr>
+                    <a:lnL w="12700" cap="flat" cmpd="sng" algn="ctr">
+                      <a:solidFill>
+                        <a:schemeClr val="tx1"/>
+                      </a:solidFill>
+                      <a:prstDash val="solid"/>
+                      <a:round/>
+                      <a:headEnd type="none" w="med" len="med"/>
+                      <a:tailEnd type="none" w="med" len="med"/>
+                    </a:lnL>
+                    <a:lnR w="12700" cap="flat" cmpd="sng" algn="ctr">
+                      <a:solidFill>
+                        <a:schemeClr val="tx1"/>
+                      </a:solidFill>
+                      <a:prstDash val="solid"/>
+                      <a:round/>
+                      <a:headEnd type="none" w="med" len="med"/>
+                      <a:tailEnd type="none" w="med" len="med"/>
+                    </a:lnR>
+                    <a:lnT w="12700" cmpd="sng">
+                      <a:solidFill>
+                        <a:schemeClr val="tx1"/>
+                      </a:solidFill>
+                      <a:prstDash val="solid"/>
+                    </a:lnT>
+                    <a:lnB w="12700" cap="flat" cmpd="sng" algn="ctr">
+                      <a:solidFill>
+                        <a:schemeClr val="tx1"/>
+                      </a:solidFill>
+                      <a:prstDash val="solid"/>
+                      <a:round/>
+                      <a:headEnd type="none" w="med" len="med"/>
+                      <a:tailEnd type="none" w="med" len="med"/>
+                    </a:lnB>
+                  </a:tcPr>
                 </a:tc>
                 <a:tc>
                   <a:txBody>
@@ -13541,36 +15001,44 @@
                     <a:lstStyle/>
                     <a:p>
                       <a:pPr algn="ctr"/>
-                      <a:endParaRPr lang="zh-TW" altLang="en-US">
-                        <a:latin typeface="標楷體" panose="03000509000000000000" pitchFamily="65" charset="-120"/>
-                        <a:ea typeface="標楷體" panose="03000509000000000000" pitchFamily="65" charset="-120"/>
-                      </a:endParaRPr>
+                      <a:endParaRPr lang="zh-TW" altLang="en-US"/>
                     </a:p>
                   </a:txBody>
-                  <a:tcPr/>
-                </a:tc>
-                <a:extLst>
-                  <a:ext uri="{0D108BD9-81ED-4DB2-BD59-A6C34878D82A}">
-                    <a16:rowId xmlns:a16="http://schemas.microsoft.com/office/drawing/2014/main" val="197646283"/>
-                  </a:ext>
-                </a:extLst>
-              </a:tr>
-              <a:tr h="500154">
-                <a:tc>
-                  <a:txBody>
-                    <a:bodyPr/>
-                    <a:lstStyle/>
-                    <a:p>
-                      <a:r>
-                        <a:rPr lang="zh-TW" altLang="en-US" dirty="0">
-                          <a:latin typeface="標楷體" panose="03000509000000000000" pitchFamily="65" charset="-120"/>
-                          <a:ea typeface="標楷體" panose="03000509000000000000" pitchFamily="65" charset="-120"/>
-                        </a:rPr>
-                        <a:t>組員之間衝突</a:t>
-                      </a:r>
-                    </a:p>
-                  </a:txBody>
-                  <a:tcPr/>
+                  <a:tcPr>
+                    <a:lnL w="12700" cap="flat" cmpd="sng" algn="ctr">
+                      <a:solidFill>
+                        <a:schemeClr val="tx1"/>
+                      </a:solidFill>
+                      <a:prstDash val="solid"/>
+                      <a:round/>
+                      <a:headEnd type="none" w="med" len="med"/>
+                      <a:tailEnd type="none" w="med" len="med"/>
+                    </a:lnL>
+                    <a:lnR w="12700" cap="flat" cmpd="sng" algn="ctr">
+                      <a:solidFill>
+                        <a:schemeClr val="tx1"/>
+                      </a:solidFill>
+                      <a:prstDash val="solid"/>
+                      <a:round/>
+                      <a:headEnd type="none" w="med" len="med"/>
+                      <a:tailEnd type="none" w="med" len="med"/>
+                    </a:lnR>
+                    <a:lnT w="12700" cmpd="sng">
+                      <a:solidFill>
+                        <a:schemeClr val="tx1"/>
+                      </a:solidFill>
+                      <a:prstDash val="solid"/>
+                    </a:lnT>
+                    <a:lnB w="12700" cap="flat" cmpd="sng" algn="ctr">
+                      <a:solidFill>
+                        <a:schemeClr val="tx1"/>
+                      </a:solidFill>
+                      <a:prstDash val="solid"/>
+                      <a:round/>
+                      <a:headEnd type="none" w="med" len="med"/>
+                      <a:tailEnd type="none" w="med" len="med"/>
+                    </a:lnB>
+                  </a:tcPr>
                 </a:tc>
                 <a:tc>
                   <a:txBody>
@@ -13578,13 +15046,44 @@
                     <a:lstStyle/>
                     <a:p>
                       <a:pPr algn="ctr"/>
-                      <a:endParaRPr lang="zh-TW" altLang="en-US">
-                        <a:latin typeface="標楷體" panose="03000509000000000000" pitchFamily="65" charset="-120"/>
-                        <a:ea typeface="標楷體" panose="03000509000000000000" pitchFamily="65" charset="-120"/>
-                      </a:endParaRPr>
+                      <a:endParaRPr lang="zh-TW" altLang="en-US"/>
                     </a:p>
                   </a:txBody>
-                  <a:tcPr/>
+                  <a:tcPr>
+                    <a:lnL w="12700" cap="flat" cmpd="sng" algn="ctr">
+                      <a:solidFill>
+                        <a:schemeClr val="tx1"/>
+                      </a:solidFill>
+                      <a:prstDash val="solid"/>
+                      <a:round/>
+                      <a:headEnd type="none" w="med" len="med"/>
+                      <a:tailEnd type="none" w="med" len="med"/>
+                    </a:lnL>
+                    <a:lnR w="12700" cap="flat" cmpd="sng" algn="ctr">
+                      <a:solidFill>
+                        <a:schemeClr val="tx1"/>
+                      </a:solidFill>
+                      <a:prstDash val="solid"/>
+                      <a:round/>
+                      <a:headEnd type="none" w="med" len="med"/>
+                      <a:tailEnd type="none" w="med" len="med"/>
+                    </a:lnR>
+                    <a:lnT w="12700" cmpd="sng">
+                      <a:solidFill>
+                        <a:schemeClr val="tx1"/>
+                      </a:solidFill>
+                      <a:prstDash val="solid"/>
+                    </a:lnT>
+                    <a:lnB w="12700" cap="flat" cmpd="sng" algn="ctr">
+                      <a:solidFill>
+                        <a:schemeClr val="tx1"/>
+                      </a:solidFill>
+                      <a:prstDash val="solid"/>
+                      <a:round/>
+                      <a:headEnd type="none" w="med" len="med"/>
+                      <a:tailEnd type="none" w="med" len="med"/>
+                    </a:lnB>
+                  </a:tcPr>
                 </a:tc>
                 <a:tc>
                   <a:txBody>
@@ -13592,20 +15091,44 @@
                     <a:lstStyle/>
                     <a:p>
                       <a:pPr algn="ctr"/>
-                      <a:r>
-                        <a:rPr lang="en-US" altLang="zh-TW" dirty="0">
-                          <a:latin typeface="標楷體" panose="03000509000000000000" pitchFamily="65" charset="-120"/>
-                          <a:ea typeface="標楷體" panose="03000509000000000000" pitchFamily="65" charset="-120"/>
-                        </a:rPr>
-                        <a:t>o</a:t>
-                      </a:r>
-                      <a:endParaRPr lang="zh-TW" altLang="en-US" dirty="0">
-                        <a:latin typeface="標楷體" panose="03000509000000000000" pitchFamily="65" charset="-120"/>
-                        <a:ea typeface="標楷體" panose="03000509000000000000" pitchFamily="65" charset="-120"/>
-                      </a:endParaRPr>
+                      <a:endParaRPr lang="zh-TW" altLang="en-US"/>
                     </a:p>
                   </a:txBody>
-                  <a:tcPr/>
+                  <a:tcPr>
+                    <a:lnL w="12700" cap="flat" cmpd="sng" algn="ctr">
+                      <a:solidFill>
+                        <a:schemeClr val="tx1"/>
+                      </a:solidFill>
+                      <a:prstDash val="solid"/>
+                      <a:round/>
+                      <a:headEnd type="none" w="med" len="med"/>
+                      <a:tailEnd type="none" w="med" len="med"/>
+                    </a:lnL>
+                    <a:lnR w="12700" cap="flat" cmpd="sng" algn="ctr">
+                      <a:solidFill>
+                        <a:schemeClr val="tx1"/>
+                      </a:solidFill>
+                      <a:prstDash val="solid"/>
+                      <a:round/>
+                      <a:headEnd type="none" w="med" len="med"/>
+                      <a:tailEnd type="none" w="med" len="med"/>
+                    </a:lnR>
+                    <a:lnT w="12700" cmpd="sng">
+                      <a:solidFill>
+                        <a:schemeClr val="tx1"/>
+                      </a:solidFill>
+                      <a:prstDash val="solid"/>
+                    </a:lnT>
+                    <a:lnB w="12700" cap="flat" cmpd="sng" algn="ctr">
+                      <a:solidFill>
+                        <a:schemeClr val="tx1"/>
+                      </a:solidFill>
+                      <a:prstDash val="solid"/>
+                      <a:round/>
+                      <a:headEnd type="none" w="med" len="med"/>
+                      <a:tailEnd type="none" w="med" len="med"/>
+                    </a:lnB>
+                  </a:tcPr>
                 </a:tc>
                 <a:tc>
                   <a:txBody>
@@ -13613,13 +15136,169 @@
                     <a:lstStyle/>
                     <a:p>
                       <a:pPr algn="ctr"/>
-                      <a:endParaRPr lang="zh-TW" altLang="en-US" dirty="0">
-                        <a:latin typeface="標楷體" panose="03000509000000000000" pitchFamily="65" charset="-120"/>
-                        <a:ea typeface="標楷體" panose="03000509000000000000" pitchFamily="65" charset="-120"/>
-                      </a:endParaRPr>
+                      <a:endParaRPr lang="zh-TW" altLang="en-US" dirty="0"/>
                     </a:p>
                   </a:txBody>
-                  <a:tcPr/>
+                  <a:tcPr>
+                    <a:lnL w="12700" cap="flat" cmpd="sng" algn="ctr">
+                      <a:solidFill>
+                        <a:schemeClr val="tx1"/>
+                      </a:solidFill>
+                      <a:prstDash val="solid"/>
+                      <a:round/>
+                      <a:headEnd type="none" w="med" len="med"/>
+                      <a:tailEnd type="none" w="med" len="med"/>
+                    </a:lnL>
+                    <a:lnR w="12700" cmpd="sng">
+                      <a:solidFill>
+                        <a:schemeClr val="tx1"/>
+                      </a:solidFill>
+                      <a:prstDash val="solid"/>
+                    </a:lnR>
+                    <a:lnT w="12700" cmpd="sng">
+                      <a:solidFill>
+                        <a:schemeClr val="tx1"/>
+                      </a:solidFill>
+                      <a:prstDash val="solid"/>
+                    </a:lnT>
+                    <a:lnB w="12700" cap="flat" cmpd="sng" algn="ctr">
+                      <a:solidFill>
+                        <a:schemeClr val="tx1"/>
+                      </a:solidFill>
+                      <a:prstDash val="solid"/>
+                      <a:round/>
+                      <a:headEnd type="none" w="med" len="med"/>
+                      <a:tailEnd type="none" w="med" len="med"/>
+                    </a:lnB>
+                  </a:tcPr>
+                </a:tc>
+                <a:extLst>
+                  <a:ext uri="{0D108BD9-81ED-4DB2-BD59-A6C34878D82A}">
+                    <a16:rowId xmlns:a16="http://schemas.microsoft.com/office/drawing/2014/main" val="1741018727"/>
+                  </a:ext>
+                </a:extLst>
+              </a:tr>
+              <a:tr h="206227">
+                <a:tc>
+                  <a:txBody>
+                    <a:bodyPr/>
+                    <a:lstStyle/>
+                    <a:p>
+                      <a:pPr algn="ctr"/>
+                      <a:endParaRPr lang="zh-TW" altLang="en-US" dirty="0"/>
+                    </a:p>
+                  </a:txBody>
+                  <a:tcPr>
+                    <a:lnL w="12700" cap="flat" cmpd="sng" algn="ctr">
+                      <a:solidFill>
+                        <a:schemeClr val="tx1"/>
+                      </a:solidFill>
+                      <a:prstDash val="solid"/>
+                      <a:round/>
+                      <a:headEnd type="none" w="med" len="med"/>
+                      <a:tailEnd type="none" w="med" len="med"/>
+                    </a:lnL>
+                    <a:lnR w="12700" cap="flat" cmpd="sng" algn="ctr">
+                      <a:solidFill>
+                        <a:schemeClr val="tx1"/>
+                      </a:solidFill>
+                      <a:prstDash val="solid"/>
+                      <a:round/>
+                      <a:headEnd type="none" w="med" len="med"/>
+                      <a:tailEnd type="none" w="med" len="med"/>
+                    </a:lnR>
+                    <a:lnT w="12700" cap="flat" cmpd="sng" algn="ctr">
+                      <a:noFill/>
+                      <a:prstDash val="solid"/>
+                      <a:round/>
+                      <a:headEnd type="none" w="med" len="med"/>
+                      <a:tailEnd type="none" w="med" len="med"/>
+                    </a:lnT>
+                    <a:lnB w="12700" cap="flat" cmpd="sng" algn="ctr">
+                      <a:noFill/>
+                      <a:prstDash val="solid"/>
+                      <a:round/>
+                      <a:headEnd type="none" w="med" len="med"/>
+                      <a:tailEnd type="none" w="med" len="med"/>
+                    </a:lnB>
+                    <a:lnTlToBr w="12700" cmpd="sng">
+                      <a:noFill/>
+                      <a:prstDash val="solid"/>
+                    </a:lnTlToBr>
+                    <a:lnBlToTr w="12700" cmpd="sng">
+                      <a:noFill/>
+                      <a:prstDash val="solid"/>
+                    </a:lnBlToTr>
+                  </a:tcPr>
+                </a:tc>
+                <a:tc>
+                  <a:txBody>
+                    <a:bodyPr/>
+                    <a:lstStyle/>
+                    <a:p>
+                      <a:pPr marL="0" marR="0" lvl="0" indent="0" algn="ctr" defTabSz="914126" rtl="0" eaLnBrk="1" fontAlgn="auto" latinLnBrk="0" hangingPunct="1">
+                        <a:lnSpc>
+                          <a:spcPct val="100000"/>
+                        </a:lnSpc>
+                        <a:spcBef>
+                          <a:spcPts val="0"/>
+                        </a:spcBef>
+                        <a:spcAft>
+                          <a:spcPts val="0"/>
+                        </a:spcAft>
+                        <a:buClrTx/>
+                        <a:buSzTx/>
+                        <a:buFontTx/>
+                        <a:buNone/>
+                        <a:tabLst/>
+                        <a:defRPr/>
+                      </a:pPr>
+                      <a:r>
+                        <a:rPr lang="zh-TW" altLang="en-US" dirty="0"/>
+                        <a:t>分工定義不明確</a:t>
+                      </a:r>
+                    </a:p>
+                  </a:txBody>
+                  <a:tcPr>
+                    <a:lnL w="12700" cap="flat" cmpd="sng" algn="ctr">
+                      <a:solidFill>
+                        <a:schemeClr val="tx1"/>
+                      </a:solidFill>
+                      <a:prstDash val="solid"/>
+                      <a:round/>
+                      <a:headEnd type="none" w="med" len="med"/>
+                      <a:tailEnd type="none" w="med" len="med"/>
+                    </a:lnL>
+                    <a:lnR w="12700" cap="flat" cmpd="sng" algn="ctr">
+                      <a:solidFill>
+                        <a:schemeClr val="tx1"/>
+                      </a:solidFill>
+                      <a:prstDash val="solid"/>
+                      <a:round/>
+                      <a:headEnd type="none" w="med" len="med"/>
+                      <a:tailEnd type="none" w="med" len="med"/>
+                    </a:lnR>
+                    <a:lnT w="12700" cmpd="sng">
+                      <a:solidFill>
+                        <a:schemeClr val="tx1"/>
+                      </a:solidFill>
+                      <a:prstDash val="solid"/>
+                    </a:lnT>
+                    <a:lnB w="12700" cap="flat" cmpd="sng" algn="ctr">
+                      <a:solidFill>
+                        <a:schemeClr val="tx1"/>
+                      </a:solidFill>
+                      <a:prstDash val="solid"/>
+                      <a:round/>
+                      <a:headEnd type="none" w="med" len="med"/>
+                      <a:tailEnd type="none" w="med" len="med"/>
+                    </a:lnB>
+                    <a:solidFill>
+                      <a:srgbClr val="D4EAF3">
+                        <a:alpha val="50196"/>
+                      </a:srgbClr>
+                    </a:solidFill>
+                  </a:tcPr>
                 </a:tc>
                 <a:tc>
                   <a:txBody>
@@ -13627,13 +15306,49 @@
                     <a:lstStyle/>
                     <a:p>
                       <a:pPr algn="ctr"/>
-                      <a:endParaRPr lang="zh-TW" altLang="en-US">
-                        <a:latin typeface="標楷體" panose="03000509000000000000" pitchFamily="65" charset="-120"/>
-                        <a:ea typeface="標楷體" panose="03000509000000000000" pitchFamily="65" charset="-120"/>
-                      </a:endParaRPr>
+                      <a:endParaRPr lang="zh-TW" altLang="en-US" dirty="0"/>
                     </a:p>
                   </a:txBody>
-                  <a:tcPr/>
+                  <a:tcPr>
+                    <a:lnL w="12700" cap="flat" cmpd="sng" algn="ctr">
+                      <a:solidFill>
+                        <a:schemeClr val="tx1"/>
+                      </a:solidFill>
+                      <a:prstDash val="solid"/>
+                      <a:round/>
+                      <a:headEnd type="none" w="med" len="med"/>
+                      <a:tailEnd type="none" w="med" len="med"/>
+                    </a:lnL>
+                    <a:lnR w="12700" cap="flat" cmpd="sng" algn="ctr">
+                      <a:solidFill>
+                        <a:schemeClr val="tx1"/>
+                      </a:solidFill>
+                      <a:prstDash val="solid"/>
+                      <a:round/>
+                      <a:headEnd type="none" w="med" len="med"/>
+                      <a:tailEnd type="none" w="med" len="med"/>
+                    </a:lnR>
+                    <a:lnT w="12700" cmpd="sng">
+                      <a:solidFill>
+                        <a:schemeClr val="tx1"/>
+                      </a:solidFill>
+                      <a:prstDash val="solid"/>
+                    </a:lnT>
+                    <a:lnB w="12700" cap="flat" cmpd="sng" algn="ctr">
+                      <a:solidFill>
+                        <a:schemeClr val="tx1"/>
+                      </a:solidFill>
+                      <a:prstDash val="solid"/>
+                      <a:round/>
+                      <a:headEnd type="none" w="med" len="med"/>
+                      <a:tailEnd type="none" w="med" len="med"/>
+                    </a:lnB>
+                    <a:solidFill>
+                      <a:srgbClr val="D4EAF3">
+                        <a:alpha val="50196"/>
+                      </a:srgbClr>
+                    </a:solidFill>
+                  </a:tcPr>
                 </a:tc>
                 <a:tc>
                   <a:txBody>
@@ -13641,36 +15356,49 @@
                     <a:lstStyle/>
                     <a:p>
                       <a:pPr algn="ctr"/>
-                      <a:endParaRPr lang="zh-TW" altLang="en-US">
-                        <a:latin typeface="標楷體" panose="03000509000000000000" pitchFamily="65" charset="-120"/>
-                        <a:ea typeface="標楷體" panose="03000509000000000000" pitchFamily="65" charset="-120"/>
-                      </a:endParaRPr>
+                      <a:endParaRPr lang="zh-TW" altLang="en-US" dirty="0"/>
                     </a:p>
                   </a:txBody>
-                  <a:tcPr/>
-                </a:tc>
-                <a:extLst>
-                  <a:ext uri="{0D108BD9-81ED-4DB2-BD59-A6C34878D82A}">
-                    <a16:rowId xmlns:a16="http://schemas.microsoft.com/office/drawing/2014/main" val="366495092"/>
-                  </a:ext>
-                </a:extLst>
-              </a:tr>
-              <a:tr h="500154">
-                <a:tc>
-                  <a:txBody>
-                    <a:bodyPr/>
-                    <a:lstStyle/>
-                    <a:p>
-                      <a:r>
-                        <a:rPr lang="zh-TW" altLang="en-US" dirty="0">
-                          <a:latin typeface="標楷體" panose="03000509000000000000" pitchFamily="65" charset="-120"/>
-                          <a:ea typeface="標楷體" panose="03000509000000000000" pitchFamily="65" charset="-120"/>
-                        </a:rPr>
-                        <a:t>組員工作態度不佳</a:t>
-                      </a:r>
-                    </a:p>
-                  </a:txBody>
-                  <a:tcPr/>
+                  <a:tcPr>
+                    <a:lnL w="12700" cap="flat" cmpd="sng" algn="ctr">
+                      <a:solidFill>
+                        <a:schemeClr val="tx1"/>
+                      </a:solidFill>
+                      <a:prstDash val="solid"/>
+                      <a:round/>
+                      <a:headEnd type="none" w="med" len="med"/>
+                      <a:tailEnd type="none" w="med" len="med"/>
+                    </a:lnL>
+                    <a:lnR w="12700" cap="flat" cmpd="sng" algn="ctr">
+                      <a:solidFill>
+                        <a:schemeClr val="tx1"/>
+                      </a:solidFill>
+                      <a:prstDash val="solid"/>
+                      <a:round/>
+                      <a:headEnd type="none" w="med" len="med"/>
+                      <a:tailEnd type="none" w="med" len="med"/>
+                    </a:lnR>
+                    <a:lnT w="12700" cmpd="sng">
+                      <a:solidFill>
+                        <a:schemeClr val="tx1"/>
+                      </a:solidFill>
+                      <a:prstDash val="solid"/>
+                    </a:lnT>
+                    <a:lnB w="12700" cap="flat" cmpd="sng" algn="ctr">
+                      <a:solidFill>
+                        <a:schemeClr val="tx1"/>
+                      </a:solidFill>
+                      <a:prstDash val="solid"/>
+                      <a:round/>
+                      <a:headEnd type="none" w="med" len="med"/>
+                      <a:tailEnd type="none" w="med" len="med"/>
+                    </a:lnB>
+                    <a:solidFill>
+                      <a:srgbClr val="D4EAF3">
+                        <a:alpha val="50196"/>
+                      </a:srgbClr>
+                    </a:solidFill>
+                  </a:tcPr>
                 </a:tc>
                 <a:tc>
                   <a:txBody>
@@ -13678,13 +15406,49 @@
                     <a:lstStyle/>
                     <a:p>
                       <a:pPr algn="ctr"/>
-                      <a:endParaRPr lang="zh-TW" altLang="en-US">
-                        <a:latin typeface="標楷體" panose="03000509000000000000" pitchFamily="65" charset="-120"/>
-                        <a:ea typeface="標楷體" panose="03000509000000000000" pitchFamily="65" charset="-120"/>
-                      </a:endParaRPr>
+                      <a:endParaRPr lang="zh-TW" altLang="en-US" dirty="0"/>
                     </a:p>
                   </a:txBody>
-                  <a:tcPr/>
+                  <a:tcPr>
+                    <a:lnL w="12700" cap="flat" cmpd="sng" algn="ctr">
+                      <a:solidFill>
+                        <a:schemeClr val="tx1"/>
+                      </a:solidFill>
+                      <a:prstDash val="solid"/>
+                      <a:round/>
+                      <a:headEnd type="none" w="med" len="med"/>
+                      <a:tailEnd type="none" w="med" len="med"/>
+                    </a:lnL>
+                    <a:lnR w="12700" cap="flat" cmpd="sng" algn="ctr">
+                      <a:solidFill>
+                        <a:schemeClr val="tx1"/>
+                      </a:solidFill>
+                      <a:prstDash val="solid"/>
+                      <a:round/>
+                      <a:headEnd type="none" w="med" len="med"/>
+                      <a:tailEnd type="none" w="med" len="med"/>
+                    </a:lnR>
+                    <a:lnT w="12700" cmpd="sng">
+                      <a:solidFill>
+                        <a:schemeClr val="tx1"/>
+                      </a:solidFill>
+                      <a:prstDash val="solid"/>
+                    </a:lnT>
+                    <a:lnB w="12700" cap="flat" cmpd="sng" algn="ctr">
+                      <a:solidFill>
+                        <a:schemeClr val="tx1"/>
+                      </a:solidFill>
+                      <a:prstDash val="solid"/>
+                      <a:round/>
+                      <a:headEnd type="none" w="med" len="med"/>
+                      <a:tailEnd type="none" w="med" len="med"/>
+                    </a:lnB>
+                    <a:solidFill>
+                      <a:srgbClr val="D4EAF3">
+                        <a:alpha val="50196"/>
+                      </a:srgbClr>
+                    </a:solidFill>
+                  </a:tcPr>
                 </a:tc>
                 <a:tc>
                   <a:txBody>
@@ -13692,13 +15456,49 @@
                     <a:lstStyle/>
                     <a:p>
                       <a:pPr algn="ctr"/>
-                      <a:endParaRPr lang="zh-TW" altLang="en-US">
-                        <a:latin typeface="標楷體" panose="03000509000000000000" pitchFamily="65" charset="-120"/>
-                        <a:ea typeface="標楷體" panose="03000509000000000000" pitchFamily="65" charset="-120"/>
-                      </a:endParaRPr>
+                      <a:endParaRPr lang="zh-TW" altLang="en-US" dirty="0"/>
                     </a:p>
                   </a:txBody>
-                  <a:tcPr/>
+                  <a:tcPr>
+                    <a:lnL w="12700" cap="flat" cmpd="sng" algn="ctr">
+                      <a:solidFill>
+                        <a:schemeClr val="tx1"/>
+                      </a:solidFill>
+                      <a:prstDash val="solid"/>
+                      <a:round/>
+                      <a:headEnd type="none" w="med" len="med"/>
+                      <a:tailEnd type="none" w="med" len="med"/>
+                    </a:lnL>
+                    <a:lnR w="12700" cap="flat" cmpd="sng" algn="ctr">
+                      <a:solidFill>
+                        <a:schemeClr val="tx1"/>
+                      </a:solidFill>
+                      <a:prstDash val="solid"/>
+                      <a:round/>
+                      <a:headEnd type="none" w="med" len="med"/>
+                      <a:tailEnd type="none" w="med" len="med"/>
+                    </a:lnR>
+                    <a:lnT w="12700" cmpd="sng">
+                      <a:solidFill>
+                        <a:schemeClr val="tx1"/>
+                      </a:solidFill>
+                      <a:prstDash val="solid"/>
+                    </a:lnT>
+                    <a:lnB w="12700" cap="flat" cmpd="sng" algn="ctr">
+                      <a:solidFill>
+                        <a:schemeClr val="tx1"/>
+                      </a:solidFill>
+                      <a:prstDash val="solid"/>
+                      <a:round/>
+                      <a:headEnd type="none" w="med" len="med"/>
+                      <a:tailEnd type="none" w="med" len="med"/>
+                    </a:lnB>
+                    <a:solidFill>
+                      <a:srgbClr val="D4EAF3">
+                        <a:alpha val="50196"/>
+                      </a:srgbClr>
+                    </a:solidFill>
+                  </a:tcPr>
                 </a:tc>
                 <a:tc>
                   <a:txBody>
@@ -13706,13 +15506,169 @@
                     <a:lstStyle/>
                     <a:p>
                       <a:pPr algn="ctr"/>
-                      <a:endParaRPr lang="zh-TW" altLang="en-US" dirty="0">
-                        <a:latin typeface="標楷體" panose="03000509000000000000" pitchFamily="65" charset="-120"/>
-                        <a:ea typeface="標楷體" panose="03000509000000000000" pitchFamily="65" charset="-120"/>
-                      </a:endParaRPr>
+                      <a:endParaRPr lang="zh-TW" altLang="en-US" dirty="0"/>
                     </a:p>
                   </a:txBody>
-                  <a:tcPr/>
+                  <a:tcPr>
+                    <a:lnL w="12700" cap="flat" cmpd="sng" algn="ctr">
+                      <a:solidFill>
+                        <a:schemeClr val="tx1"/>
+                      </a:solidFill>
+                      <a:prstDash val="solid"/>
+                      <a:round/>
+                      <a:headEnd type="none" w="med" len="med"/>
+                      <a:tailEnd type="none" w="med" len="med"/>
+                    </a:lnL>
+                    <a:lnR w="12700" cmpd="sng">
+                      <a:solidFill>
+                        <a:schemeClr val="tx1"/>
+                      </a:solidFill>
+                      <a:prstDash val="solid"/>
+                    </a:lnR>
+                    <a:lnT w="12700" cmpd="sng">
+                      <a:solidFill>
+                        <a:schemeClr val="tx1"/>
+                      </a:solidFill>
+                      <a:prstDash val="solid"/>
+                    </a:lnT>
+                    <a:lnB w="12700" cap="flat" cmpd="sng" algn="ctr">
+                      <a:solidFill>
+                        <a:schemeClr val="tx1"/>
+                      </a:solidFill>
+                      <a:prstDash val="solid"/>
+                      <a:round/>
+                      <a:headEnd type="none" w="med" len="med"/>
+                      <a:tailEnd type="none" w="med" len="med"/>
+                    </a:lnB>
+                    <a:solidFill>
+                      <a:srgbClr val="D4EAF3">
+                        <a:alpha val="50196"/>
+                      </a:srgbClr>
+                    </a:solidFill>
+                  </a:tcPr>
+                </a:tc>
+                <a:extLst>
+                  <a:ext uri="{0D108BD9-81ED-4DB2-BD59-A6C34878D82A}">
+                    <a16:rowId xmlns:a16="http://schemas.microsoft.com/office/drawing/2014/main" val="2610156937"/>
+                  </a:ext>
+                </a:extLst>
+              </a:tr>
+              <a:tr h="206227">
+                <a:tc>
+                  <a:txBody>
+                    <a:bodyPr/>
+                    <a:lstStyle/>
+                    <a:p>
+                      <a:pPr algn="ctr"/>
+                      <a:endParaRPr lang="zh-TW" altLang="en-US" dirty="0"/>
+                    </a:p>
+                  </a:txBody>
+                  <a:tcPr>
+                    <a:lnL w="12700" cap="flat" cmpd="sng" algn="ctr">
+                      <a:solidFill>
+                        <a:schemeClr val="tx1"/>
+                      </a:solidFill>
+                      <a:prstDash val="solid"/>
+                      <a:round/>
+                      <a:headEnd type="none" w="med" len="med"/>
+                      <a:tailEnd type="none" w="med" len="med"/>
+                    </a:lnL>
+                    <a:lnR w="12700" cap="flat" cmpd="sng" algn="ctr">
+                      <a:solidFill>
+                        <a:schemeClr val="tx1"/>
+                      </a:solidFill>
+                      <a:prstDash val="solid"/>
+                      <a:round/>
+                      <a:headEnd type="none" w="med" len="med"/>
+                      <a:tailEnd type="none" w="med" len="med"/>
+                    </a:lnR>
+                    <a:lnT w="12700" cap="flat" cmpd="sng" algn="ctr">
+                      <a:noFill/>
+                      <a:prstDash val="solid"/>
+                      <a:round/>
+                      <a:headEnd type="none" w="med" len="med"/>
+                      <a:tailEnd type="none" w="med" len="med"/>
+                    </a:lnT>
+                    <a:lnB w="12700" cap="flat" cmpd="sng" algn="ctr">
+                      <a:noFill/>
+                      <a:prstDash val="solid"/>
+                      <a:round/>
+                      <a:headEnd type="none" w="med" len="med"/>
+                      <a:tailEnd type="none" w="med" len="med"/>
+                    </a:lnB>
+                    <a:lnTlToBr w="12700" cmpd="sng">
+                      <a:noFill/>
+                      <a:prstDash val="solid"/>
+                    </a:lnTlToBr>
+                    <a:lnBlToTr w="12700" cmpd="sng">
+                      <a:noFill/>
+                      <a:prstDash val="solid"/>
+                    </a:lnBlToTr>
+                  </a:tcPr>
+                </a:tc>
+                <a:tc>
+                  <a:txBody>
+                    <a:bodyPr/>
+                    <a:lstStyle/>
+                    <a:p>
+                      <a:pPr marL="0" marR="0" lvl="0" indent="0" algn="ctr" defTabSz="914126" rtl="0" eaLnBrk="1" fontAlgn="auto" latinLnBrk="0" hangingPunct="1">
+                        <a:lnSpc>
+                          <a:spcPct val="100000"/>
+                        </a:lnSpc>
+                        <a:spcBef>
+                          <a:spcPts val="0"/>
+                        </a:spcBef>
+                        <a:spcAft>
+                          <a:spcPts val="0"/>
+                        </a:spcAft>
+                        <a:buClrTx/>
+                        <a:buSzTx/>
+                        <a:buFontTx/>
+                        <a:buNone/>
+                        <a:tabLst/>
+                        <a:defRPr/>
+                      </a:pPr>
+                      <a:r>
+                        <a:rPr lang="zh-TW" altLang="en-US" dirty="0"/>
+                        <a:t>小組成員衝突</a:t>
+                      </a:r>
+                    </a:p>
+                  </a:txBody>
+                  <a:tcPr>
+                    <a:lnL w="12700" cap="flat" cmpd="sng" algn="ctr">
+                      <a:solidFill>
+                        <a:schemeClr val="tx1"/>
+                      </a:solidFill>
+                      <a:prstDash val="solid"/>
+                      <a:round/>
+                      <a:headEnd type="none" w="med" len="med"/>
+                      <a:tailEnd type="none" w="med" len="med"/>
+                    </a:lnL>
+                    <a:lnR w="12700" cap="flat" cmpd="sng" algn="ctr">
+                      <a:solidFill>
+                        <a:schemeClr val="tx1"/>
+                      </a:solidFill>
+                      <a:prstDash val="solid"/>
+                      <a:round/>
+                      <a:headEnd type="none" w="med" len="med"/>
+                      <a:tailEnd type="none" w="med" len="med"/>
+                    </a:lnR>
+                    <a:lnT w="12700" cmpd="sng">
+                      <a:solidFill>
+                        <a:schemeClr val="tx1"/>
+                      </a:solidFill>
+                      <a:prstDash val="solid"/>
+                    </a:lnT>
+                    <a:lnB w="12700" cap="flat" cmpd="sng" algn="ctr">
+                      <a:solidFill>
+                        <a:schemeClr val="tx1"/>
+                      </a:solidFill>
+                      <a:prstDash val="solid"/>
+                      <a:round/>
+                      <a:headEnd type="none" w="med" len="med"/>
+                      <a:tailEnd type="none" w="med" len="med"/>
+                    </a:lnB>
+                  </a:tcPr>
                 </a:tc>
                 <a:tc>
                   <a:txBody>
@@ -13720,13 +15676,44 @@
                     <a:lstStyle/>
                     <a:p>
                       <a:pPr algn="ctr"/>
-                      <a:endParaRPr lang="zh-TW" altLang="en-US" dirty="0">
-                        <a:latin typeface="標楷體" panose="03000509000000000000" pitchFamily="65" charset="-120"/>
-                        <a:ea typeface="標楷體" panose="03000509000000000000" pitchFamily="65" charset="-120"/>
-                      </a:endParaRPr>
+                      <a:endParaRPr lang="zh-TW" altLang="en-US" dirty="0"/>
                     </a:p>
                   </a:txBody>
-                  <a:tcPr/>
+                  <a:tcPr>
+                    <a:lnL w="12700" cap="flat" cmpd="sng" algn="ctr">
+                      <a:solidFill>
+                        <a:schemeClr val="tx1"/>
+                      </a:solidFill>
+                      <a:prstDash val="solid"/>
+                      <a:round/>
+                      <a:headEnd type="none" w="med" len="med"/>
+                      <a:tailEnd type="none" w="med" len="med"/>
+                    </a:lnL>
+                    <a:lnR w="12700" cap="flat" cmpd="sng" algn="ctr">
+                      <a:solidFill>
+                        <a:schemeClr val="tx1"/>
+                      </a:solidFill>
+                      <a:prstDash val="solid"/>
+                      <a:round/>
+                      <a:headEnd type="none" w="med" len="med"/>
+                      <a:tailEnd type="none" w="med" len="med"/>
+                    </a:lnR>
+                    <a:lnT w="12700" cmpd="sng">
+                      <a:solidFill>
+                        <a:schemeClr val="tx1"/>
+                      </a:solidFill>
+                      <a:prstDash val="solid"/>
+                    </a:lnT>
+                    <a:lnB w="12700" cap="flat" cmpd="sng" algn="ctr">
+                      <a:solidFill>
+                        <a:schemeClr val="tx1"/>
+                      </a:solidFill>
+                      <a:prstDash val="solid"/>
+                      <a:round/>
+                      <a:headEnd type="none" w="med" len="med"/>
+                      <a:tailEnd type="none" w="med" len="med"/>
+                    </a:lnB>
+                  </a:tcPr>
                 </a:tc>
                 <a:tc>
                   <a:txBody>
@@ -13734,43 +15721,44 @@
                     <a:lstStyle/>
                     <a:p>
                       <a:pPr algn="ctr"/>
-                      <a:r>
-                        <a:rPr lang="en-US" altLang="zh-TW" dirty="0">
-                          <a:latin typeface="標楷體" panose="03000509000000000000" pitchFamily="65" charset="-120"/>
-                          <a:ea typeface="標楷體" panose="03000509000000000000" pitchFamily="65" charset="-120"/>
-                        </a:rPr>
-                        <a:t>o</a:t>
-                      </a:r>
-                      <a:endParaRPr lang="zh-TW" altLang="en-US" dirty="0">
-                        <a:latin typeface="標楷體" panose="03000509000000000000" pitchFamily="65" charset="-120"/>
-                        <a:ea typeface="標楷體" panose="03000509000000000000" pitchFamily="65" charset="-120"/>
-                      </a:endParaRPr>
+                      <a:endParaRPr lang="zh-TW" altLang="en-US" dirty="0"/>
                     </a:p>
                   </a:txBody>
-                  <a:tcPr/>
-                </a:tc>
-                <a:extLst>
-                  <a:ext uri="{0D108BD9-81ED-4DB2-BD59-A6C34878D82A}">
-                    <a16:rowId xmlns:a16="http://schemas.microsoft.com/office/drawing/2014/main" val="3583338361"/>
-                  </a:ext>
-                </a:extLst>
-              </a:tr>
-              <a:tr h="500154">
-                <a:tc>
-                  <a:txBody>
-                    <a:bodyPr/>
-                    <a:lstStyle/>
-                    <a:p>
-                      <a:r>
-                        <a:rPr lang="zh-TW" altLang="en-US" dirty="0">
-                          <a:latin typeface="標楷體" panose="03000509000000000000" pitchFamily="65" charset="-120"/>
-                          <a:ea typeface="標楷體" panose="03000509000000000000" pitchFamily="65" charset="-120"/>
-                        </a:rPr>
-                        <a:t>組長缺乏管理能力</a:t>
-                      </a:r>
-                    </a:p>
-                  </a:txBody>
-                  <a:tcPr/>
+                  <a:tcPr>
+                    <a:lnL w="12700" cap="flat" cmpd="sng" algn="ctr">
+                      <a:solidFill>
+                        <a:schemeClr val="tx1"/>
+                      </a:solidFill>
+                      <a:prstDash val="solid"/>
+                      <a:round/>
+                      <a:headEnd type="none" w="med" len="med"/>
+                      <a:tailEnd type="none" w="med" len="med"/>
+                    </a:lnL>
+                    <a:lnR w="12700" cap="flat" cmpd="sng" algn="ctr">
+                      <a:solidFill>
+                        <a:schemeClr val="tx1"/>
+                      </a:solidFill>
+                      <a:prstDash val="solid"/>
+                      <a:round/>
+                      <a:headEnd type="none" w="med" len="med"/>
+                      <a:tailEnd type="none" w="med" len="med"/>
+                    </a:lnR>
+                    <a:lnT w="12700" cmpd="sng">
+                      <a:solidFill>
+                        <a:schemeClr val="tx1"/>
+                      </a:solidFill>
+                      <a:prstDash val="solid"/>
+                    </a:lnT>
+                    <a:lnB w="12700" cap="flat" cmpd="sng" algn="ctr">
+                      <a:solidFill>
+                        <a:schemeClr val="tx1"/>
+                      </a:solidFill>
+                      <a:prstDash val="solid"/>
+                      <a:round/>
+                      <a:headEnd type="none" w="med" len="med"/>
+                      <a:tailEnd type="none" w="med" len="med"/>
+                    </a:lnB>
+                  </a:tcPr>
                 </a:tc>
                 <a:tc>
                   <a:txBody>
@@ -13778,13 +15766,44 @@
                     <a:lstStyle/>
                     <a:p>
                       <a:pPr algn="ctr"/>
-                      <a:endParaRPr lang="zh-TW" altLang="en-US">
-                        <a:latin typeface="標楷體" panose="03000509000000000000" pitchFamily="65" charset="-120"/>
-                        <a:ea typeface="標楷體" panose="03000509000000000000" pitchFamily="65" charset="-120"/>
-                      </a:endParaRPr>
+                      <a:endParaRPr lang="zh-TW" altLang="en-US" dirty="0"/>
                     </a:p>
                   </a:txBody>
-                  <a:tcPr/>
+                  <a:tcPr>
+                    <a:lnL w="12700" cap="flat" cmpd="sng" algn="ctr">
+                      <a:solidFill>
+                        <a:schemeClr val="tx1"/>
+                      </a:solidFill>
+                      <a:prstDash val="solid"/>
+                      <a:round/>
+                      <a:headEnd type="none" w="med" len="med"/>
+                      <a:tailEnd type="none" w="med" len="med"/>
+                    </a:lnL>
+                    <a:lnR w="12700" cap="flat" cmpd="sng" algn="ctr">
+                      <a:solidFill>
+                        <a:schemeClr val="tx1"/>
+                      </a:solidFill>
+                      <a:prstDash val="solid"/>
+                      <a:round/>
+                      <a:headEnd type="none" w="med" len="med"/>
+                      <a:tailEnd type="none" w="med" len="med"/>
+                    </a:lnR>
+                    <a:lnT w="12700" cmpd="sng">
+                      <a:solidFill>
+                        <a:schemeClr val="tx1"/>
+                      </a:solidFill>
+                      <a:prstDash val="solid"/>
+                    </a:lnT>
+                    <a:lnB w="12700" cap="flat" cmpd="sng" algn="ctr">
+                      <a:solidFill>
+                        <a:schemeClr val="tx1"/>
+                      </a:solidFill>
+                      <a:prstDash val="solid"/>
+                      <a:round/>
+                      <a:headEnd type="none" w="med" len="med"/>
+                      <a:tailEnd type="none" w="med" len="med"/>
+                    </a:lnB>
+                  </a:tcPr>
                 </a:tc>
                 <a:tc>
                   <a:txBody>
@@ -13792,13 +15811,44 @@
                     <a:lstStyle/>
                     <a:p>
                       <a:pPr algn="ctr"/>
-                      <a:endParaRPr lang="zh-TW" altLang="en-US">
-                        <a:latin typeface="標楷體" panose="03000509000000000000" pitchFamily="65" charset="-120"/>
-                        <a:ea typeface="標楷體" panose="03000509000000000000" pitchFamily="65" charset="-120"/>
-                      </a:endParaRPr>
+                      <a:endParaRPr lang="zh-TW" altLang="en-US" dirty="0"/>
                     </a:p>
                   </a:txBody>
-                  <a:tcPr/>
+                  <a:tcPr>
+                    <a:lnL w="12700" cap="flat" cmpd="sng" algn="ctr">
+                      <a:solidFill>
+                        <a:schemeClr val="tx1"/>
+                      </a:solidFill>
+                      <a:prstDash val="solid"/>
+                      <a:round/>
+                      <a:headEnd type="none" w="med" len="med"/>
+                      <a:tailEnd type="none" w="med" len="med"/>
+                    </a:lnL>
+                    <a:lnR w="12700" cap="flat" cmpd="sng" algn="ctr">
+                      <a:solidFill>
+                        <a:schemeClr val="tx1"/>
+                      </a:solidFill>
+                      <a:prstDash val="solid"/>
+                      <a:round/>
+                      <a:headEnd type="none" w="med" len="med"/>
+                      <a:tailEnd type="none" w="med" len="med"/>
+                    </a:lnR>
+                    <a:lnT w="12700" cmpd="sng">
+                      <a:solidFill>
+                        <a:schemeClr val="tx1"/>
+                      </a:solidFill>
+                      <a:prstDash val="solid"/>
+                    </a:lnT>
+                    <a:lnB w="12700" cap="flat" cmpd="sng" algn="ctr">
+                      <a:solidFill>
+                        <a:schemeClr val="tx1"/>
+                      </a:solidFill>
+                      <a:prstDash val="solid"/>
+                      <a:round/>
+                      <a:headEnd type="none" w="med" len="med"/>
+                      <a:tailEnd type="none" w="med" len="med"/>
+                    </a:lnB>
+                  </a:tcPr>
                 </a:tc>
                 <a:tc>
                   <a:txBody>
@@ -13806,13 +15856,168 @@
                     <a:lstStyle/>
                     <a:p>
                       <a:pPr algn="ctr"/>
-                      <a:endParaRPr lang="zh-TW" altLang="en-US">
-                        <a:latin typeface="標楷體" panose="03000509000000000000" pitchFamily="65" charset="-120"/>
-                        <a:ea typeface="標楷體" panose="03000509000000000000" pitchFamily="65" charset="-120"/>
-                      </a:endParaRPr>
+                      <a:endParaRPr lang="zh-TW" altLang="en-US" dirty="0"/>
                     </a:p>
                   </a:txBody>
-                  <a:tcPr/>
+                  <a:tcPr>
+                    <a:lnL w="12700" cap="flat" cmpd="sng" algn="ctr">
+                      <a:solidFill>
+                        <a:schemeClr val="tx1"/>
+                      </a:solidFill>
+                      <a:prstDash val="solid"/>
+                      <a:round/>
+                      <a:headEnd type="none" w="med" len="med"/>
+                      <a:tailEnd type="none" w="med" len="med"/>
+                    </a:lnL>
+                    <a:lnR w="12700" cmpd="sng">
+                      <a:solidFill>
+                        <a:schemeClr val="tx1"/>
+                      </a:solidFill>
+                      <a:prstDash val="solid"/>
+                    </a:lnR>
+                    <a:lnT w="12700" cmpd="sng">
+                      <a:solidFill>
+                        <a:schemeClr val="tx1"/>
+                      </a:solidFill>
+                      <a:prstDash val="solid"/>
+                    </a:lnT>
+                    <a:lnB w="12700" cap="flat" cmpd="sng" algn="ctr">
+                      <a:solidFill>
+                        <a:schemeClr val="tx1"/>
+                      </a:solidFill>
+                      <a:prstDash val="solid"/>
+                      <a:round/>
+                      <a:headEnd type="none" w="med" len="med"/>
+                      <a:tailEnd type="none" w="med" len="med"/>
+                    </a:lnB>
+                  </a:tcPr>
+                </a:tc>
+                <a:extLst>
+                  <a:ext uri="{0D108BD9-81ED-4DB2-BD59-A6C34878D82A}">
+                    <a16:rowId xmlns:a16="http://schemas.microsoft.com/office/drawing/2014/main" val="3414101175"/>
+                  </a:ext>
+                </a:extLst>
+              </a:tr>
+              <a:tr h="206227">
+                <a:tc>
+                  <a:txBody>
+                    <a:bodyPr/>
+                    <a:lstStyle/>
+                    <a:p>
+                      <a:pPr algn="ctr"/>
+                      <a:endParaRPr lang="zh-TW" altLang="en-US" dirty="0"/>
+                    </a:p>
+                  </a:txBody>
+                  <a:tcPr>
+                    <a:lnL w="12700" cap="flat" cmpd="sng" algn="ctr">
+                      <a:solidFill>
+                        <a:schemeClr val="tx1"/>
+                      </a:solidFill>
+                      <a:prstDash val="solid"/>
+                      <a:round/>
+                      <a:headEnd type="none" w="med" len="med"/>
+                      <a:tailEnd type="none" w="med" len="med"/>
+                    </a:lnL>
+                    <a:lnR w="12700" cap="flat" cmpd="sng" algn="ctr">
+                      <a:solidFill>
+                        <a:schemeClr val="tx1"/>
+                      </a:solidFill>
+                      <a:prstDash val="solid"/>
+                      <a:round/>
+                      <a:headEnd type="none" w="med" len="med"/>
+                      <a:tailEnd type="none" w="med" len="med"/>
+                    </a:lnR>
+                    <a:lnT w="12700" cmpd="sng">
+                      <a:noFill/>
+                      <a:prstDash val="solid"/>
+                    </a:lnT>
+                    <a:lnB w="12700" cap="flat" cmpd="sng" algn="ctr">
+                      <a:solidFill>
+                        <a:schemeClr val="tx1"/>
+                      </a:solidFill>
+                      <a:prstDash val="solid"/>
+                      <a:round/>
+                      <a:headEnd type="none" w="med" len="med"/>
+                      <a:tailEnd type="none" w="med" len="med"/>
+                    </a:lnB>
+                    <a:lnTlToBr w="12700" cmpd="sng">
+                      <a:noFill/>
+                      <a:prstDash val="solid"/>
+                    </a:lnTlToBr>
+                    <a:lnBlToTr w="12700" cmpd="sng">
+                      <a:noFill/>
+                      <a:prstDash val="solid"/>
+                    </a:lnBlToTr>
+                  </a:tcPr>
+                </a:tc>
+                <a:tc>
+                  <a:txBody>
+                    <a:bodyPr/>
+                    <a:lstStyle/>
+                    <a:p>
+                      <a:pPr marL="0" marR="0" lvl="0" indent="0" algn="ctr" defTabSz="914126" rtl="0" eaLnBrk="1" fontAlgn="auto" latinLnBrk="0" hangingPunct="1">
+                        <a:lnSpc>
+                          <a:spcPct val="100000"/>
+                        </a:lnSpc>
+                        <a:spcBef>
+                          <a:spcPts val="0"/>
+                        </a:spcBef>
+                        <a:spcAft>
+                          <a:spcPts val="0"/>
+                        </a:spcAft>
+                        <a:buClrTx/>
+                        <a:buSzTx/>
+                        <a:buFontTx/>
+                        <a:buNone/>
+                        <a:tabLst/>
+                        <a:defRPr/>
+                      </a:pPr>
+                      <a:r>
+                        <a:rPr lang="zh-TW" altLang="en-US" dirty="0"/>
+                        <a:t>團隊溝通不良</a:t>
+                      </a:r>
+                    </a:p>
+                  </a:txBody>
+                  <a:tcPr>
+                    <a:lnL w="12700" cap="flat" cmpd="sng" algn="ctr">
+                      <a:solidFill>
+                        <a:schemeClr val="tx1"/>
+                      </a:solidFill>
+                      <a:prstDash val="solid"/>
+                      <a:round/>
+                      <a:headEnd type="none" w="med" len="med"/>
+                      <a:tailEnd type="none" w="med" len="med"/>
+                    </a:lnL>
+                    <a:lnR w="12700" cap="flat" cmpd="sng" algn="ctr">
+                      <a:solidFill>
+                        <a:schemeClr val="tx1"/>
+                      </a:solidFill>
+                      <a:prstDash val="solid"/>
+                      <a:round/>
+                      <a:headEnd type="none" w="med" len="med"/>
+                      <a:tailEnd type="none" w="med" len="med"/>
+                    </a:lnR>
+                    <a:lnT w="12700" cmpd="sng">
+                      <a:solidFill>
+                        <a:schemeClr val="tx1"/>
+                      </a:solidFill>
+                      <a:prstDash val="solid"/>
+                    </a:lnT>
+                    <a:lnB w="12700" cap="flat" cmpd="sng" algn="ctr">
+                      <a:solidFill>
+                        <a:schemeClr val="tx1"/>
+                      </a:solidFill>
+                      <a:prstDash val="solid"/>
+                      <a:round/>
+                      <a:headEnd type="none" w="med" len="med"/>
+                      <a:tailEnd type="none" w="med" len="med"/>
+                    </a:lnB>
+                    <a:solidFill>
+                      <a:srgbClr val="D4EAF3">
+                        <a:alpha val="50196"/>
+                      </a:srgbClr>
+                    </a:solidFill>
+                  </a:tcPr>
                 </a:tc>
                 <a:tc>
                   <a:txBody>
@@ -13820,13 +16025,49 @@
                     <a:lstStyle/>
                     <a:p>
                       <a:pPr algn="ctr"/>
-                      <a:endParaRPr lang="zh-TW" altLang="en-US" dirty="0">
-                        <a:latin typeface="標楷體" panose="03000509000000000000" pitchFamily="65" charset="-120"/>
-                        <a:ea typeface="標楷體" panose="03000509000000000000" pitchFamily="65" charset="-120"/>
-                      </a:endParaRPr>
+                      <a:endParaRPr lang="zh-TW" altLang="en-US" dirty="0"/>
                     </a:p>
                   </a:txBody>
-                  <a:tcPr/>
+                  <a:tcPr>
+                    <a:lnL w="12700" cap="flat" cmpd="sng" algn="ctr">
+                      <a:solidFill>
+                        <a:schemeClr val="tx1"/>
+                      </a:solidFill>
+                      <a:prstDash val="solid"/>
+                      <a:round/>
+                      <a:headEnd type="none" w="med" len="med"/>
+                      <a:tailEnd type="none" w="med" len="med"/>
+                    </a:lnL>
+                    <a:lnR w="12700" cap="flat" cmpd="sng" algn="ctr">
+                      <a:solidFill>
+                        <a:schemeClr val="tx1"/>
+                      </a:solidFill>
+                      <a:prstDash val="solid"/>
+                      <a:round/>
+                      <a:headEnd type="none" w="med" len="med"/>
+                      <a:tailEnd type="none" w="med" len="med"/>
+                    </a:lnR>
+                    <a:lnT w="12700" cmpd="sng">
+                      <a:solidFill>
+                        <a:schemeClr val="tx1"/>
+                      </a:solidFill>
+                      <a:prstDash val="solid"/>
+                    </a:lnT>
+                    <a:lnB w="12700" cap="flat" cmpd="sng" algn="ctr">
+                      <a:solidFill>
+                        <a:schemeClr val="tx1"/>
+                      </a:solidFill>
+                      <a:prstDash val="solid"/>
+                      <a:round/>
+                      <a:headEnd type="none" w="med" len="med"/>
+                      <a:tailEnd type="none" w="med" len="med"/>
+                    </a:lnB>
+                    <a:solidFill>
+                      <a:srgbClr val="D4EAF3">
+                        <a:alpha val="50196"/>
+                      </a:srgbClr>
+                    </a:solidFill>
+                  </a:tcPr>
                 </a:tc>
                 <a:tc>
                   <a:txBody>
@@ -13834,43 +16075,49 @@
                     <a:lstStyle/>
                     <a:p>
                       <a:pPr algn="ctr"/>
-                      <a:r>
-                        <a:rPr lang="en-US" altLang="zh-TW" dirty="0">
-                          <a:latin typeface="標楷體" panose="03000509000000000000" pitchFamily="65" charset="-120"/>
-                          <a:ea typeface="標楷體" panose="03000509000000000000" pitchFamily="65" charset="-120"/>
-                        </a:rPr>
-                        <a:t>o</a:t>
-                      </a:r>
-                      <a:endParaRPr lang="zh-TW" altLang="en-US" dirty="0">
-                        <a:latin typeface="標楷體" panose="03000509000000000000" pitchFamily="65" charset="-120"/>
-                        <a:ea typeface="標楷體" panose="03000509000000000000" pitchFamily="65" charset="-120"/>
-                      </a:endParaRPr>
+                      <a:endParaRPr lang="zh-TW" altLang="en-US" dirty="0"/>
                     </a:p>
                   </a:txBody>
-                  <a:tcPr/>
-                </a:tc>
-                <a:extLst>
-                  <a:ext uri="{0D108BD9-81ED-4DB2-BD59-A6C34878D82A}">
-                    <a16:rowId xmlns:a16="http://schemas.microsoft.com/office/drawing/2014/main" val="3155737251"/>
-                  </a:ext>
-                </a:extLst>
-              </a:tr>
-              <a:tr h="500154">
-                <a:tc>
-                  <a:txBody>
-                    <a:bodyPr/>
-                    <a:lstStyle/>
-                    <a:p>
-                      <a:r>
-                        <a:rPr lang="zh-TW" altLang="en-US" dirty="0">
-                          <a:latin typeface="標楷體" panose="03000509000000000000" pitchFamily="65" charset="-120"/>
-                          <a:ea typeface="標楷體" panose="03000509000000000000" pitchFamily="65" charset="-120"/>
-                        </a:rPr>
-                        <a:t>組長溝通不良</a:t>
-                      </a:r>
-                    </a:p>
-                  </a:txBody>
-                  <a:tcPr/>
+                  <a:tcPr>
+                    <a:lnL w="12700" cap="flat" cmpd="sng" algn="ctr">
+                      <a:solidFill>
+                        <a:schemeClr val="tx1"/>
+                      </a:solidFill>
+                      <a:prstDash val="solid"/>
+                      <a:round/>
+                      <a:headEnd type="none" w="med" len="med"/>
+                      <a:tailEnd type="none" w="med" len="med"/>
+                    </a:lnL>
+                    <a:lnR w="12700" cap="flat" cmpd="sng" algn="ctr">
+                      <a:solidFill>
+                        <a:schemeClr val="tx1"/>
+                      </a:solidFill>
+                      <a:prstDash val="solid"/>
+                      <a:round/>
+                      <a:headEnd type="none" w="med" len="med"/>
+                      <a:tailEnd type="none" w="med" len="med"/>
+                    </a:lnR>
+                    <a:lnT w="12700" cmpd="sng">
+                      <a:solidFill>
+                        <a:schemeClr val="tx1"/>
+                      </a:solidFill>
+                      <a:prstDash val="solid"/>
+                    </a:lnT>
+                    <a:lnB w="12700" cap="flat" cmpd="sng" algn="ctr">
+                      <a:solidFill>
+                        <a:schemeClr val="tx1"/>
+                      </a:solidFill>
+                      <a:prstDash val="solid"/>
+                      <a:round/>
+                      <a:headEnd type="none" w="med" len="med"/>
+                      <a:tailEnd type="none" w="med" len="med"/>
+                    </a:lnB>
+                    <a:solidFill>
+                      <a:srgbClr val="D4EAF3">
+                        <a:alpha val="50196"/>
+                      </a:srgbClr>
+                    </a:solidFill>
+                  </a:tcPr>
                 </a:tc>
                 <a:tc>
                   <a:txBody>
@@ -13878,13 +16125,49 @@
                     <a:lstStyle/>
                     <a:p>
                       <a:pPr algn="ctr"/>
-                      <a:endParaRPr lang="zh-TW" altLang="en-US">
-                        <a:latin typeface="標楷體" panose="03000509000000000000" pitchFamily="65" charset="-120"/>
-                        <a:ea typeface="標楷體" panose="03000509000000000000" pitchFamily="65" charset="-120"/>
-                      </a:endParaRPr>
+                      <a:endParaRPr lang="zh-TW" altLang="en-US" dirty="0"/>
                     </a:p>
                   </a:txBody>
-                  <a:tcPr/>
+                  <a:tcPr>
+                    <a:lnL w="12700" cap="flat" cmpd="sng" algn="ctr">
+                      <a:solidFill>
+                        <a:schemeClr val="tx1"/>
+                      </a:solidFill>
+                      <a:prstDash val="solid"/>
+                      <a:round/>
+                      <a:headEnd type="none" w="med" len="med"/>
+                      <a:tailEnd type="none" w="med" len="med"/>
+                    </a:lnL>
+                    <a:lnR w="12700" cap="flat" cmpd="sng" algn="ctr">
+                      <a:solidFill>
+                        <a:schemeClr val="tx1"/>
+                      </a:solidFill>
+                      <a:prstDash val="solid"/>
+                      <a:round/>
+                      <a:headEnd type="none" w="med" len="med"/>
+                      <a:tailEnd type="none" w="med" len="med"/>
+                    </a:lnR>
+                    <a:lnT w="12700" cmpd="sng">
+                      <a:solidFill>
+                        <a:schemeClr val="tx1"/>
+                      </a:solidFill>
+                      <a:prstDash val="solid"/>
+                    </a:lnT>
+                    <a:lnB w="12700" cap="flat" cmpd="sng" algn="ctr">
+                      <a:solidFill>
+                        <a:schemeClr val="tx1"/>
+                      </a:solidFill>
+                      <a:prstDash val="solid"/>
+                      <a:round/>
+                      <a:headEnd type="none" w="med" len="med"/>
+                      <a:tailEnd type="none" w="med" len="med"/>
+                    </a:lnB>
+                    <a:solidFill>
+                      <a:srgbClr val="D4EAF3">
+                        <a:alpha val="50196"/>
+                      </a:srgbClr>
+                    </a:solidFill>
+                  </a:tcPr>
                 </a:tc>
                 <a:tc>
                   <a:txBody>
@@ -13892,20 +16175,49 @@
                     <a:lstStyle/>
                     <a:p>
                       <a:pPr algn="ctr"/>
-                      <a:r>
-                        <a:rPr lang="en-US" altLang="zh-TW" dirty="0">
-                          <a:latin typeface="標楷體" panose="03000509000000000000" pitchFamily="65" charset="-120"/>
-                          <a:ea typeface="標楷體" panose="03000509000000000000" pitchFamily="65" charset="-120"/>
-                        </a:rPr>
-                        <a:t>o</a:t>
-                      </a:r>
-                      <a:endParaRPr lang="zh-TW" altLang="en-US" dirty="0">
-                        <a:latin typeface="標楷體" panose="03000509000000000000" pitchFamily="65" charset="-120"/>
-                        <a:ea typeface="標楷體" panose="03000509000000000000" pitchFamily="65" charset="-120"/>
-                      </a:endParaRPr>
+                      <a:endParaRPr lang="zh-TW" altLang="en-US" dirty="0"/>
                     </a:p>
                   </a:txBody>
-                  <a:tcPr/>
+                  <a:tcPr>
+                    <a:lnL w="12700" cap="flat" cmpd="sng" algn="ctr">
+                      <a:solidFill>
+                        <a:schemeClr val="tx1"/>
+                      </a:solidFill>
+                      <a:prstDash val="solid"/>
+                      <a:round/>
+                      <a:headEnd type="none" w="med" len="med"/>
+                      <a:tailEnd type="none" w="med" len="med"/>
+                    </a:lnL>
+                    <a:lnR w="12700" cap="flat" cmpd="sng" algn="ctr">
+                      <a:solidFill>
+                        <a:schemeClr val="tx1"/>
+                      </a:solidFill>
+                      <a:prstDash val="solid"/>
+                      <a:round/>
+                      <a:headEnd type="none" w="med" len="med"/>
+                      <a:tailEnd type="none" w="med" len="med"/>
+                    </a:lnR>
+                    <a:lnT w="12700" cmpd="sng">
+                      <a:solidFill>
+                        <a:schemeClr val="tx1"/>
+                      </a:solidFill>
+                      <a:prstDash val="solid"/>
+                    </a:lnT>
+                    <a:lnB w="12700" cap="flat" cmpd="sng" algn="ctr">
+                      <a:solidFill>
+                        <a:schemeClr val="tx1"/>
+                      </a:solidFill>
+                      <a:prstDash val="solid"/>
+                      <a:round/>
+                      <a:headEnd type="none" w="med" len="med"/>
+                      <a:tailEnd type="none" w="med" len="med"/>
+                    </a:lnB>
+                    <a:solidFill>
+                      <a:srgbClr val="D4EAF3">
+                        <a:alpha val="50196"/>
+                      </a:srgbClr>
+                    </a:solidFill>
+                  </a:tcPr>
                 </a:tc>
                 <a:tc>
                   <a:txBody>
@@ -13913,13 +16225,191 @@
                     <a:lstStyle/>
                     <a:p>
                       <a:pPr algn="ctr"/>
-                      <a:endParaRPr lang="zh-TW" altLang="en-US">
-                        <a:latin typeface="標楷體" panose="03000509000000000000" pitchFamily="65" charset="-120"/>
-                        <a:ea typeface="標楷體" panose="03000509000000000000" pitchFamily="65" charset="-120"/>
-                      </a:endParaRPr>
+                      <a:endParaRPr lang="zh-TW" altLang="en-US" dirty="0"/>
                     </a:p>
                   </a:txBody>
-                  <a:tcPr/>
+                  <a:tcPr>
+                    <a:lnL w="12700" cap="flat" cmpd="sng" algn="ctr">
+                      <a:solidFill>
+                        <a:schemeClr val="tx1"/>
+                      </a:solidFill>
+                      <a:prstDash val="solid"/>
+                      <a:round/>
+                      <a:headEnd type="none" w="med" len="med"/>
+                      <a:tailEnd type="none" w="med" len="med"/>
+                    </a:lnL>
+                    <a:lnR w="12700" cmpd="sng">
+                      <a:solidFill>
+                        <a:schemeClr val="tx1"/>
+                      </a:solidFill>
+                      <a:prstDash val="solid"/>
+                    </a:lnR>
+                    <a:lnT w="12700" cmpd="sng">
+                      <a:solidFill>
+                        <a:schemeClr val="tx1"/>
+                      </a:solidFill>
+                      <a:prstDash val="solid"/>
+                    </a:lnT>
+                    <a:lnB w="12700" cap="flat" cmpd="sng" algn="ctr">
+                      <a:solidFill>
+                        <a:schemeClr val="tx1"/>
+                      </a:solidFill>
+                      <a:prstDash val="solid"/>
+                      <a:round/>
+                      <a:headEnd type="none" w="med" len="med"/>
+                      <a:tailEnd type="none" w="med" len="med"/>
+                    </a:lnB>
+                    <a:solidFill>
+                      <a:srgbClr val="D4EAF3">
+                        <a:alpha val="50196"/>
+                      </a:srgbClr>
+                    </a:solidFill>
+                  </a:tcPr>
+                </a:tc>
+                <a:extLst>
+                  <a:ext uri="{0D108BD9-81ED-4DB2-BD59-A6C34878D82A}">
+                    <a16:rowId xmlns:a16="http://schemas.microsoft.com/office/drawing/2014/main" val="3793682966"/>
+                  </a:ext>
+                </a:extLst>
+              </a:tr>
+              <a:tr h="206227">
+                <a:tc>
+                  <a:txBody>
+                    <a:bodyPr/>
+                    <a:lstStyle/>
+                    <a:p>
+                      <a:pPr marL="0" marR="0" lvl="0" indent="0" algn="ctr" defTabSz="914126" rtl="0" eaLnBrk="1" fontAlgn="auto" latinLnBrk="0" hangingPunct="1">
+                        <a:lnSpc>
+                          <a:spcPct val="100000"/>
+                        </a:lnSpc>
+                        <a:spcBef>
+                          <a:spcPts val="0"/>
+                        </a:spcBef>
+                        <a:spcAft>
+                          <a:spcPts val="0"/>
+                        </a:spcAft>
+                        <a:buClrTx/>
+                        <a:buSzTx/>
+                        <a:buFontTx/>
+                        <a:buNone/>
+                        <a:tabLst/>
+                        <a:defRPr/>
+                      </a:pPr>
+                      <a:r>
+                        <a:rPr lang="zh-TW" altLang="en-US" sz="2000" dirty="0"/>
+                        <a:t>技術風險</a:t>
+                      </a:r>
+                    </a:p>
+                  </a:txBody>
+                  <a:tcPr>
+                    <a:lnL w="12700" cap="flat" cmpd="sng" algn="ctr">
+                      <a:solidFill>
+                        <a:schemeClr val="tx1"/>
+                      </a:solidFill>
+                      <a:prstDash val="solid"/>
+                      <a:round/>
+                      <a:headEnd type="none" w="med" len="med"/>
+                      <a:tailEnd type="none" w="med" len="med"/>
+                    </a:lnL>
+                    <a:lnR w="12700" cap="flat" cmpd="sng" algn="ctr">
+                      <a:solidFill>
+                        <a:schemeClr val="tx1"/>
+                      </a:solidFill>
+                      <a:prstDash val="solid"/>
+                      <a:round/>
+                      <a:headEnd type="none" w="med" len="med"/>
+                      <a:tailEnd type="none" w="med" len="med"/>
+                    </a:lnR>
+                    <a:lnT w="12700" cap="flat" cmpd="sng" algn="ctr">
+                      <a:solidFill>
+                        <a:schemeClr val="tx1"/>
+                      </a:solidFill>
+                      <a:prstDash val="solid"/>
+                      <a:round/>
+                      <a:headEnd type="none" w="med" len="med"/>
+                      <a:tailEnd type="none" w="med" len="med"/>
+                    </a:lnT>
+                    <a:lnB w="12700" cap="flat" cmpd="sng" algn="ctr">
+                      <a:noFill/>
+                      <a:prstDash val="solid"/>
+                      <a:round/>
+                      <a:headEnd type="none" w="med" len="med"/>
+                      <a:tailEnd type="none" w="med" len="med"/>
+                    </a:lnB>
+                    <a:lnTlToBr w="12700" cmpd="sng">
+                      <a:noFill/>
+                      <a:prstDash val="solid"/>
+                    </a:lnTlToBr>
+                    <a:lnBlToTr w="12700" cmpd="sng">
+                      <a:noFill/>
+                      <a:prstDash val="solid"/>
+                    </a:lnBlToTr>
+                  </a:tcPr>
+                </a:tc>
+                <a:tc>
+                  <a:txBody>
+                    <a:bodyPr/>
+                    <a:lstStyle/>
+                    <a:p>
+                      <a:pPr marL="0" marR="0" lvl="0" indent="0" algn="ctr" defTabSz="914126" rtl="0" eaLnBrk="1" fontAlgn="auto" latinLnBrk="0" hangingPunct="1">
+                        <a:lnSpc>
+                          <a:spcPct val="100000"/>
+                        </a:lnSpc>
+                        <a:spcBef>
+                          <a:spcPts val="0"/>
+                        </a:spcBef>
+                        <a:spcAft>
+                          <a:spcPts val="0"/>
+                        </a:spcAft>
+                        <a:buClrTx/>
+                        <a:buSzTx/>
+                        <a:buFontTx/>
+                        <a:buNone/>
+                        <a:tabLst/>
+                        <a:defRPr/>
+                      </a:pPr>
+                      <a:r>
+                        <a:rPr lang="zh-TW" altLang="en-US" dirty="0"/>
+                        <a:t>專業技術欠缺</a:t>
+                      </a:r>
+                      <a:endParaRPr lang="en-US" altLang="zh-TW" dirty="0"/>
+                    </a:p>
+                  </a:txBody>
+                  <a:tcPr>
+                    <a:lnL w="12700" cap="flat" cmpd="sng" algn="ctr">
+                      <a:solidFill>
+                        <a:schemeClr val="tx1"/>
+                      </a:solidFill>
+                      <a:prstDash val="solid"/>
+                      <a:round/>
+                      <a:headEnd type="none" w="med" len="med"/>
+                      <a:tailEnd type="none" w="med" len="med"/>
+                    </a:lnL>
+                    <a:lnR w="12700" cap="flat" cmpd="sng" algn="ctr">
+                      <a:solidFill>
+                        <a:schemeClr val="tx1"/>
+                      </a:solidFill>
+                      <a:prstDash val="solid"/>
+                      <a:round/>
+                      <a:headEnd type="none" w="med" len="med"/>
+                      <a:tailEnd type="none" w="med" len="med"/>
+                    </a:lnR>
+                    <a:lnT w="12700" cmpd="sng">
+                      <a:solidFill>
+                        <a:schemeClr val="tx1"/>
+                      </a:solidFill>
+                      <a:prstDash val="solid"/>
+                    </a:lnT>
+                    <a:lnB w="12700" cap="flat" cmpd="sng" algn="ctr">
+                      <a:solidFill>
+                        <a:schemeClr val="tx1"/>
+                      </a:solidFill>
+                      <a:prstDash val="solid"/>
+                      <a:round/>
+                      <a:headEnd type="none" w="med" len="med"/>
+                      <a:tailEnd type="none" w="med" len="med"/>
+                    </a:lnB>
+                  </a:tcPr>
                 </a:tc>
                 <a:tc>
                   <a:txBody>
@@ -13927,13 +16417,44 @@
                     <a:lstStyle/>
                     <a:p>
                       <a:pPr algn="ctr"/>
-                      <a:endParaRPr lang="zh-TW" altLang="en-US">
-                        <a:latin typeface="標楷體" panose="03000509000000000000" pitchFamily="65" charset="-120"/>
-                        <a:ea typeface="標楷體" panose="03000509000000000000" pitchFamily="65" charset="-120"/>
-                      </a:endParaRPr>
+                      <a:endParaRPr lang="zh-TW" altLang="en-US"/>
                     </a:p>
                   </a:txBody>
-                  <a:tcPr/>
+                  <a:tcPr>
+                    <a:lnL w="12700" cap="flat" cmpd="sng" algn="ctr">
+                      <a:solidFill>
+                        <a:schemeClr val="tx1"/>
+                      </a:solidFill>
+                      <a:prstDash val="solid"/>
+                      <a:round/>
+                      <a:headEnd type="none" w="med" len="med"/>
+                      <a:tailEnd type="none" w="med" len="med"/>
+                    </a:lnL>
+                    <a:lnR w="12700" cap="flat" cmpd="sng" algn="ctr">
+                      <a:solidFill>
+                        <a:schemeClr val="tx1"/>
+                      </a:solidFill>
+                      <a:prstDash val="solid"/>
+                      <a:round/>
+                      <a:headEnd type="none" w="med" len="med"/>
+                      <a:tailEnd type="none" w="med" len="med"/>
+                    </a:lnR>
+                    <a:lnT w="12700" cmpd="sng">
+                      <a:solidFill>
+                        <a:schemeClr val="tx1"/>
+                      </a:solidFill>
+                      <a:prstDash val="solid"/>
+                    </a:lnT>
+                    <a:lnB w="12700" cap="flat" cmpd="sng" algn="ctr">
+                      <a:solidFill>
+                        <a:schemeClr val="tx1"/>
+                      </a:solidFill>
+                      <a:prstDash val="solid"/>
+                      <a:round/>
+                      <a:headEnd type="none" w="med" len="med"/>
+                      <a:tailEnd type="none" w="med" len="med"/>
+                    </a:lnB>
+                  </a:tcPr>
                 </a:tc>
                 <a:tc>
                   <a:txBody>
@@ -13941,36 +16462,44 @@
                     <a:lstStyle/>
                     <a:p>
                       <a:pPr algn="ctr"/>
-                      <a:endParaRPr lang="zh-TW" altLang="en-US" dirty="0">
-                        <a:latin typeface="標楷體" panose="03000509000000000000" pitchFamily="65" charset="-120"/>
-                        <a:ea typeface="標楷體" panose="03000509000000000000" pitchFamily="65" charset="-120"/>
-                      </a:endParaRPr>
+                      <a:endParaRPr lang="zh-TW" altLang="en-US" dirty="0"/>
                     </a:p>
                   </a:txBody>
-                  <a:tcPr/>
-                </a:tc>
-                <a:extLst>
-                  <a:ext uri="{0D108BD9-81ED-4DB2-BD59-A6C34878D82A}">
-                    <a16:rowId xmlns:a16="http://schemas.microsoft.com/office/drawing/2014/main" val="1400439"/>
-                  </a:ext>
-                </a:extLst>
-              </a:tr>
-              <a:tr h="500154">
-                <a:tc>
-                  <a:txBody>
-                    <a:bodyPr/>
-                    <a:lstStyle/>
-                    <a:p>
-                      <a:r>
-                        <a:rPr lang="zh-TW" altLang="en-US" dirty="0">
-                          <a:latin typeface="標楷體" panose="03000509000000000000" pitchFamily="65" charset="-120"/>
-                          <a:ea typeface="標楷體" panose="03000509000000000000" pitchFamily="65" charset="-120"/>
-                        </a:rPr>
-                        <a:t>主要功能錯誤</a:t>
-                      </a:r>
-                    </a:p>
-                  </a:txBody>
-                  <a:tcPr/>
+                  <a:tcPr>
+                    <a:lnL w="12700" cap="flat" cmpd="sng" algn="ctr">
+                      <a:solidFill>
+                        <a:schemeClr val="tx1"/>
+                      </a:solidFill>
+                      <a:prstDash val="solid"/>
+                      <a:round/>
+                      <a:headEnd type="none" w="med" len="med"/>
+                      <a:tailEnd type="none" w="med" len="med"/>
+                    </a:lnL>
+                    <a:lnR w="12700" cap="flat" cmpd="sng" algn="ctr">
+                      <a:solidFill>
+                        <a:schemeClr val="tx1"/>
+                      </a:solidFill>
+                      <a:prstDash val="solid"/>
+                      <a:round/>
+                      <a:headEnd type="none" w="med" len="med"/>
+                      <a:tailEnd type="none" w="med" len="med"/>
+                    </a:lnR>
+                    <a:lnT w="12700" cmpd="sng">
+                      <a:solidFill>
+                        <a:schemeClr val="tx1"/>
+                      </a:solidFill>
+                      <a:prstDash val="solid"/>
+                    </a:lnT>
+                    <a:lnB w="12700" cap="flat" cmpd="sng" algn="ctr">
+                      <a:solidFill>
+                        <a:schemeClr val="tx1"/>
+                      </a:solidFill>
+                      <a:prstDash val="solid"/>
+                      <a:round/>
+                      <a:headEnd type="none" w="med" len="med"/>
+                      <a:tailEnd type="none" w="med" len="med"/>
+                    </a:lnB>
+                  </a:tcPr>
                 </a:tc>
                 <a:tc>
                   <a:txBody>
@@ -13978,13 +16507,44 @@
                     <a:lstStyle/>
                     <a:p>
                       <a:pPr algn="ctr"/>
-                      <a:endParaRPr lang="zh-TW" altLang="en-US">
-                        <a:latin typeface="標楷體" panose="03000509000000000000" pitchFamily="65" charset="-120"/>
-                        <a:ea typeface="標楷體" panose="03000509000000000000" pitchFamily="65" charset="-120"/>
-                      </a:endParaRPr>
+                      <a:endParaRPr lang="zh-TW" altLang="en-US" dirty="0"/>
                     </a:p>
                   </a:txBody>
-                  <a:tcPr/>
+                  <a:tcPr>
+                    <a:lnL w="12700" cap="flat" cmpd="sng" algn="ctr">
+                      <a:solidFill>
+                        <a:schemeClr val="tx1"/>
+                      </a:solidFill>
+                      <a:prstDash val="solid"/>
+                      <a:round/>
+                      <a:headEnd type="none" w="med" len="med"/>
+                      <a:tailEnd type="none" w="med" len="med"/>
+                    </a:lnL>
+                    <a:lnR w="12700" cap="flat" cmpd="sng" algn="ctr">
+                      <a:solidFill>
+                        <a:schemeClr val="tx1"/>
+                      </a:solidFill>
+                      <a:prstDash val="solid"/>
+                      <a:round/>
+                      <a:headEnd type="none" w="med" len="med"/>
+                      <a:tailEnd type="none" w="med" len="med"/>
+                    </a:lnR>
+                    <a:lnT w="12700" cmpd="sng">
+                      <a:solidFill>
+                        <a:schemeClr val="tx1"/>
+                      </a:solidFill>
+                      <a:prstDash val="solid"/>
+                    </a:lnT>
+                    <a:lnB w="12700" cap="flat" cmpd="sng" algn="ctr">
+                      <a:solidFill>
+                        <a:schemeClr val="tx1"/>
+                      </a:solidFill>
+                      <a:prstDash val="solid"/>
+                      <a:round/>
+                      <a:headEnd type="none" w="med" len="med"/>
+                      <a:tailEnd type="none" w="med" len="med"/>
+                    </a:lnB>
+                  </a:tcPr>
                 </a:tc>
                 <a:tc>
                   <a:txBody>
@@ -13992,13 +16552,44 @@
                     <a:lstStyle/>
                     <a:p>
                       <a:pPr algn="ctr"/>
-                      <a:endParaRPr lang="zh-TW" altLang="en-US">
-                        <a:latin typeface="標楷體" panose="03000509000000000000" pitchFamily="65" charset="-120"/>
-                        <a:ea typeface="標楷體" panose="03000509000000000000" pitchFamily="65" charset="-120"/>
-                      </a:endParaRPr>
+                      <a:endParaRPr lang="zh-TW" altLang="en-US" dirty="0"/>
                     </a:p>
                   </a:txBody>
-                  <a:tcPr/>
+                  <a:tcPr>
+                    <a:lnL w="12700" cap="flat" cmpd="sng" algn="ctr">
+                      <a:solidFill>
+                        <a:schemeClr val="tx1"/>
+                      </a:solidFill>
+                      <a:prstDash val="solid"/>
+                      <a:round/>
+                      <a:headEnd type="none" w="med" len="med"/>
+                      <a:tailEnd type="none" w="med" len="med"/>
+                    </a:lnL>
+                    <a:lnR w="12700" cap="flat" cmpd="sng" algn="ctr">
+                      <a:solidFill>
+                        <a:schemeClr val="tx1"/>
+                      </a:solidFill>
+                      <a:prstDash val="solid"/>
+                      <a:round/>
+                      <a:headEnd type="none" w="med" len="med"/>
+                      <a:tailEnd type="none" w="med" len="med"/>
+                    </a:lnR>
+                    <a:lnT w="12700" cmpd="sng">
+                      <a:solidFill>
+                        <a:schemeClr val="tx1"/>
+                      </a:solidFill>
+                      <a:prstDash val="solid"/>
+                    </a:lnT>
+                    <a:lnB w="12700" cap="flat" cmpd="sng" algn="ctr">
+                      <a:solidFill>
+                        <a:schemeClr val="tx1"/>
+                      </a:solidFill>
+                      <a:prstDash val="solid"/>
+                      <a:round/>
+                      <a:headEnd type="none" w="med" len="med"/>
+                      <a:tailEnd type="none" w="med" len="med"/>
+                    </a:lnB>
+                  </a:tcPr>
                 </a:tc>
                 <a:tc>
                   <a:txBody>
@@ -14006,20 +16597,168 @@
                     <a:lstStyle/>
                     <a:p>
                       <a:pPr algn="ctr"/>
-                      <a:r>
-                        <a:rPr lang="en-US" altLang="zh-TW" dirty="0">
-                          <a:latin typeface="標楷體" panose="03000509000000000000" pitchFamily="65" charset="-120"/>
-                          <a:ea typeface="標楷體" panose="03000509000000000000" pitchFamily="65" charset="-120"/>
-                        </a:rPr>
-                        <a:t>o</a:t>
-                      </a:r>
-                      <a:endParaRPr lang="zh-TW" altLang="en-US" dirty="0">
-                        <a:latin typeface="標楷體" panose="03000509000000000000" pitchFamily="65" charset="-120"/>
-                        <a:ea typeface="標楷體" panose="03000509000000000000" pitchFamily="65" charset="-120"/>
-                      </a:endParaRPr>
+                      <a:endParaRPr lang="zh-TW" altLang="en-US" dirty="0"/>
                     </a:p>
                   </a:txBody>
-                  <a:tcPr/>
+                  <a:tcPr>
+                    <a:lnL w="12700" cap="flat" cmpd="sng" algn="ctr">
+                      <a:solidFill>
+                        <a:schemeClr val="tx1"/>
+                      </a:solidFill>
+                      <a:prstDash val="solid"/>
+                      <a:round/>
+                      <a:headEnd type="none" w="med" len="med"/>
+                      <a:tailEnd type="none" w="med" len="med"/>
+                    </a:lnL>
+                    <a:lnR w="12700" cmpd="sng">
+                      <a:solidFill>
+                        <a:schemeClr val="tx1"/>
+                      </a:solidFill>
+                      <a:prstDash val="solid"/>
+                    </a:lnR>
+                    <a:lnT w="12700" cmpd="sng">
+                      <a:solidFill>
+                        <a:schemeClr val="tx1"/>
+                      </a:solidFill>
+                      <a:prstDash val="solid"/>
+                    </a:lnT>
+                    <a:lnB w="12700" cap="flat" cmpd="sng" algn="ctr">
+                      <a:solidFill>
+                        <a:schemeClr val="tx1"/>
+                      </a:solidFill>
+                      <a:prstDash val="solid"/>
+                      <a:round/>
+                      <a:headEnd type="none" w="med" len="med"/>
+                      <a:tailEnd type="none" w="med" len="med"/>
+                    </a:lnB>
+                  </a:tcPr>
+                </a:tc>
+                <a:extLst>
+                  <a:ext uri="{0D108BD9-81ED-4DB2-BD59-A6C34878D82A}">
+                    <a16:rowId xmlns:a16="http://schemas.microsoft.com/office/drawing/2014/main" val="2126965157"/>
+                  </a:ext>
+                </a:extLst>
+              </a:tr>
+              <a:tr h="206227">
+                <a:tc>
+                  <a:txBody>
+                    <a:bodyPr/>
+                    <a:lstStyle/>
+                    <a:p>
+                      <a:pPr algn="ctr"/>
+                      <a:endParaRPr lang="zh-TW" altLang="en-US" dirty="0"/>
+                    </a:p>
+                  </a:txBody>
+                  <a:tcPr>
+                    <a:lnL w="12700" cap="flat" cmpd="sng" algn="ctr">
+                      <a:solidFill>
+                        <a:schemeClr val="tx1"/>
+                      </a:solidFill>
+                      <a:prstDash val="solid"/>
+                      <a:round/>
+                      <a:headEnd type="none" w="med" len="med"/>
+                      <a:tailEnd type="none" w="med" len="med"/>
+                    </a:lnL>
+                    <a:lnR w="12700" cap="flat" cmpd="sng" algn="ctr">
+                      <a:solidFill>
+                        <a:schemeClr val="tx1"/>
+                      </a:solidFill>
+                      <a:prstDash val="solid"/>
+                      <a:round/>
+                      <a:headEnd type="none" w="med" len="med"/>
+                      <a:tailEnd type="none" w="med" len="med"/>
+                    </a:lnR>
+                    <a:lnT w="12700" cmpd="sng">
+                      <a:noFill/>
+                      <a:prstDash val="solid"/>
+                    </a:lnT>
+                    <a:lnB w="12700" cap="flat" cmpd="sng" algn="ctr">
+                      <a:solidFill>
+                        <a:schemeClr val="tx1"/>
+                      </a:solidFill>
+                      <a:prstDash val="solid"/>
+                      <a:round/>
+                      <a:headEnd type="none" w="med" len="med"/>
+                      <a:tailEnd type="none" w="med" len="med"/>
+                    </a:lnB>
+                    <a:lnTlToBr w="12700" cmpd="sng">
+                      <a:noFill/>
+                      <a:prstDash val="solid"/>
+                    </a:lnTlToBr>
+                    <a:lnBlToTr w="12700" cmpd="sng">
+                      <a:noFill/>
+                      <a:prstDash val="solid"/>
+                    </a:lnBlToTr>
+                  </a:tcPr>
+                </a:tc>
+                <a:tc>
+                  <a:txBody>
+                    <a:bodyPr/>
+                    <a:lstStyle/>
+                    <a:p>
+                      <a:pPr marL="0" marR="0" lvl="0" indent="0" algn="ctr" defTabSz="914126" rtl="0" eaLnBrk="1" fontAlgn="auto" latinLnBrk="0" hangingPunct="1">
+                        <a:lnSpc>
+                          <a:spcPct val="100000"/>
+                        </a:lnSpc>
+                        <a:spcBef>
+                          <a:spcPts val="0"/>
+                        </a:spcBef>
+                        <a:spcAft>
+                          <a:spcPts val="0"/>
+                        </a:spcAft>
+                        <a:buClrTx/>
+                        <a:buSzTx/>
+                        <a:buFontTx/>
+                        <a:buNone/>
+                        <a:tabLst/>
+                        <a:defRPr/>
+                      </a:pPr>
+                      <a:r>
+                        <a:rPr lang="zh-TW" altLang="en-US" dirty="0"/>
+                        <a:t>專案複雜度高</a:t>
+                      </a:r>
+                    </a:p>
+                  </a:txBody>
+                  <a:tcPr>
+                    <a:lnL w="12700" cap="flat" cmpd="sng" algn="ctr">
+                      <a:solidFill>
+                        <a:schemeClr val="tx1"/>
+                      </a:solidFill>
+                      <a:prstDash val="solid"/>
+                      <a:round/>
+                      <a:headEnd type="none" w="med" len="med"/>
+                      <a:tailEnd type="none" w="med" len="med"/>
+                    </a:lnL>
+                    <a:lnR w="12700" cap="flat" cmpd="sng" algn="ctr">
+                      <a:solidFill>
+                        <a:schemeClr val="tx1"/>
+                      </a:solidFill>
+                      <a:prstDash val="solid"/>
+                      <a:round/>
+                      <a:headEnd type="none" w="med" len="med"/>
+                      <a:tailEnd type="none" w="med" len="med"/>
+                    </a:lnR>
+                    <a:lnT w="12700" cmpd="sng">
+                      <a:solidFill>
+                        <a:schemeClr val="tx1"/>
+                      </a:solidFill>
+                      <a:prstDash val="solid"/>
+                    </a:lnT>
+                    <a:lnB w="12700" cap="flat" cmpd="sng" algn="ctr">
+                      <a:solidFill>
+                        <a:schemeClr val="tx1"/>
+                      </a:solidFill>
+                      <a:prstDash val="solid"/>
+                      <a:round/>
+                      <a:headEnd type="none" w="med" len="med"/>
+                      <a:tailEnd type="none" w="med" len="med"/>
+                    </a:lnB>
+                    <a:solidFill>
+                      <a:srgbClr val="D4EAF3">
+                        <a:alpha val="50196"/>
+                      </a:srgbClr>
+                    </a:solidFill>
+                  </a:tcPr>
                 </a:tc>
                 <a:tc>
                   <a:txBody>
@@ -14027,13 +16766,49 @@
                     <a:lstStyle/>
                     <a:p>
                       <a:pPr algn="ctr"/>
-                      <a:endParaRPr lang="zh-TW" altLang="en-US">
-                        <a:latin typeface="標楷體" panose="03000509000000000000" pitchFamily="65" charset="-120"/>
-                        <a:ea typeface="標楷體" panose="03000509000000000000" pitchFamily="65" charset="-120"/>
-                      </a:endParaRPr>
+                      <a:endParaRPr lang="zh-TW" altLang="en-US" dirty="0"/>
                     </a:p>
                   </a:txBody>
-                  <a:tcPr/>
+                  <a:tcPr>
+                    <a:lnL w="12700" cap="flat" cmpd="sng" algn="ctr">
+                      <a:solidFill>
+                        <a:schemeClr val="tx1"/>
+                      </a:solidFill>
+                      <a:prstDash val="solid"/>
+                      <a:round/>
+                      <a:headEnd type="none" w="med" len="med"/>
+                      <a:tailEnd type="none" w="med" len="med"/>
+                    </a:lnL>
+                    <a:lnR w="12700" cap="flat" cmpd="sng" algn="ctr">
+                      <a:solidFill>
+                        <a:schemeClr val="tx1"/>
+                      </a:solidFill>
+                      <a:prstDash val="solid"/>
+                      <a:round/>
+                      <a:headEnd type="none" w="med" len="med"/>
+                      <a:tailEnd type="none" w="med" len="med"/>
+                    </a:lnR>
+                    <a:lnT w="12700" cmpd="sng">
+                      <a:solidFill>
+                        <a:schemeClr val="tx1"/>
+                      </a:solidFill>
+                      <a:prstDash val="solid"/>
+                    </a:lnT>
+                    <a:lnB w="12700" cap="flat" cmpd="sng" algn="ctr">
+                      <a:solidFill>
+                        <a:schemeClr val="tx1"/>
+                      </a:solidFill>
+                      <a:prstDash val="solid"/>
+                      <a:round/>
+                      <a:headEnd type="none" w="med" len="med"/>
+                      <a:tailEnd type="none" w="med" len="med"/>
+                    </a:lnB>
+                    <a:solidFill>
+                      <a:srgbClr val="D4EAF3">
+                        <a:alpha val="50196"/>
+                      </a:srgbClr>
+                    </a:solidFill>
+                  </a:tcPr>
                 </a:tc>
                 <a:tc>
                   <a:txBody>
@@ -14041,36 +16816,49 @@
                     <a:lstStyle/>
                     <a:p>
                       <a:pPr algn="ctr"/>
-                      <a:endParaRPr lang="zh-TW" altLang="en-US" dirty="0">
-                        <a:latin typeface="標楷體" panose="03000509000000000000" pitchFamily="65" charset="-120"/>
-                        <a:ea typeface="標楷體" panose="03000509000000000000" pitchFamily="65" charset="-120"/>
-                      </a:endParaRPr>
+                      <a:endParaRPr lang="zh-TW" altLang="en-US" dirty="0"/>
                     </a:p>
                   </a:txBody>
-                  <a:tcPr/>
-                </a:tc>
-                <a:extLst>
-                  <a:ext uri="{0D108BD9-81ED-4DB2-BD59-A6C34878D82A}">
-                    <a16:rowId xmlns:a16="http://schemas.microsoft.com/office/drawing/2014/main" val="3371986588"/>
-                  </a:ext>
-                </a:extLst>
-              </a:tr>
-              <a:tr h="500154">
-                <a:tc>
-                  <a:txBody>
-                    <a:bodyPr/>
-                    <a:lstStyle/>
-                    <a:p>
-                      <a:r>
-                        <a:rPr lang="zh-TW" altLang="en-US" dirty="0">
-                          <a:latin typeface="標楷體" panose="03000509000000000000" pitchFamily="65" charset="-120"/>
-                          <a:ea typeface="標楷體" panose="03000509000000000000" pitchFamily="65" charset="-120"/>
-                        </a:rPr>
-                        <a:t>次要功能無用</a:t>
-                      </a:r>
-                    </a:p>
-                  </a:txBody>
-                  <a:tcPr/>
+                  <a:tcPr>
+                    <a:lnL w="12700" cap="flat" cmpd="sng" algn="ctr">
+                      <a:solidFill>
+                        <a:schemeClr val="tx1"/>
+                      </a:solidFill>
+                      <a:prstDash val="solid"/>
+                      <a:round/>
+                      <a:headEnd type="none" w="med" len="med"/>
+                      <a:tailEnd type="none" w="med" len="med"/>
+                    </a:lnL>
+                    <a:lnR w="12700" cap="flat" cmpd="sng" algn="ctr">
+                      <a:solidFill>
+                        <a:schemeClr val="tx1"/>
+                      </a:solidFill>
+                      <a:prstDash val="solid"/>
+                      <a:round/>
+                      <a:headEnd type="none" w="med" len="med"/>
+                      <a:tailEnd type="none" w="med" len="med"/>
+                    </a:lnR>
+                    <a:lnT w="12700" cmpd="sng">
+                      <a:solidFill>
+                        <a:schemeClr val="tx1"/>
+                      </a:solidFill>
+                      <a:prstDash val="solid"/>
+                    </a:lnT>
+                    <a:lnB w="12700" cap="flat" cmpd="sng" algn="ctr">
+                      <a:solidFill>
+                        <a:schemeClr val="tx1"/>
+                      </a:solidFill>
+                      <a:prstDash val="solid"/>
+                      <a:round/>
+                      <a:headEnd type="none" w="med" len="med"/>
+                      <a:tailEnd type="none" w="med" len="med"/>
+                    </a:lnB>
+                    <a:solidFill>
+                      <a:srgbClr val="D4EAF3">
+                        <a:alpha val="50196"/>
+                      </a:srgbClr>
+                    </a:solidFill>
+                  </a:tcPr>
                 </a:tc>
                 <a:tc>
                   <a:txBody>
@@ -14078,20 +16866,49 @@
                     <a:lstStyle/>
                     <a:p>
                       <a:pPr algn="ctr"/>
-                      <a:r>
-                        <a:rPr lang="en-US" altLang="zh-TW" dirty="0">
-                          <a:latin typeface="標楷體" panose="03000509000000000000" pitchFamily="65" charset="-120"/>
-                          <a:ea typeface="標楷體" panose="03000509000000000000" pitchFamily="65" charset="-120"/>
-                        </a:rPr>
-                        <a:t>o</a:t>
-                      </a:r>
-                      <a:endParaRPr lang="zh-TW" altLang="en-US" dirty="0">
-                        <a:latin typeface="標楷體" panose="03000509000000000000" pitchFamily="65" charset="-120"/>
-                        <a:ea typeface="標楷體" panose="03000509000000000000" pitchFamily="65" charset="-120"/>
-                      </a:endParaRPr>
+                      <a:endParaRPr lang="zh-TW" altLang="en-US" dirty="0"/>
                     </a:p>
                   </a:txBody>
-                  <a:tcPr/>
+                  <a:tcPr>
+                    <a:lnL w="12700" cap="flat" cmpd="sng" algn="ctr">
+                      <a:solidFill>
+                        <a:schemeClr val="tx1"/>
+                      </a:solidFill>
+                      <a:prstDash val="solid"/>
+                      <a:round/>
+                      <a:headEnd type="none" w="med" len="med"/>
+                      <a:tailEnd type="none" w="med" len="med"/>
+                    </a:lnL>
+                    <a:lnR w="12700" cap="flat" cmpd="sng" algn="ctr">
+                      <a:solidFill>
+                        <a:schemeClr val="tx1"/>
+                      </a:solidFill>
+                      <a:prstDash val="solid"/>
+                      <a:round/>
+                      <a:headEnd type="none" w="med" len="med"/>
+                      <a:tailEnd type="none" w="med" len="med"/>
+                    </a:lnR>
+                    <a:lnT w="12700" cmpd="sng">
+                      <a:solidFill>
+                        <a:schemeClr val="tx1"/>
+                      </a:solidFill>
+                      <a:prstDash val="solid"/>
+                    </a:lnT>
+                    <a:lnB w="12700" cap="flat" cmpd="sng" algn="ctr">
+                      <a:solidFill>
+                        <a:schemeClr val="tx1"/>
+                      </a:solidFill>
+                      <a:prstDash val="solid"/>
+                      <a:round/>
+                      <a:headEnd type="none" w="med" len="med"/>
+                      <a:tailEnd type="none" w="med" len="med"/>
+                    </a:lnB>
+                    <a:solidFill>
+                      <a:srgbClr val="D4EAF3">
+                        <a:alpha val="50196"/>
+                      </a:srgbClr>
+                    </a:solidFill>
+                  </a:tcPr>
                 </a:tc>
                 <a:tc>
                   <a:txBody>
@@ -14099,13 +16916,49 @@
                     <a:lstStyle/>
                     <a:p>
                       <a:pPr algn="ctr"/>
-                      <a:endParaRPr lang="zh-TW" altLang="en-US">
-                        <a:latin typeface="標楷體" panose="03000509000000000000" pitchFamily="65" charset="-120"/>
-                        <a:ea typeface="標楷體" panose="03000509000000000000" pitchFamily="65" charset="-120"/>
-                      </a:endParaRPr>
+                      <a:endParaRPr lang="zh-TW" altLang="en-US" dirty="0"/>
                     </a:p>
                   </a:txBody>
-                  <a:tcPr/>
+                  <a:tcPr>
+                    <a:lnL w="12700" cap="flat" cmpd="sng" algn="ctr">
+                      <a:solidFill>
+                        <a:schemeClr val="tx1"/>
+                      </a:solidFill>
+                      <a:prstDash val="solid"/>
+                      <a:round/>
+                      <a:headEnd type="none" w="med" len="med"/>
+                      <a:tailEnd type="none" w="med" len="med"/>
+                    </a:lnL>
+                    <a:lnR w="12700" cap="flat" cmpd="sng" algn="ctr">
+                      <a:solidFill>
+                        <a:schemeClr val="tx1"/>
+                      </a:solidFill>
+                      <a:prstDash val="solid"/>
+                      <a:round/>
+                      <a:headEnd type="none" w="med" len="med"/>
+                      <a:tailEnd type="none" w="med" len="med"/>
+                    </a:lnR>
+                    <a:lnT w="12700" cmpd="sng">
+                      <a:solidFill>
+                        <a:schemeClr val="tx1"/>
+                      </a:solidFill>
+                      <a:prstDash val="solid"/>
+                    </a:lnT>
+                    <a:lnB w="12700" cap="flat" cmpd="sng" algn="ctr">
+                      <a:solidFill>
+                        <a:schemeClr val="tx1"/>
+                      </a:solidFill>
+                      <a:prstDash val="solid"/>
+                      <a:round/>
+                      <a:headEnd type="none" w="med" len="med"/>
+                      <a:tailEnd type="none" w="med" len="med"/>
+                    </a:lnB>
+                    <a:solidFill>
+                      <a:srgbClr val="D4EAF3">
+                        <a:alpha val="50196"/>
+                      </a:srgbClr>
+                    </a:solidFill>
+                  </a:tcPr>
                 </a:tc>
                 <a:tc>
                   <a:txBody>
@@ -14113,13 +16966,179 @@
                     <a:lstStyle/>
                     <a:p>
                       <a:pPr algn="ctr"/>
-                      <a:endParaRPr lang="zh-TW" altLang="en-US">
-                        <a:latin typeface="標楷體" panose="03000509000000000000" pitchFamily="65" charset="-120"/>
-                        <a:ea typeface="標楷體" panose="03000509000000000000" pitchFamily="65" charset="-120"/>
-                      </a:endParaRPr>
+                      <a:endParaRPr lang="zh-TW" altLang="en-US" dirty="0"/>
                     </a:p>
                   </a:txBody>
-                  <a:tcPr/>
+                  <a:tcPr>
+                    <a:lnL w="12700" cap="flat" cmpd="sng" algn="ctr">
+                      <a:solidFill>
+                        <a:schemeClr val="tx1"/>
+                      </a:solidFill>
+                      <a:prstDash val="solid"/>
+                      <a:round/>
+                      <a:headEnd type="none" w="med" len="med"/>
+                      <a:tailEnd type="none" w="med" len="med"/>
+                    </a:lnL>
+                    <a:lnR w="12700" cmpd="sng">
+                      <a:solidFill>
+                        <a:schemeClr val="tx1"/>
+                      </a:solidFill>
+                      <a:prstDash val="solid"/>
+                    </a:lnR>
+                    <a:lnT w="12700" cmpd="sng">
+                      <a:solidFill>
+                        <a:schemeClr val="tx1"/>
+                      </a:solidFill>
+                      <a:prstDash val="solid"/>
+                    </a:lnT>
+                    <a:lnB w="12700" cap="flat" cmpd="sng" algn="ctr">
+                      <a:solidFill>
+                        <a:schemeClr val="tx1"/>
+                      </a:solidFill>
+                      <a:prstDash val="solid"/>
+                      <a:round/>
+                      <a:headEnd type="none" w="med" len="med"/>
+                      <a:tailEnd type="none" w="med" len="med"/>
+                    </a:lnB>
+                    <a:solidFill>
+                      <a:srgbClr val="D4EAF3">
+                        <a:alpha val="50196"/>
+                      </a:srgbClr>
+                    </a:solidFill>
+                  </a:tcPr>
+                </a:tc>
+                <a:extLst>
+                  <a:ext uri="{0D108BD9-81ED-4DB2-BD59-A6C34878D82A}">
+                    <a16:rowId xmlns:a16="http://schemas.microsoft.com/office/drawing/2014/main" val="2340748008"/>
+                  </a:ext>
+                </a:extLst>
+              </a:tr>
+              <a:tr h="366747">
+                <a:tc>
+                  <a:txBody>
+                    <a:bodyPr/>
+                    <a:lstStyle/>
+                    <a:p>
+                      <a:pPr marL="0" marR="0" lvl="0" indent="0" algn="ctr" defTabSz="914126" rtl="0" eaLnBrk="1" fontAlgn="auto" latinLnBrk="0" hangingPunct="1">
+                        <a:lnSpc>
+                          <a:spcPct val="100000"/>
+                        </a:lnSpc>
+                        <a:spcBef>
+                          <a:spcPts val="0"/>
+                        </a:spcBef>
+                        <a:spcAft>
+                          <a:spcPts val="0"/>
+                        </a:spcAft>
+                        <a:buClrTx/>
+                        <a:buSzTx/>
+                        <a:buFontTx/>
+                        <a:buNone/>
+                        <a:tabLst/>
+                        <a:defRPr/>
+                      </a:pPr>
+                      <a:r>
+                        <a:rPr lang="zh-TW" altLang="en-US" sz="2000" dirty="0"/>
+                        <a:t>時程風險</a:t>
+                      </a:r>
+                    </a:p>
+                  </a:txBody>
+                  <a:tcPr>
+                    <a:lnL w="12700" cmpd="sng">
+                      <a:solidFill>
+                        <a:schemeClr val="tx1"/>
+                      </a:solidFill>
+                      <a:prstDash val="solid"/>
+                    </a:lnL>
+                    <a:lnR w="12700" cap="flat" cmpd="sng" algn="ctr">
+                      <a:solidFill>
+                        <a:schemeClr val="tx1"/>
+                      </a:solidFill>
+                      <a:prstDash val="solid"/>
+                      <a:round/>
+                      <a:headEnd type="none" w="med" len="med"/>
+                      <a:tailEnd type="none" w="med" len="med"/>
+                    </a:lnR>
+                    <a:lnT w="12700" cap="flat" cmpd="sng" algn="ctr">
+                      <a:solidFill>
+                        <a:schemeClr val="tx1"/>
+                      </a:solidFill>
+                      <a:prstDash val="solid"/>
+                      <a:round/>
+                      <a:headEnd type="none" w="med" len="med"/>
+                      <a:tailEnd type="none" w="med" len="med"/>
+                    </a:lnT>
+                    <a:lnB w="12700" cap="flat" cmpd="sng" algn="ctr">
+                      <a:noFill/>
+                      <a:prstDash val="solid"/>
+                      <a:round/>
+                      <a:headEnd type="none" w="med" len="med"/>
+                      <a:tailEnd type="none" w="med" len="med"/>
+                    </a:lnB>
+                  </a:tcPr>
+                </a:tc>
+                <a:tc>
+                  <a:txBody>
+                    <a:bodyPr/>
+                    <a:lstStyle/>
+                    <a:p>
+                      <a:pPr marL="0" marR="0" lvl="0" indent="0" algn="ctr" defTabSz="914126" rtl="0" eaLnBrk="1" fontAlgn="auto" latinLnBrk="0" hangingPunct="1">
+                        <a:lnSpc>
+                          <a:spcPct val="100000"/>
+                        </a:lnSpc>
+                        <a:spcBef>
+                          <a:spcPts val="0"/>
+                        </a:spcBef>
+                        <a:spcAft>
+                          <a:spcPts val="0"/>
+                        </a:spcAft>
+                        <a:buClrTx/>
+                        <a:buSzTx/>
+                        <a:buFontTx/>
+                        <a:buNone/>
+                        <a:tabLst/>
+                        <a:defRPr/>
+                      </a:pPr>
+                      <a:r>
+                        <a:rPr lang="zh-TW" altLang="en-US" sz="1800" dirty="0"/>
+                        <a:t>時程規劃不周全</a:t>
+                      </a:r>
+                    </a:p>
+                  </a:txBody>
+                  <a:tcPr>
+                    <a:lnL w="12700" cap="flat" cmpd="sng" algn="ctr">
+                      <a:solidFill>
+                        <a:schemeClr val="tx1"/>
+                      </a:solidFill>
+                      <a:prstDash val="solid"/>
+                      <a:round/>
+                      <a:headEnd type="none" w="med" len="med"/>
+                      <a:tailEnd type="none" w="med" len="med"/>
+                    </a:lnL>
+                    <a:lnR w="12700" cap="flat" cmpd="sng" algn="ctr">
+                      <a:solidFill>
+                        <a:schemeClr val="tx1"/>
+                      </a:solidFill>
+                      <a:prstDash val="solid"/>
+                      <a:round/>
+                      <a:headEnd type="none" w="med" len="med"/>
+                      <a:tailEnd type="none" w="med" len="med"/>
+                    </a:lnR>
+                    <a:lnT w="12700" cmpd="sng">
+                      <a:solidFill>
+                        <a:schemeClr val="tx1"/>
+                      </a:solidFill>
+                      <a:prstDash val="solid"/>
+                    </a:lnT>
+                    <a:lnB w="12700" cap="flat" cmpd="sng" algn="ctr">
+                      <a:solidFill>
+                        <a:schemeClr val="tx1"/>
+                      </a:solidFill>
+                      <a:prstDash val="solid"/>
+                      <a:round/>
+                      <a:headEnd type="none" w="med" len="med"/>
+                      <a:tailEnd type="none" w="med" len="med"/>
+                    </a:lnB>
+                  </a:tcPr>
                 </a:tc>
                 <a:tc>
                   <a:txBody>
@@ -14127,13 +17146,44 @@
                     <a:lstStyle/>
                     <a:p>
                       <a:pPr algn="ctr"/>
-                      <a:endParaRPr lang="zh-TW" altLang="en-US">
-                        <a:latin typeface="標楷體" panose="03000509000000000000" pitchFamily="65" charset="-120"/>
-                        <a:ea typeface="標楷體" panose="03000509000000000000" pitchFamily="65" charset="-120"/>
-                      </a:endParaRPr>
+                      <a:endParaRPr lang="zh-TW" altLang="en-US" dirty="0"/>
                     </a:p>
                   </a:txBody>
-                  <a:tcPr/>
+                  <a:tcPr>
+                    <a:lnL w="12700" cap="flat" cmpd="sng" algn="ctr">
+                      <a:solidFill>
+                        <a:schemeClr val="tx1"/>
+                      </a:solidFill>
+                      <a:prstDash val="solid"/>
+                      <a:round/>
+                      <a:headEnd type="none" w="med" len="med"/>
+                      <a:tailEnd type="none" w="med" len="med"/>
+                    </a:lnL>
+                    <a:lnR w="12700" cap="flat" cmpd="sng" algn="ctr">
+                      <a:solidFill>
+                        <a:schemeClr val="tx1"/>
+                      </a:solidFill>
+                      <a:prstDash val="solid"/>
+                      <a:round/>
+                      <a:headEnd type="none" w="med" len="med"/>
+                      <a:tailEnd type="none" w="med" len="med"/>
+                    </a:lnR>
+                    <a:lnT w="12700" cmpd="sng">
+                      <a:solidFill>
+                        <a:schemeClr val="tx1"/>
+                      </a:solidFill>
+                      <a:prstDash val="solid"/>
+                    </a:lnT>
+                    <a:lnB w="12700" cap="flat" cmpd="sng" algn="ctr">
+                      <a:solidFill>
+                        <a:schemeClr val="tx1"/>
+                      </a:solidFill>
+                      <a:prstDash val="solid"/>
+                      <a:round/>
+                      <a:headEnd type="none" w="med" len="med"/>
+                      <a:tailEnd type="none" w="med" len="med"/>
+                    </a:lnB>
+                  </a:tcPr>
                 </a:tc>
                 <a:tc>
                   <a:txBody>
@@ -14141,17 +17191,525 @@
                     <a:lstStyle/>
                     <a:p>
                       <a:pPr algn="ctr"/>
-                      <a:endParaRPr lang="zh-TW" altLang="en-US" dirty="0">
-                        <a:latin typeface="標楷體" panose="03000509000000000000" pitchFamily="65" charset="-120"/>
-                        <a:ea typeface="標楷體" panose="03000509000000000000" pitchFamily="65" charset="-120"/>
-                      </a:endParaRPr>
+                      <a:endParaRPr lang="zh-TW" altLang="en-US" dirty="0"/>
                     </a:p>
                   </a:txBody>
-                  <a:tcPr/>
+                  <a:tcPr>
+                    <a:lnL w="12700" cap="flat" cmpd="sng" algn="ctr">
+                      <a:solidFill>
+                        <a:schemeClr val="tx1"/>
+                      </a:solidFill>
+                      <a:prstDash val="solid"/>
+                      <a:round/>
+                      <a:headEnd type="none" w="med" len="med"/>
+                      <a:tailEnd type="none" w="med" len="med"/>
+                    </a:lnL>
+                    <a:lnR w="12700" cap="flat" cmpd="sng" algn="ctr">
+                      <a:solidFill>
+                        <a:schemeClr val="tx1"/>
+                      </a:solidFill>
+                      <a:prstDash val="solid"/>
+                      <a:round/>
+                      <a:headEnd type="none" w="med" len="med"/>
+                      <a:tailEnd type="none" w="med" len="med"/>
+                    </a:lnR>
+                    <a:lnT w="12700" cmpd="sng">
+                      <a:solidFill>
+                        <a:schemeClr val="tx1"/>
+                      </a:solidFill>
+                      <a:prstDash val="solid"/>
+                    </a:lnT>
+                    <a:lnB w="12700" cap="flat" cmpd="sng" algn="ctr">
+                      <a:solidFill>
+                        <a:schemeClr val="tx1"/>
+                      </a:solidFill>
+                      <a:prstDash val="solid"/>
+                      <a:round/>
+                      <a:headEnd type="none" w="med" len="med"/>
+                      <a:tailEnd type="none" w="med" len="med"/>
+                    </a:lnB>
+                  </a:tcPr>
+                </a:tc>
+                <a:tc>
+                  <a:txBody>
+                    <a:bodyPr/>
+                    <a:lstStyle/>
+                    <a:p>
+                      <a:pPr algn="ctr"/>
+                      <a:endParaRPr lang="zh-TW" altLang="en-US" dirty="0"/>
+                    </a:p>
+                  </a:txBody>
+                  <a:tcPr>
+                    <a:lnL w="12700" cap="flat" cmpd="sng" algn="ctr">
+                      <a:solidFill>
+                        <a:schemeClr val="tx1"/>
+                      </a:solidFill>
+                      <a:prstDash val="solid"/>
+                      <a:round/>
+                      <a:headEnd type="none" w="med" len="med"/>
+                      <a:tailEnd type="none" w="med" len="med"/>
+                    </a:lnL>
+                    <a:lnR w="12700" cap="flat" cmpd="sng" algn="ctr">
+                      <a:solidFill>
+                        <a:schemeClr val="tx1"/>
+                      </a:solidFill>
+                      <a:prstDash val="solid"/>
+                      <a:round/>
+                      <a:headEnd type="none" w="med" len="med"/>
+                      <a:tailEnd type="none" w="med" len="med"/>
+                    </a:lnR>
+                    <a:lnT w="12700" cmpd="sng">
+                      <a:solidFill>
+                        <a:schemeClr val="tx1"/>
+                      </a:solidFill>
+                      <a:prstDash val="solid"/>
+                    </a:lnT>
+                    <a:lnB w="12700" cap="flat" cmpd="sng" algn="ctr">
+                      <a:solidFill>
+                        <a:schemeClr val="tx1"/>
+                      </a:solidFill>
+                      <a:prstDash val="solid"/>
+                      <a:round/>
+                      <a:headEnd type="none" w="med" len="med"/>
+                      <a:tailEnd type="none" w="med" len="med"/>
+                    </a:lnB>
+                  </a:tcPr>
+                </a:tc>
+                <a:tc>
+                  <a:txBody>
+                    <a:bodyPr/>
+                    <a:lstStyle/>
+                    <a:p>
+                      <a:pPr algn="ctr"/>
+                      <a:endParaRPr lang="zh-TW" altLang="en-US" dirty="0"/>
+                    </a:p>
+                  </a:txBody>
+                  <a:tcPr>
+                    <a:lnL w="12700" cap="flat" cmpd="sng" algn="ctr">
+                      <a:solidFill>
+                        <a:schemeClr val="tx1"/>
+                      </a:solidFill>
+                      <a:prstDash val="solid"/>
+                      <a:round/>
+                      <a:headEnd type="none" w="med" len="med"/>
+                      <a:tailEnd type="none" w="med" len="med"/>
+                    </a:lnL>
+                    <a:lnR w="12700" cap="flat" cmpd="sng" algn="ctr">
+                      <a:solidFill>
+                        <a:schemeClr val="tx1"/>
+                      </a:solidFill>
+                      <a:prstDash val="solid"/>
+                      <a:round/>
+                      <a:headEnd type="none" w="med" len="med"/>
+                      <a:tailEnd type="none" w="med" len="med"/>
+                    </a:lnR>
+                    <a:lnT w="12700" cmpd="sng">
+                      <a:solidFill>
+                        <a:schemeClr val="tx1"/>
+                      </a:solidFill>
+                      <a:prstDash val="solid"/>
+                    </a:lnT>
+                    <a:lnB w="12700" cap="flat" cmpd="sng" algn="ctr">
+                      <a:solidFill>
+                        <a:schemeClr val="tx1"/>
+                      </a:solidFill>
+                      <a:prstDash val="solid"/>
+                      <a:round/>
+                      <a:headEnd type="none" w="med" len="med"/>
+                      <a:tailEnd type="none" w="med" len="med"/>
+                    </a:lnB>
+                  </a:tcPr>
+                </a:tc>
+                <a:tc>
+                  <a:txBody>
+                    <a:bodyPr/>
+                    <a:lstStyle/>
+                    <a:p>
+                      <a:pPr algn="ctr"/>
+                      <a:endParaRPr lang="en-US" altLang="zh-TW" dirty="0"/>
+                    </a:p>
+                  </a:txBody>
+                  <a:tcPr>
+                    <a:lnL w="12700" cap="flat" cmpd="sng" algn="ctr">
+                      <a:solidFill>
+                        <a:schemeClr val="tx1"/>
+                      </a:solidFill>
+                      <a:prstDash val="solid"/>
+                      <a:round/>
+                      <a:headEnd type="none" w="med" len="med"/>
+                      <a:tailEnd type="none" w="med" len="med"/>
+                    </a:lnL>
+                    <a:lnR w="12700" cmpd="sng">
+                      <a:solidFill>
+                        <a:schemeClr val="tx1"/>
+                      </a:solidFill>
+                      <a:prstDash val="solid"/>
+                    </a:lnR>
+                    <a:lnT w="12700" cmpd="sng">
+                      <a:solidFill>
+                        <a:schemeClr val="tx1"/>
+                      </a:solidFill>
+                      <a:prstDash val="solid"/>
+                    </a:lnT>
+                    <a:lnB w="12700" cap="flat" cmpd="sng" algn="ctr">
+                      <a:solidFill>
+                        <a:schemeClr val="tx1"/>
+                      </a:solidFill>
+                      <a:prstDash val="solid"/>
+                      <a:round/>
+                      <a:headEnd type="none" w="med" len="med"/>
+                      <a:tailEnd type="none" w="med" len="med"/>
+                    </a:lnB>
+                  </a:tcPr>
                 </a:tc>
                 <a:extLst>
                   <a:ext uri="{0D108BD9-81ED-4DB2-BD59-A6C34878D82A}">
-                    <a16:rowId xmlns:a16="http://schemas.microsoft.com/office/drawing/2014/main" val="681658018"/>
+                    <a16:rowId xmlns:a16="http://schemas.microsoft.com/office/drawing/2014/main" val="1591071420"/>
+                  </a:ext>
+                </a:extLst>
+              </a:tr>
+              <a:tr h="294604">
+                <a:tc>
+                  <a:txBody>
+                    <a:bodyPr/>
+                    <a:lstStyle/>
+                    <a:p>
+                      <a:pPr algn="ctr"/>
+                      <a:endParaRPr lang="zh-TW" altLang="en-US" dirty="0"/>
+                    </a:p>
+                  </a:txBody>
+                  <a:tcPr>
+                    <a:lnL w="12700" cmpd="sng">
+                      <a:solidFill>
+                        <a:schemeClr val="tx1"/>
+                      </a:solidFill>
+                      <a:prstDash val="solid"/>
+                    </a:lnL>
+                    <a:lnR w="12700" cap="flat" cmpd="sng" algn="ctr">
+                      <a:solidFill>
+                        <a:schemeClr val="tx1"/>
+                      </a:solidFill>
+                      <a:prstDash val="solid"/>
+                      <a:round/>
+                      <a:headEnd type="none" w="med" len="med"/>
+                      <a:tailEnd type="none" w="med" len="med"/>
+                    </a:lnR>
+                    <a:lnT w="12700" cap="flat" cmpd="sng" algn="ctr">
+                      <a:noFill/>
+                      <a:prstDash val="solid"/>
+                      <a:round/>
+                      <a:headEnd type="none" w="med" len="med"/>
+                      <a:tailEnd type="none" w="med" len="med"/>
+                    </a:lnT>
+                    <a:lnB w="12700" cmpd="sng">
+                      <a:solidFill>
+                        <a:schemeClr val="tx1"/>
+                      </a:solidFill>
+                      <a:prstDash val="solid"/>
+                    </a:lnB>
+                  </a:tcPr>
+                </a:tc>
+                <a:tc>
+                  <a:txBody>
+                    <a:bodyPr/>
+                    <a:lstStyle/>
+                    <a:p>
+                      <a:pPr marL="0" marR="0" lvl="0" indent="0" algn="ctr" defTabSz="914126" rtl="0" eaLnBrk="1" fontAlgn="auto" latinLnBrk="0" hangingPunct="1">
+                        <a:lnSpc>
+                          <a:spcPct val="100000"/>
+                        </a:lnSpc>
+                        <a:spcBef>
+                          <a:spcPts val="0"/>
+                        </a:spcBef>
+                        <a:spcAft>
+                          <a:spcPts val="0"/>
+                        </a:spcAft>
+                        <a:buClrTx/>
+                        <a:buSzTx/>
+                        <a:buFontTx/>
+                        <a:buNone/>
+                        <a:tabLst/>
+                        <a:defRPr/>
+                      </a:pPr>
+                      <a:r>
+                        <a:rPr lang="zh-TW" altLang="en-US" dirty="0"/>
+                        <a:t>工作負荷過大</a:t>
+                      </a:r>
+                    </a:p>
+                  </a:txBody>
+                  <a:tcPr>
+                    <a:lnL w="12700" cap="flat" cmpd="sng" algn="ctr">
+                      <a:solidFill>
+                        <a:schemeClr val="tx1"/>
+                      </a:solidFill>
+                      <a:prstDash val="solid"/>
+                      <a:round/>
+                      <a:headEnd type="none" w="med" len="med"/>
+                      <a:tailEnd type="none" w="med" len="med"/>
+                    </a:lnL>
+                    <a:lnR w="12700" cap="flat" cmpd="sng" algn="ctr">
+                      <a:solidFill>
+                        <a:schemeClr val="tx1"/>
+                      </a:solidFill>
+                      <a:prstDash val="solid"/>
+                      <a:round/>
+                      <a:headEnd type="none" w="med" len="med"/>
+                      <a:tailEnd type="none" w="med" len="med"/>
+                    </a:lnR>
+                    <a:lnT w="12700" cmpd="sng">
+                      <a:solidFill>
+                        <a:schemeClr val="tx1"/>
+                      </a:solidFill>
+                      <a:prstDash val="solid"/>
+                    </a:lnT>
+                    <a:lnB w="12700" cmpd="sng">
+                      <a:solidFill>
+                        <a:schemeClr val="tx1"/>
+                      </a:solidFill>
+                      <a:prstDash val="solid"/>
+                    </a:lnB>
+                    <a:solidFill>
+                      <a:srgbClr val="D4EAF3">
+                        <a:alpha val="50196"/>
+                      </a:srgbClr>
+                    </a:solidFill>
+                  </a:tcPr>
+                </a:tc>
+                <a:tc>
+                  <a:txBody>
+                    <a:bodyPr/>
+                    <a:lstStyle/>
+                    <a:p>
+                      <a:pPr algn="ctr"/>
+                      <a:endParaRPr lang="zh-TW" altLang="en-US" dirty="0"/>
+                    </a:p>
+                  </a:txBody>
+                  <a:tcPr>
+                    <a:lnL w="12700" cap="flat" cmpd="sng" algn="ctr">
+                      <a:solidFill>
+                        <a:schemeClr val="tx1"/>
+                      </a:solidFill>
+                      <a:prstDash val="solid"/>
+                      <a:round/>
+                      <a:headEnd type="none" w="med" len="med"/>
+                      <a:tailEnd type="none" w="med" len="med"/>
+                    </a:lnL>
+                    <a:lnR w="12700" cap="flat" cmpd="sng" algn="ctr">
+                      <a:solidFill>
+                        <a:schemeClr val="tx1"/>
+                      </a:solidFill>
+                      <a:prstDash val="solid"/>
+                      <a:round/>
+                      <a:headEnd type="none" w="med" len="med"/>
+                      <a:tailEnd type="none" w="med" len="med"/>
+                    </a:lnR>
+                    <a:lnT w="12700" cmpd="sng">
+                      <a:solidFill>
+                        <a:schemeClr val="tx1"/>
+                      </a:solidFill>
+                      <a:prstDash val="solid"/>
+                    </a:lnT>
+                    <a:lnB w="12700" cmpd="sng">
+                      <a:solidFill>
+                        <a:schemeClr val="tx1"/>
+                      </a:solidFill>
+                      <a:prstDash val="solid"/>
+                    </a:lnB>
+                    <a:solidFill>
+                      <a:srgbClr val="D4EAF3">
+                        <a:alpha val="50196"/>
+                      </a:srgbClr>
+                    </a:solidFill>
+                  </a:tcPr>
+                </a:tc>
+                <a:tc>
+                  <a:txBody>
+                    <a:bodyPr/>
+                    <a:lstStyle/>
+                    <a:p>
+                      <a:pPr algn="ctr"/>
+                      <a:endParaRPr lang="zh-TW" altLang="en-US" dirty="0"/>
+                    </a:p>
+                  </a:txBody>
+                  <a:tcPr>
+                    <a:lnL w="12700" cap="flat" cmpd="sng" algn="ctr">
+                      <a:solidFill>
+                        <a:schemeClr val="tx1"/>
+                      </a:solidFill>
+                      <a:prstDash val="solid"/>
+                      <a:round/>
+                      <a:headEnd type="none" w="med" len="med"/>
+                      <a:tailEnd type="none" w="med" len="med"/>
+                    </a:lnL>
+                    <a:lnR w="12700" cap="flat" cmpd="sng" algn="ctr">
+                      <a:solidFill>
+                        <a:schemeClr val="tx1"/>
+                      </a:solidFill>
+                      <a:prstDash val="solid"/>
+                      <a:round/>
+                      <a:headEnd type="none" w="med" len="med"/>
+                      <a:tailEnd type="none" w="med" len="med"/>
+                    </a:lnR>
+                    <a:lnT w="12700" cmpd="sng">
+                      <a:solidFill>
+                        <a:schemeClr val="tx1"/>
+                      </a:solidFill>
+                      <a:prstDash val="solid"/>
+                    </a:lnT>
+                    <a:lnB w="12700" cmpd="sng">
+                      <a:solidFill>
+                        <a:schemeClr val="tx1"/>
+                      </a:solidFill>
+                      <a:prstDash val="solid"/>
+                    </a:lnB>
+                    <a:solidFill>
+                      <a:srgbClr val="D4EAF3">
+                        <a:alpha val="50196"/>
+                      </a:srgbClr>
+                    </a:solidFill>
+                  </a:tcPr>
+                </a:tc>
+                <a:tc>
+                  <a:txBody>
+                    <a:bodyPr/>
+                    <a:lstStyle/>
+                    <a:p>
+                      <a:pPr algn="ctr"/>
+                      <a:endParaRPr lang="zh-TW" altLang="en-US" dirty="0"/>
+                    </a:p>
+                  </a:txBody>
+                  <a:tcPr>
+                    <a:lnL w="12700" cap="flat" cmpd="sng" algn="ctr">
+                      <a:solidFill>
+                        <a:schemeClr val="tx1"/>
+                      </a:solidFill>
+                      <a:prstDash val="solid"/>
+                      <a:round/>
+                      <a:headEnd type="none" w="med" len="med"/>
+                      <a:tailEnd type="none" w="med" len="med"/>
+                    </a:lnL>
+                    <a:lnR w="12700" cap="flat" cmpd="sng" algn="ctr">
+                      <a:solidFill>
+                        <a:schemeClr val="tx1"/>
+                      </a:solidFill>
+                      <a:prstDash val="solid"/>
+                      <a:round/>
+                      <a:headEnd type="none" w="med" len="med"/>
+                      <a:tailEnd type="none" w="med" len="med"/>
+                    </a:lnR>
+                    <a:lnT w="12700" cmpd="sng">
+                      <a:solidFill>
+                        <a:schemeClr val="tx1"/>
+                      </a:solidFill>
+                      <a:prstDash val="solid"/>
+                    </a:lnT>
+                    <a:lnB w="12700" cmpd="sng">
+                      <a:solidFill>
+                        <a:schemeClr val="tx1"/>
+                      </a:solidFill>
+                      <a:prstDash val="solid"/>
+                    </a:lnB>
+                    <a:solidFill>
+                      <a:srgbClr val="D4EAF3">
+                        <a:alpha val="50196"/>
+                      </a:srgbClr>
+                    </a:solidFill>
+                  </a:tcPr>
+                </a:tc>
+                <a:tc>
+                  <a:txBody>
+                    <a:bodyPr/>
+                    <a:lstStyle/>
+                    <a:p>
+                      <a:pPr algn="ctr"/>
+                      <a:endParaRPr lang="zh-TW" altLang="en-US" dirty="0"/>
+                    </a:p>
+                  </a:txBody>
+                  <a:tcPr>
+                    <a:lnL w="12700" cap="flat" cmpd="sng" algn="ctr">
+                      <a:solidFill>
+                        <a:schemeClr val="tx1"/>
+                      </a:solidFill>
+                      <a:prstDash val="solid"/>
+                      <a:round/>
+                      <a:headEnd type="none" w="med" len="med"/>
+                      <a:tailEnd type="none" w="med" len="med"/>
+                    </a:lnL>
+                    <a:lnR w="12700" cap="flat" cmpd="sng" algn="ctr">
+                      <a:solidFill>
+                        <a:schemeClr val="tx1"/>
+                      </a:solidFill>
+                      <a:prstDash val="solid"/>
+                      <a:round/>
+                      <a:headEnd type="none" w="med" len="med"/>
+                      <a:tailEnd type="none" w="med" len="med"/>
+                    </a:lnR>
+                    <a:lnT w="12700" cmpd="sng">
+                      <a:solidFill>
+                        <a:schemeClr val="tx1"/>
+                      </a:solidFill>
+                      <a:prstDash val="solid"/>
+                    </a:lnT>
+                    <a:lnB w="12700" cmpd="sng">
+                      <a:solidFill>
+                        <a:schemeClr val="tx1"/>
+                      </a:solidFill>
+                      <a:prstDash val="solid"/>
+                    </a:lnB>
+                    <a:solidFill>
+                      <a:srgbClr val="D4EAF3">
+                        <a:alpha val="50196"/>
+                      </a:srgbClr>
+                    </a:solidFill>
+                  </a:tcPr>
+                </a:tc>
+                <a:tc>
+                  <a:txBody>
+                    <a:bodyPr/>
+                    <a:lstStyle/>
+                    <a:p>
+                      <a:pPr algn="ctr"/>
+                      <a:endParaRPr lang="en-US" altLang="zh-TW" dirty="0"/>
+                    </a:p>
+                  </a:txBody>
+                  <a:tcPr>
+                    <a:lnL w="12700" cap="flat" cmpd="sng" algn="ctr">
+                      <a:solidFill>
+                        <a:schemeClr val="tx1"/>
+                      </a:solidFill>
+                      <a:prstDash val="solid"/>
+                      <a:round/>
+                      <a:headEnd type="none" w="med" len="med"/>
+                      <a:tailEnd type="none" w="med" len="med"/>
+                    </a:lnL>
+                    <a:lnR w="12700" cmpd="sng">
+                      <a:solidFill>
+                        <a:schemeClr val="tx1"/>
+                      </a:solidFill>
+                      <a:prstDash val="solid"/>
+                    </a:lnR>
+                    <a:lnT w="12700" cmpd="sng">
+                      <a:solidFill>
+                        <a:schemeClr val="tx1"/>
+                      </a:solidFill>
+                      <a:prstDash val="solid"/>
+                    </a:lnT>
+                    <a:lnB w="12700" cmpd="sng">
+                      <a:solidFill>
+                        <a:schemeClr val="tx1"/>
+                      </a:solidFill>
+                      <a:prstDash val="solid"/>
+                    </a:lnB>
+                    <a:solidFill>
+                      <a:srgbClr val="D4EAF3">
+                        <a:alpha val="50196"/>
+                      </a:srgbClr>
+                    </a:solidFill>
+                  </a:tcPr>
+                </a:tc>
+                <a:extLst>
+                  <a:ext uri="{0D108BD9-81ED-4DB2-BD59-A6C34878D82A}">
+                    <a16:rowId xmlns:a16="http://schemas.microsoft.com/office/drawing/2014/main" val="972775092"/>
                   </a:ext>
                 </a:extLst>
               </a:tr>
@@ -14159,6 +17717,435 @@
           </a:graphicData>
         </a:graphic>
       </p:graphicFrame>
+      <p:pic>
+        <p:nvPicPr>
+          <p:cNvPr id="11" name="圖形 10" descr="核取記號">
+            <a:extLst>
+              <a:ext uri="{FF2B5EF4-FFF2-40B4-BE49-F238E27FC236}">
+                <a16:creationId xmlns:a16="http://schemas.microsoft.com/office/drawing/2014/main" id="{02FC3314-A8B1-4B2E-A930-DBED3A6625B1}"/>
+              </a:ext>
+            </a:extLst>
+          </p:cNvPr>
+          <p:cNvPicPr>
+            <a:picLocks noChangeAspect="1"/>
+          </p:cNvPicPr>
+          <p:nvPr/>
+        </p:nvPicPr>
+        <p:blipFill>
+          <a:blip r:embed="rId2" cstate="print">
+            <a:extLst>
+              <a:ext uri="{28A0092B-C50C-407E-A947-70E740481C1C}">
+                <a14:useLocalDpi xmlns:a14="http://schemas.microsoft.com/office/drawing/2010/main" val="0"/>
+              </a:ext>
+              <a:ext uri="{96DAC541-7B7A-43D3-8B79-37D633B846F1}">
+                <asvg:svgBlip xmlns:asvg="http://schemas.microsoft.com/office/drawing/2016/SVG/main" r:embed="rId3"/>
+              </a:ext>
+            </a:extLst>
+          </a:blip>
+          <a:stretch>
+            <a:fillRect/>
+          </a:stretch>
+        </p:blipFill>
+        <p:spPr>
+          <a:xfrm>
+            <a:off x="9298766" y="2204864"/>
+            <a:ext cx="360040" cy="360040"/>
+          </a:xfrm>
+          <a:prstGeom prst="rect">
+            <a:avLst/>
+          </a:prstGeom>
+        </p:spPr>
+      </p:pic>
+      <p:pic>
+        <p:nvPicPr>
+          <p:cNvPr id="12" name="圖形 11" descr="核取記號">
+            <a:extLst>
+              <a:ext uri="{FF2B5EF4-FFF2-40B4-BE49-F238E27FC236}">
+                <a16:creationId xmlns:a16="http://schemas.microsoft.com/office/drawing/2014/main" id="{8C19E994-213A-4124-A040-D4D2A057E0DE}"/>
+              </a:ext>
+            </a:extLst>
+          </p:cNvPr>
+          <p:cNvPicPr>
+            <a:picLocks noChangeAspect="1"/>
+          </p:cNvPicPr>
+          <p:nvPr/>
+        </p:nvPicPr>
+        <p:blipFill>
+          <a:blip r:embed="rId2" cstate="print">
+            <a:extLst>
+              <a:ext uri="{28A0092B-C50C-407E-A947-70E740481C1C}">
+                <a14:useLocalDpi xmlns:a14="http://schemas.microsoft.com/office/drawing/2010/main" val="0"/>
+              </a:ext>
+              <a:ext uri="{96DAC541-7B7A-43D3-8B79-37D633B846F1}">
+                <asvg:svgBlip xmlns:asvg="http://schemas.microsoft.com/office/drawing/2016/SVG/main" r:embed="rId3"/>
+              </a:ext>
+            </a:extLst>
+          </a:blip>
+          <a:stretch>
+            <a:fillRect/>
+          </a:stretch>
+        </p:blipFill>
+        <p:spPr>
+          <a:xfrm>
+            <a:off x="9298766" y="2636912"/>
+            <a:ext cx="360040" cy="360040"/>
+          </a:xfrm>
+          <a:prstGeom prst="rect">
+            <a:avLst/>
+          </a:prstGeom>
+        </p:spPr>
+      </p:pic>
+      <p:pic>
+        <p:nvPicPr>
+          <p:cNvPr id="13" name="圖形 12" descr="核取記號">
+            <a:extLst>
+              <a:ext uri="{FF2B5EF4-FFF2-40B4-BE49-F238E27FC236}">
+                <a16:creationId xmlns:a16="http://schemas.microsoft.com/office/drawing/2014/main" id="{F95B4F6F-742B-4F3F-8547-8673EDD0D4AB}"/>
+              </a:ext>
+            </a:extLst>
+          </p:cNvPr>
+          <p:cNvPicPr>
+            <a:picLocks noChangeAspect="1"/>
+          </p:cNvPicPr>
+          <p:nvPr/>
+        </p:nvPicPr>
+        <p:blipFill>
+          <a:blip r:embed="rId2" cstate="print">
+            <a:extLst>
+              <a:ext uri="{28A0092B-C50C-407E-A947-70E740481C1C}">
+                <a14:useLocalDpi xmlns:a14="http://schemas.microsoft.com/office/drawing/2010/main" val="0"/>
+              </a:ext>
+              <a:ext uri="{96DAC541-7B7A-43D3-8B79-37D633B846F1}">
+                <asvg:svgBlip xmlns:asvg="http://schemas.microsoft.com/office/drawing/2016/SVG/main" r:embed="rId3"/>
+              </a:ext>
+            </a:extLst>
+          </a:blip>
+          <a:stretch>
+            <a:fillRect/>
+          </a:stretch>
+        </p:blipFill>
+        <p:spPr>
+          <a:xfrm>
+            <a:off x="7966620" y="2924944"/>
+            <a:ext cx="360040" cy="360040"/>
+          </a:xfrm>
+          <a:prstGeom prst="rect">
+            <a:avLst/>
+          </a:prstGeom>
+        </p:spPr>
+      </p:pic>
+      <p:pic>
+        <p:nvPicPr>
+          <p:cNvPr id="14" name="圖形 13" descr="核取記號">
+            <a:extLst>
+              <a:ext uri="{FF2B5EF4-FFF2-40B4-BE49-F238E27FC236}">
+                <a16:creationId xmlns:a16="http://schemas.microsoft.com/office/drawing/2014/main" id="{AA49760B-28FF-4F31-BA2D-4C8E36A8EB94}"/>
+              </a:ext>
+            </a:extLst>
+          </p:cNvPr>
+          <p:cNvPicPr>
+            <a:picLocks noChangeAspect="1"/>
+          </p:cNvPicPr>
+          <p:nvPr/>
+        </p:nvPicPr>
+        <p:blipFill>
+          <a:blip r:embed="rId2" cstate="print">
+            <a:extLst>
+              <a:ext uri="{28A0092B-C50C-407E-A947-70E740481C1C}">
+                <a14:useLocalDpi xmlns:a14="http://schemas.microsoft.com/office/drawing/2010/main" val="0"/>
+              </a:ext>
+              <a:ext uri="{96DAC541-7B7A-43D3-8B79-37D633B846F1}">
+                <asvg:svgBlip xmlns:asvg="http://schemas.microsoft.com/office/drawing/2016/SVG/main" r:embed="rId3"/>
+              </a:ext>
+            </a:extLst>
+          </a:blip>
+          <a:stretch>
+            <a:fillRect/>
+          </a:stretch>
+        </p:blipFill>
+        <p:spPr>
+          <a:xfrm>
+            <a:off x="10522902" y="3356992"/>
+            <a:ext cx="360040" cy="360040"/>
+          </a:xfrm>
+          <a:prstGeom prst="rect">
+            <a:avLst/>
+          </a:prstGeom>
+        </p:spPr>
+      </p:pic>
+      <p:pic>
+        <p:nvPicPr>
+          <p:cNvPr id="15" name="圖形 14" descr="核取記號">
+            <a:extLst>
+              <a:ext uri="{FF2B5EF4-FFF2-40B4-BE49-F238E27FC236}">
+                <a16:creationId xmlns:a16="http://schemas.microsoft.com/office/drawing/2014/main" id="{33A926F0-27C8-49BF-AB24-755A195B1C49}"/>
+              </a:ext>
+            </a:extLst>
+          </p:cNvPr>
+          <p:cNvPicPr>
+            <a:picLocks noChangeAspect="1"/>
+          </p:cNvPicPr>
+          <p:nvPr/>
+        </p:nvPicPr>
+        <p:blipFill>
+          <a:blip r:embed="rId2" cstate="print">
+            <a:extLst>
+              <a:ext uri="{28A0092B-C50C-407E-A947-70E740481C1C}">
+                <a14:useLocalDpi xmlns:a14="http://schemas.microsoft.com/office/drawing/2010/main" val="0"/>
+              </a:ext>
+              <a:ext uri="{96DAC541-7B7A-43D3-8B79-37D633B846F1}">
+                <asvg:svgBlip xmlns:asvg="http://schemas.microsoft.com/office/drawing/2016/SVG/main" r:embed="rId3"/>
+              </a:ext>
+            </a:extLst>
+          </a:blip>
+          <a:stretch>
+            <a:fillRect/>
+          </a:stretch>
+        </p:blipFill>
+        <p:spPr>
+          <a:xfrm>
+            <a:off x="7966620" y="3717032"/>
+            <a:ext cx="360040" cy="360040"/>
+          </a:xfrm>
+          <a:prstGeom prst="rect">
+            <a:avLst/>
+          </a:prstGeom>
+        </p:spPr>
+      </p:pic>
+      <p:pic>
+        <p:nvPicPr>
+          <p:cNvPr id="16" name="圖形 15" descr="核取記號">
+            <a:extLst>
+              <a:ext uri="{FF2B5EF4-FFF2-40B4-BE49-F238E27FC236}">
+                <a16:creationId xmlns:a16="http://schemas.microsoft.com/office/drawing/2014/main" id="{3BDF6308-306E-4350-A649-4B23FFBC0862}"/>
+              </a:ext>
+            </a:extLst>
+          </p:cNvPr>
+          <p:cNvPicPr>
+            <a:picLocks noChangeAspect="1"/>
+          </p:cNvPicPr>
+          <p:nvPr/>
+        </p:nvPicPr>
+        <p:blipFill>
+          <a:blip r:embed="rId2" cstate="print">
+            <a:extLst>
+              <a:ext uri="{28A0092B-C50C-407E-A947-70E740481C1C}">
+                <a14:useLocalDpi xmlns:a14="http://schemas.microsoft.com/office/drawing/2010/main" val="0"/>
+              </a:ext>
+              <a:ext uri="{96DAC541-7B7A-43D3-8B79-37D633B846F1}">
+                <asvg:svgBlip xmlns:asvg="http://schemas.microsoft.com/office/drawing/2016/SVG/main" r:embed="rId3"/>
+              </a:ext>
+            </a:extLst>
+          </a:blip>
+          <a:stretch>
+            <a:fillRect/>
+          </a:stretch>
+        </p:blipFill>
+        <p:spPr>
+          <a:xfrm>
+            <a:off x="7966620" y="4797152"/>
+            <a:ext cx="360040" cy="360040"/>
+          </a:xfrm>
+          <a:prstGeom prst="rect">
+            <a:avLst/>
+          </a:prstGeom>
+        </p:spPr>
+      </p:pic>
+      <p:pic>
+        <p:nvPicPr>
+          <p:cNvPr id="17" name="圖形 16" descr="核取記號">
+            <a:extLst>
+              <a:ext uri="{FF2B5EF4-FFF2-40B4-BE49-F238E27FC236}">
+                <a16:creationId xmlns:a16="http://schemas.microsoft.com/office/drawing/2014/main" id="{20058B8C-914B-4C95-BA10-C729EF2B0E8E}"/>
+              </a:ext>
+            </a:extLst>
+          </p:cNvPr>
+          <p:cNvPicPr>
+            <a:picLocks noChangeAspect="1"/>
+          </p:cNvPicPr>
+          <p:nvPr/>
+        </p:nvPicPr>
+        <p:blipFill>
+          <a:blip r:embed="rId2" cstate="print">
+            <a:extLst>
+              <a:ext uri="{28A0092B-C50C-407E-A947-70E740481C1C}">
+                <a14:useLocalDpi xmlns:a14="http://schemas.microsoft.com/office/drawing/2010/main" val="0"/>
+              </a:ext>
+              <a:ext uri="{96DAC541-7B7A-43D3-8B79-37D633B846F1}">
+                <asvg:svgBlip xmlns:asvg="http://schemas.microsoft.com/office/drawing/2016/SVG/main" r:embed="rId3"/>
+              </a:ext>
+            </a:extLst>
+          </a:blip>
+          <a:stretch>
+            <a:fillRect/>
+          </a:stretch>
+        </p:blipFill>
+        <p:spPr>
+          <a:xfrm>
+            <a:off x="6742484" y="4077072"/>
+            <a:ext cx="360040" cy="360040"/>
+          </a:xfrm>
+          <a:prstGeom prst="rect">
+            <a:avLst/>
+          </a:prstGeom>
+        </p:spPr>
+      </p:pic>
+      <p:pic>
+        <p:nvPicPr>
+          <p:cNvPr id="18" name="圖形 17" descr="核取記號">
+            <a:extLst>
+              <a:ext uri="{FF2B5EF4-FFF2-40B4-BE49-F238E27FC236}">
+                <a16:creationId xmlns:a16="http://schemas.microsoft.com/office/drawing/2014/main" id="{6E392FC4-913F-4791-AF29-BE5619E2593A}"/>
+              </a:ext>
+            </a:extLst>
+          </p:cNvPr>
+          <p:cNvPicPr>
+            <a:picLocks noChangeAspect="1"/>
+          </p:cNvPicPr>
+          <p:nvPr/>
+        </p:nvPicPr>
+        <p:blipFill>
+          <a:blip r:embed="rId2" cstate="print">
+            <a:extLst>
+              <a:ext uri="{28A0092B-C50C-407E-A947-70E740481C1C}">
+                <a14:useLocalDpi xmlns:a14="http://schemas.microsoft.com/office/drawing/2010/main" val="0"/>
+              </a:ext>
+              <a:ext uri="{96DAC541-7B7A-43D3-8B79-37D633B846F1}">
+                <asvg:svgBlip xmlns:asvg="http://schemas.microsoft.com/office/drawing/2016/SVG/main" r:embed="rId3"/>
+              </a:ext>
+            </a:extLst>
+          </a:blip>
+          <a:stretch>
+            <a:fillRect/>
+          </a:stretch>
+        </p:blipFill>
+        <p:spPr>
+          <a:xfrm>
+            <a:off x="5518348" y="4437112"/>
+            <a:ext cx="360040" cy="360040"/>
+          </a:xfrm>
+          <a:prstGeom prst="rect">
+            <a:avLst/>
+          </a:prstGeom>
+        </p:spPr>
+      </p:pic>
+      <p:pic>
+        <p:nvPicPr>
+          <p:cNvPr id="19" name="圖形 18" descr="核取記號">
+            <a:extLst>
+              <a:ext uri="{FF2B5EF4-FFF2-40B4-BE49-F238E27FC236}">
+                <a16:creationId xmlns:a16="http://schemas.microsoft.com/office/drawing/2014/main" id="{8273FFA9-F0A2-4286-BA74-DE4F5126B372}"/>
+              </a:ext>
+            </a:extLst>
+          </p:cNvPr>
+          <p:cNvPicPr>
+            <a:picLocks noChangeAspect="1"/>
+          </p:cNvPicPr>
+          <p:nvPr/>
+        </p:nvPicPr>
+        <p:blipFill>
+          <a:blip r:embed="rId2" cstate="print">
+            <a:extLst>
+              <a:ext uri="{28A0092B-C50C-407E-A947-70E740481C1C}">
+                <a14:useLocalDpi xmlns:a14="http://schemas.microsoft.com/office/drawing/2010/main" val="0"/>
+              </a:ext>
+              <a:ext uri="{96DAC541-7B7A-43D3-8B79-37D633B846F1}">
+                <asvg:svgBlip xmlns:asvg="http://schemas.microsoft.com/office/drawing/2016/SVG/main" r:embed="rId3"/>
+              </a:ext>
+            </a:extLst>
+          </a:blip>
+          <a:stretch>
+            <a:fillRect/>
+          </a:stretch>
+        </p:blipFill>
+        <p:spPr>
+          <a:xfrm>
+            <a:off x="6742484" y="5157192"/>
+            <a:ext cx="360040" cy="360040"/>
+          </a:xfrm>
+          <a:prstGeom prst="rect">
+            <a:avLst/>
+          </a:prstGeom>
+        </p:spPr>
+      </p:pic>
+      <p:pic>
+        <p:nvPicPr>
+          <p:cNvPr id="20" name="圖形 19" descr="核取記號">
+            <a:extLst>
+              <a:ext uri="{FF2B5EF4-FFF2-40B4-BE49-F238E27FC236}">
+                <a16:creationId xmlns:a16="http://schemas.microsoft.com/office/drawing/2014/main" id="{70B470E0-93FC-4A8E-BF66-D53013BD77B1}"/>
+              </a:ext>
+            </a:extLst>
+          </p:cNvPr>
+          <p:cNvPicPr>
+            <a:picLocks noChangeAspect="1"/>
+          </p:cNvPicPr>
+          <p:nvPr/>
+        </p:nvPicPr>
+        <p:blipFill>
+          <a:blip r:embed="rId2" cstate="print">
+            <a:extLst>
+              <a:ext uri="{28A0092B-C50C-407E-A947-70E740481C1C}">
+                <a14:useLocalDpi xmlns:a14="http://schemas.microsoft.com/office/drawing/2010/main" val="0"/>
+              </a:ext>
+              <a:ext uri="{96DAC541-7B7A-43D3-8B79-37D633B846F1}">
+                <asvg:svgBlip xmlns:asvg="http://schemas.microsoft.com/office/drawing/2016/SVG/main" r:embed="rId3"/>
+              </a:ext>
+            </a:extLst>
+          </a:blip>
+          <a:stretch>
+            <a:fillRect/>
+          </a:stretch>
+        </p:blipFill>
+        <p:spPr>
+          <a:xfrm>
+            <a:off x="7966620" y="5949280"/>
+            <a:ext cx="360040" cy="360040"/>
+          </a:xfrm>
+          <a:prstGeom prst="rect">
+            <a:avLst/>
+          </a:prstGeom>
+        </p:spPr>
+      </p:pic>
+      <p:pic>
+        <p:nvPicPr>
+          <p:cNvPr id="21" name="圖形 20" descr="核取記號">
+            <a:extLst>
+              <a:ext uri="{FF2B5EF4-FFF2-40B4-BE49-F238E27FC236}">
+                <a16:creationId xmlns:a16="http://schemas.microsoft.com/office/drawing/2014/main" id="{2BB5211C-CDF6-4CC1-B221-C27EBFF238B9}"/>
+              </a:ext>
+            </a:extLst>
+          </p:cNvPr>
+          <p:cNvPicPr>
+            <a:picLocks noChangeAspect="1"/>
+          </p:cNvPicPr>
+          <p:nvPr/>
+        </p:nvPicPr>
+        <p:blipFill>
+          <a:blip r:embed="rId2" cstate="print">
+            <a:extLst>
+              <a:ext uri="{28A0092B-C50C-407E-A947-70E740481C1C}">
+                <a14:useLocalDpi xmlns:a14="http://schemas.microsoft.com/office/drawing/2010/main" val="0"/>
+              </a:ext>
+              <a:ext uri="{96DAC541-7B7A-43D3-8B79-37D633B846F1}">
+                <asvg:svgBlip xmlns:asvg="http://schemas.microsoft.com/office/drawing/2016/SVG/main" r:embed="rId3"/>
+              </a:ext>
+            </a:extLst>
+          </a:blip>
+          <a:stretch>
+            <a:fillRect/>
+          </a:stretch>
+        </p:blipFill>
+        <p:spPr>
+          <a:xfrm>
+            <a:off x="6742484" y="5589240"/>
+            <a:ext cx="360040" cy="360040"/>
+          </a:xfrm>
+          <a:prstGeom prst="rect">
+            <a:avLst/>
+          </a:prstGeom>
+        </p:spPr>
+      </p:pic>
     </p:spTree>
     <p:extLst>
       <p:ext uri="{BB962C8B-B14F-4D97-AF65-F5344CB8AC3E}">
@@ -16641,7 +20628,7 @@
               </a:spcAft>
             </a:pPr>
             <a:r>
-              <a:rPr lang="zh-TW" altLang="zh-TW" sz="3200" b="1" kern="100" dirty="0">
+              <a:rPr lang="zh-TW" altLang="zh-TW" sz="3200" kern="100" dirty="0">
                 <a:effectLst/>
                 <a:latin typeface="Calibri Light" panose="020F0302020204030204" pitchFamily="34" charset="0"/>
                 <a:ea typeface="標楷體" panose="03000509000000000000" pitchFamily="65" charset="-120"/>
@@ -16650,15 +20637,22 @@
               <a:t>系統範圍</a:t>
             </a:r>
             <a:r>
-              <a:rPr lang="en-US" altLang="zh-TW" sz="3200" b="1" kern="100" dirty="0">
+              <a:rPr lang="en-US" altLang="zh-TW" sz="3200" kern="100" dirty="0">
                 <a:effectLst/>
                 <a:latin typeface="Calibri Light" panose="020F0302020204030204" pitchFamily="34" charset="0"/>
                 <a:ea typeface="標楷體" panose="03000509000000000000" pitchFamily="65" charset="-120"/>
                 <a:cs typeface="Times New Roman" panose="02020603050405020304" pitchFamily="18" charset="0"/>
               </a:rPr>
-              <a:t>  :</a:t>
-            </a:r>
-            <a:endParaRPr lang="zh-TW" altLang="zh-TW" sz="1600" b="1" kern="100" dirty="0">
+              <a:t> </a:t>
+            </a:r>
+            <a:r>
+              <a:rPr lang="en-US" altLang="zh-TW" sz="3200" dirty="0">
+                <a:latin typeface="標楷體" panose="03000509000000000000" pitchFamily="65" charset="-120"/>
+                <a:ea typeface="標楷體" panose="03000509000000000000" pitchFamily="65" charset="-120"/>
+              </a:rPr>
+              <a:t>:</a:t>
+            </a:r>
+            <a:endParaRPr lang="zh-TW" altLang="zh-TW" sz="1600" kern="100" dirty="0">
               <a:effectLst/>
               <a:latin typeface="Calibri Light" panose="020F0302020204030204" pitchFamily="34" charset="0"/>
               <a:ea typeface="新細明體" panose="02020500000000000000" pitchFamily="18" charset="-120"/>
